--- a/thesis/ukapp2/wqu_isc/sofware_design/Javabc04.pptx
+++ b/thesis/ukapp2/wqu_isc/sofware_design/Javabc04.pptx
@@ -1,6 +1,6 @@
 
 <file path=ppt/presentation.xml><?xml version="1.0" encoding="utf-8"?>
-<p:presentation xmlns:a="http://schemas.openxmlformats.org/drawingml/2006/main" xmlns:r="http://schemas.openxmlformats.org/officeDocument/2006/relationships" xmlns:p="http://schemas.openxmlformats.org/presentationml/2006/main" saveSubsetFonts="1">
+<p:presentation xmlns:a="http://schemas.openxmlformats.org/drawingml/2006/main" xmlns:r="http://schemas.openxmlformats.org/officeDocument/2006/relationships" xmlns:p="http://schemas.openxmlformats.org/presentationml/2006/main" embedTrueTypeFonts="1" saveSubsetFonts="1">
   <p:sldMasterIdLst>
     <p:sldMasterId id="2147483672" r:id="rId4"/>
   </p:sldMasterIdLst>
@@ -51,6 +51,20 @@
   </p:sldIdLst>
   <p:sldSz cx="9144000" cy="6858000" type="screen4x3"/>
   <p:notesSz cx="6858000" cy="9144000"/>
+  <p:embeddedFontLst>
+    <p:embeddedFont>
+      <p:font typeface="Calibri" panose="020F0502020204030204" pitchFamily="34" charset="0"/>
+      <p:regular r:id="rId46"/>
+      <p:bold r:id="rId47"/>
+      <p:italic r:id="rId48"/>
+      <p:boldItalic r:id="rId49"/>
+    </p:embeddedFont>
+    <p:embeddedFont>
+      <p:font typeface="Calibri Light" panose="020F0302020204030204" pitchFamily="34" charset="0"/>
+      <p:regular r:id="rId50"/>
+      <p:italic r:id="rId51"/>
+    </p:embeddedFont>
+  </p:embeddedFontLst>
   <p:defaultTextStyle>
     <a:defPPr>
       <a:defRPr lang="en-US"/>
@@ -236,7 +250,7 @@
           <a:p>
             <a:fld id="{90934801-70BC-4C45-ABF4-D245F80D8686}" type="datetimeFigureOut">
               <a:rPr lang="en-GB" smtClean="0"/>
-              <a:t>24/10/2020</a:t>
+              <a:t>25/10/2020</a:t>
             </a:fld>
             <a:endParaRPr lang="en-GB"/>
           </a:p>
@@ -1068,7 +1082,7 @@
           <a:p>
             <a:fld id="{CD13FC2D-BEDB-45BE-AF82-649A39BEFF71}" type="datetimeFigureOut">
               <a:rPr lang="en-GB" smtClean="0"/>
-              <a:t>24/10/2020</a:t>
+              <a:t>25/10/2020</a:t>
             </a:fld>
             <a:endParaRPr lang="en-GB"/>
           </a:p>
@@ -1279,7 +1293,7 @@
           <a:p>
             <a:fld id="{CD13FC2D-BEDB-45BE-AF82-649A39BEFF71}" type="datetimeFigureOut">
               <a:rPr lang="en-GB" smtClean="0"/>
-              <a:t>24/10/2020</a:t>
+              <a:t>25/10/2020</a:t>
             </a:fld>
             <a:endParaRPr lang="en-GB"/>
           </a:p>
@@ -1538,7 +1552,7 @@
           <a:p>
             <a:fld id="{CD13FC2D-BEDB-45BE-AF82-649A39BEFF71}" type="datetimeFigureOut">
               <a:rPr lang="en-GB" smtClean="0"/>
-              <a:t>24/10/2020</a:t>
+              <a:t>25/10/2020</a:t>
             </a:fld>
             <a:endParaRPr lang="en-GB"/>
           </a:p>
@@ -1711,7 +1725,7 @@
           <a:p>
             <a:fld id="{CD13FC2D-BEDB-45BE-AF82-649A39BEFF71}" type="datetimeFigureOut">
               <a:rPr lang="en-GB" smtClean="0"/>
-              <a:t>24/10/2020</a:t>
+              <a:t>25/10/2020</a:t>
             </a:fld>
             <a:endParaRPr lang="en-GB"/>
           </a:p>
@@ -2057,7 +2071,7 @@
           <a:p>
             <a:fld id="{CD13FC2D-BEDB-45BE-AF82-649A39BEFF71}" type="datetimeFigureOut">
               <a:rPr lang="en-GB" smtClean="0"/>
-              <a:t>24/10/2020</a:t>
+              <a:t>25/10/2020</a:t>
             </a:fld>
             <a:endParaRPr lang="en-GB"/>
           </a:p>
@@ -2335,7 +2349,7 @@
           <a:p>
             <a:fld id="{CD13FC2D-BEDB-45BE-AF82-649A39BEFF71}" type="datetimeFigureOut">
               <a:rPr lang="en-GB" smtClean="0"/>
-              <a:t>24/10/2020</a:t>
+              <a:t>25/10/2020</a:t>
             </a:fld>
             <a:endParaRPr lang="en-GB"/>
           </a:p>
@@ -2717,7 +2731,7 @@
           <a:p>
             <a:fld id="{CD13FC2D-BEDB-45BE-AF82-649A39BEFF71}" type="datetimeFigureOut">
               <a:rPr lang="en-GB" smtClean="0"/>
-              <a:t>24/10/2020</a:t>
+              <a:t>25/10/2020</a:t>
             </a:fld>
             <a:endParaRPr lang="en-GB"/>
           </a:p>
@@ -2838,7 +2852,7 @@
           <a:p>
             <a:fld id="{CD13FC2D-BEDB-45BE-AF82-649A39BEFF71}" type="datetimeFigureOut">
               <a:rPr lang="en-GB" smtClean="0"/>
-              <a:t>24/10/2020</a:t>
+              <a:t>25/10/2020</a:t>
             </a:fld>
             <a:endParaRPr lang="en-GB"/>
           </a:p>
@@ -3012,7 +3026,7 @@
           <a:p>
             <a:fld id="{CD13FC2D-BEDB-45BE-AF82-649A39BEFF71}" type="datetimeFigureOut">
               <a:rPr lang="en-GB" smtClean="0"/>
-              <a:t>24/10/2020</a:t>
+              <a:t>25/10/2020</a:t>
             </a:fld>
             <a:endParaRPr lang="en-GB"/>
           </a:p>
@@ -3369,7 +3383,7 @@
           <a:p>
             <a:fld id="{CD13FC2D-BEDB-45BE-AF82-649A39BEFF71}" type="datetimeFigureOut">
               <a:rPr lang="en-GB" smtClean="0"/>
-              <a:t>24/10/2020</a:t>
+              <a:t>25/10/2020</a:t>
             </a:fld>
             <a:endParaRPr lang="en-GB"/>
           </a:p>
@@ -3754,7 +3768,7 @@
           <a:p>
             <a:fld id="{CD13FC2D-BEDB-45BE-AF82-649A39BEFF71}" type="datetimeFigureOut">
               <a:rPr lang="en-GB" smtClean="0"/>
-              <a:t>24/10/2020</a:t>
+              <a:t>25/10/2020</a:t>
             </a:fld>
             <a:endParaRPr lang="en-GB"/>
           </a:p>
@@ -4044,7 +4058,7 @@
           <a:p>
             <a:fld id="{CD13FC2D-BEDB-45BE-AF82-649A39BEFF71}" type="datetimeFigureOut">
               <a:rPr lang="en-GB" smtClean="0"/>
-              <a:t>24/10/2020</a:t>
+              <a:t>25/10/2020</a:t>
             </a:fld>
             <a:endParaRPr lang="en-GB"/>
           </a:p>
@@ -5248,6 +5262,41 @@
           <a:chExt cx="0" cy="0"/>
         </a:xfrm>
       </p:grpSpPr>
+      <p:pic>
+        <p:nvPicPr>
+          <p:cNvPr id="12" name="Content Placeholder 11" descr="Diagram&#10;&#10;Description automatically generated">
+            <a:extLst>
+              <a:ext uri="{FF2B5EF4-FFF2-40B4-BE49-F238E27FC236}">
+                <a16:creationId xmlns:a16="http://schemas.microsoft.com/office/drawing/2014/main" id="{879FAF51-A109-4FFC-B8D5-B60449BF4D09}"/>
+              </a:ext>
+            </a:extLst>
+          </p:cNvPr>
+          <p:cNvPicPr>
+            <a:picLocks noGrp="1" noChangeAspect="1"/>
+          </p:cNvPicPr>
+          <p:nvPr>
+            <p:ph idx="1"/>
+          </p:nvPr>
+        </p:nvPicPr>
+        <p:blipFill>
+          <a:blip r:embed="rId2">
+            <a:extLst>
+              <a:ext uri="{28A0092B-C50C-407E-A947-70E740481C1C}">
+                <a14:useLocalDpi xmlns:a14="http://schemas.microsoft.com/office/drawing/2010/main" val="0"/>
+              </a:ext>
+            </a:extLst>
+          </a:blip>
+          <a:stretch>
+            <a:fillRect/>
+          </a:stretch>
+        </p:blipFill>
+        <p:spPr>
+          <a:xfrm>
+            <a:off x="1585522" y="792238"/>
+            <a:ext cx="6122856" cy="5550048"/>
+          </a:xfrm>
+        </p:spPr>
+      </p:pic>
       <p:sp>
         <p:nvSpPr>
           <p:cNvPr id="2" name="Title 1">
@@ -5278,46 +5327,11 @@
           <a:p>
             <a:r>
               <a:rPr lang="en-GB" sz="2800" dirty="0"/>
-              <a:t>POS Class diagram – Composition vs Inheritance</a:t>
+              <a:t>POS Class diagram – Containment vs Inheritance</a:t>
             </a:r>
           </a:p>
         </p:txBody>
       </p:sp>
-      <p:pic>
-        <p:nvPicPr>
-          <p:cNvPr id="12" name="Content Placeholder 11" descr="Diagram&#10;&#10;Description automatically generated">
-            <a:extLst>
-              <a:ext uri="{FF2B5EF4-FFF2-40B4-BE49-F238E27FC236}">
-                <a16:creationId xmlns:a16="http://schemas.microsoft.com/office/drawing/2014/main" id="{F7F1C9E2-C167-4F32-9AA1-52779121CBF8}"/>
-              </a:ext>
-            </a:extLst>
-          </p:cNvPr>
-          <p:cNvPicPr>
-            <a:picLocks noGrp="1" noChangeAspect="1"/>
-          </p:cNvPicPr>
-          <p:nvPr>
-            <p:ph idx="1"/>
-          </p:nvPr>
-        </p:nvPicPr>
-        <p:blipFill>
-          <a:blip r:embed="rId2">
-            <a:extLst>
-              <a:ext uri="{28A0092B-C50C-407E-A947-70E740481C1C}">
-                <a14:useLocalDpi xmlns:a14="http://schemas.microsoft.com/office/drawing/2010/main" val="0"/>
-              </a:ext>
-            </a:extLst>
-          </a:blip>
-          <a:stretch>
-            <a:fillRect/>
-          </a:stretch>
-        </p:blipFill>
-        <p:spPr>
-          <a:xfrm>
-            <a:off x="1547814" y="789540"/>
-            <a:ext cx="6207199" cy="5626501"/>
-          </a:xfrm>
-        </p:spPr>
-      </p:pic>
       <p:sp>
         <p:nvSpPr>
           <p:cNvPr id="4" name="Rectangle: Rounded Corners 3">
@@ -5332,8 +5346,66 @@
         </p:nvSpPr>
         <p:spPr>
           <a:xfrm>
-            <a:off x="1547814" y="4225772"/>
+            <a:off x="1604376" y="4188065"/>
             <a:ext cx="1241346" cy="786470"/>
+          </a:xfrm>
+          <a:prstGeom prst="roundRect">
+            <a:avLst/>
+          </a:prstGeom>
+          <a:solidFill>
+            <a:schemeClr val="bg2">
+              <a:alpha val="38824"/>
+            </a:schemeClr>
+          </a:solidFill>
+          <a:ln>
+            <a:solidFill>
+              <a:schemeClr val="bg2">
+                <a:lumMod val="50000"/>
+              </a:schemeClr>
+            </a:solidFill>
+          </a:ln>
+        </p:spPr>
+        <p:style>
+          <a:lnRef idx="2">
+            <a:schemeClr val="accent1">
+              <a:shade val="50000"/>
+            </a:schemeClr>
+          </a:lnRef>
+          <a:fillRef idx="1">
+            <a:schemeClr val="accent1"/>
+          </a:fillRef>
+          <a:effectRef idx="0">
+            <a:schemeClr val="accent1"/>
+          </a:effectRef>
+          <a:fontRef idx="minor">
+            <a:schemeClr val="lt1"/>
+          </a:fontRef>
+        </p:style>
+        <p:txBody>
+          <a:bodyPr rtlCol="0" anchor="ctr"/>
+          <a:lstStyle/>
+          <a:p>
+            <a:pPr algn="ctr"/>
+            <a:endParaRPr lang="en-GB"/>
+          </a:p>
+        </p:txBody>
+      </p:sp>
+      <p:sp>
+        <p:nvSpPr>
+          <p:cNvPr id="5" name="Rectangle: Rounded Corners 4">
+            <a:extLst>
+              <a:ext uri="{FF2B5EF4-FFF2-40B4-BE49-F238E27FC236}">
+                <a16:creationId xmlns:a16="http://schemas.microsoft.com/office/drawing/2014/main" id="{B63A072A-28E9-4EA3-B9F4-F6A799122467}"/>
+              </a:ext>
+            </a:extLst>
+          </p:cNvPr>
+          <p:cNvSpPr/>
+          <p:nvPr/>
+        </p:nvSpPr>
+        <p:spPr>
+          <a:xfrm>
+            <a:off x="1488348" y="933825"/>
+            <a:ext cx="1559000" cy="2982516"/>
           </a:xfrm>
           <a:prstGeom prst="roundRect">
             <a:avLst/>
@@ -5371,57 +5443,6 @@
       </p:sp>
       <p:sp>
         <p:nvSpPr>
-          <p:cNvPr id="5" name="Rectangle: Rounded Corners 4">
-            <a:extLst>
-              <a:ext uri="{FF2B5EF4-FFF2-40B4-BE49-F238E27FC236}">
-                <a16:creationId xmlns:a16="http://schemas.microsoft.com/office/drawing/2014/main" id="{B63A072A-28E9-4EA3-B9F4-F6A799122467}"/>
-              </a:ext>
-            </a:extLst>
-          </p:cNvPr>
-          <p:cNvSpPr/>
-          <p:nvPr/>
-        </p:nvSpPr>
-        <p:spPr>
-          <a:xfrm>
-            <a:off x="3290287" y="693938"/>
-            <a:ext cx="1559000" cy="1711911"/>
-          </a:xfrm>
-          <a:prstGeom prst="roundRect">
-            <a:avLst/>
-          </a:prstGeom>
-          <a:solidFill>
-            <a:srgbClr val="E48312">
-              <a:alpha val="38824"/>
-            </a:srgbClr>
-          </a:solidFill>
-        </p:spPr>
-        <p:style>
-          <a:lnRef idx="2">
-            <a:schemeClr val="accent1">
-              <a:shade val="50000"/>
-            </a:schemeClr>
-          </a:lnRef>
-          <a:fillRef idx="1">
-            <a:schemeClr val="accent1"/>
-          </a:fillRef>
-          <a:effectRef idx="0">
-            <a:schemeClr val="accent1"/>
-          </a:effectRef>
-          <a:fontRef idx="minor">
-            <a:schemeClr val="lt1"/>
-          </a:fontRef>
-        </p:style>
-        <p:txBody>
-          <a:bodyPr rtlCol="0" anchor="ctr"/>
-          <a:lstStyle/>
-          <a:p>
-            <a:pPr algn="ctr"/>
-            <a:endParaRPr lang="en-GB"/>
-          </a:p>
-        </p:txBody>
-      </p:sp>
-      <p:sp>
-        <p:nvSpPr>
           <p:cNvPr id="6" name="Rectangle: Rounded Corners 5">
             <a:extLst>
               <a:ext uri="{FF2B5EF4-FFF2-40B4-BE49-F238E27FC236}">
@@ -5434,8 +5455,8 @@
         </p:nvSpPr>
         <p:spPr>
           <a:xfrm>
-            <a:off x="5626594" y="2425083"/>
-            <a:ext cx="1559000" cy="2253449"/>
+            <a:off x="3414201" y="773384"/>
+            <a:ext cx="1364652" cy="1480088"/>
           </a:xfrm>
           <a:prstGeom prst="roundRect">
             <a:avLst/>
@@ -5493,8 +5514,8 @@
         </p:nvSpPr>
         <p:spPr>
           <a:xfrm>
-            <a:off x="6354840" y="5761608"/>
-            <a:ext cx="1559000" cy="668721"/>
+            <a:off x="5638404" y="2379497"/>
+            <a:ext cx="1559000" cy="2324478"/>
           </a:xfrm>
           <a:prstGeom prst="roundRect">
             <a:avLst/>
@@ -5538,115 +5559,12 @@
           </a:p>
         </p:txBody>
       </p:sp>
-    </p:spTree>
-    <p:extLst>
-      <p:ext uri="{BB962C8B-B14F-4D97-AF65-F5344CB8AC3E}">
-        <p14:creationId xmlns:p14="http://schemas.microsoft.com/office/powerpoint/2010/main" val="671176909"/>
-      </p:ext>
-    </p:extLst>
-  </p:cSld>
-  <p:clrMapOvr>
-    <a:masterClrMapping/>
-  </p:clrMapOvr>
-  <p:transition spd="slow">
-    <p:push dir="u"/>
-  </p:transition>
-</p:sld>
-</file>
-
-<file path=ppt/slides/slide16.xml><?xml version="1.0" encoding="utf-8"?>
-<p:sld xmlns:a="http://schemas.openxmlformats.org/drawingml/2006/main" xmlns:r="http://schemas.openxmlformats.org/officeDocument/2006/relationships" xmlns:p="http://schemas.openxmlformats.org/presentationml/2006/main">
-  <p:cSld>
-    <p:spTree>
-      <p:nvGrpSpPr>
-        <p:cNvPr id="1" name=""/>
-        <p:cNvGrpSpPr/>
-        <p:nvPr/>
-      </p:nvGrpSpPr>
-      <p:grpSpPr>
-        <a:xfrm>
-          <a:off x="0" y="0"/>
-          <a:ext cx="0" cy="0"/>
-          <a:chOff x="0" y="0"/>
-          <a:chExt cx="0" cy="0"/>
-        </a:xfrm>
-      </p:grpSpPr>
       <p:sp>
         <p:nvSpPr>
-          <p:cNvPr id="2" name="Title 1">
+          <p:cNvPr id="8" name="Rectangle: Rounded Corners 7">
             <a:extLst>
               <a:ext uri="{FF2B5EF4-FFF2-40B4-BE49-F238E27FC236}">
-                <a16:creationId xmlns:a16="http://schemas.microsoft.com/office/drawing/2014/main" id="{7304BBA7-9D5E-4B9A-95AF-2E54F4B41C0E}"/>
-              </a:ext>
-            </a:extLst>
-          </p:cNvPr>
-          <p:cNvSpPr>
-            <a:spLocks noGrp="1"/>
-          </p:cNvSpPr>
-          <p:nvPr>
-            <p:ph type="title"/>
-          </p:nvPr>
-        </p:nvSpPr>
-        <p:spPr>
-          <a:xfrm>
-            <a:off x="822960" y="286605"/>
-            <a:ext cx="7543800" cy="488647"/>
-          </a:xfrm>
-        </p:spPr>
-        <p:txBody>
-          <a:bodyPr>
-            <a:noAutofit/>
-          </a:bodyPr>
-          <a:lstStyle/>
-          <a:p>
-            <a:r>
-              <a:rPr lang="en-GB" sz="2800" dirty="0"/>
-              <a:t>POS Class diagram – Composition vs Inheritance</a:t>
-            </a:r>
-          </a:p>
-        </p:txBody>
-      </p:sp>
-      <p:pic>
-        <p:nvPicPr>
-          <p:cNvPr id="12" name="Content Placeholder 11" descr="Diagram&#10;&#10;Description automatically generated">
-            <a:extLst>
-              <a:ext uri="{FF2B5EF4-FFF2-40B4-BE49-F238E27FC236}">
-                <a16:creationId xmlns:a16="http://schemas.microsoft.com/office/drawing/2014/main" id="{F7F1C9E2-C167-4F32-9AA1-52779121CBF8}"/>
-              </a:ext>
-            </a:extLst>
-          </p:cNvPr>
-          <p:cNvPicPr>
-            <a:picLocks noGrp="1" noChangeAspect="1"/>
-          </p:cNvPicPr>
-          <p:nvPr>
-            <p:ph idx="1"/>
-          </p:nvPr>
-        </p:nvPicPr>
-        <p:blipFill>
-          <a:blip r:embed="rId2">
-            <a:extLst>
-              <a:ext uri="{28A0092B-C50C-407E-A947-70E740481C1C}">
-                <a14:useLocalDpi xmlns:a14="http://schemas.microsoft.com/office/drawing/2010/main" val="0"/>
-              </a:ext>
-            </a:extLst>
-          </a:blip>
-          <a:stretch>
-            <a:fillRect/>
-          </a:stretch>
-        </p:blipFill>
-        <p:spPr>
-          <a:xfrm>
-            <a:off x="1547814" y="789540"/>
-            <a:ext cx="6207199" cy="5626501"/>
-          </a:xfrm>
-        </p:spPr>
-      </p:pic>
-      <p:sp>
-        <p:nvSpPr>
-          <p:cNvPr id="4" name="Rectangle: Rounded Corners 3">
-            <a:extLst>
-              <a:ext uri="{FF2B5EF4-FFF2-40B4-BE49-F238E27FC236}">
-                <a16:creationId xmlns:a16="http://schemas.microsoft.com/office/drawing/2014/main" id="{1C2D8008-3788-428A-84B0-B1569139B420}"/>
+                <a16:creationId xmlns:a16="http://schemas.microsoft.com/office/drawing/2014/main" id="{FAD31EF4-DA3D-4D0F-91AA-4F7E7468C835}"/>
               </a:ext>
             </a:extLst>
           </p:cNvPr>
@@ -5655,110 +5573,8 @@
         </p:nvSpPr>
         <p:spPr>
           <a:xfrm>
-            <a:off x="1547814" y="4225772"/>
-            <a:ext cx="1241346" cy="786470"/>
-          </a:xfrm>
-          <a:prstGeom prst="roundRect">
-            <a:avLst/>
-          </a:prstGeom>
-          <a:solidFill>
-            <a:srgbClr val="E48312">
-              <a:alpha val="38824"/>
-            </a:srgbClr>
-          </a:solidFill>
-        </p:spPr>
-        <p:style>
-          <a:lnRef idx="2">
-            <a:schemeClr val="accent1">
-              <a:shade val="50000"/>
-            </a:schemeClr>
-          </a:lnRef>
-          <a:fillRef idx="1">
-            <a:schemeClr val="accent1"/>
-          </a:fillRef>
-          <a:effectRef idx="0">
-            <a:schemeClr val="accent1"/>
-          </a:effectRef>
-          <a:fontRef idx="minor">
-            <a:schemeClr val="lt1"/>
-          </a:fontRef>
-        </p:style>
-        <p:txBody>
-          <a:bodyPr rtlCol="0" anchor="ctr"/>
-          <a:lstStyle/>
-          <a:p>
-            <a:pPr algn="ctr"/>
-            <a:endParaRPr lang="en-GB"/>
-          </a:p>
-        </p:txBody>
-      </p:sp>
-      <p:sp>
-        <p:nvSpPr>
-          <p:cNvPr id="5" name="Rectangle: Rounded Corners 4">
-            <a:extLst>
-              <a:ext uri="{FF2B5EF4-FFF2-40B4-BE49-F238E27FC236}">
-                <a16:creationId xmlns:a16="http://schemas.microsoft.com/office/drawing/2014/main" id="{B63A072A-28E9-4EA3-B9F4-F6A799122467}"/>
-              </a:ext>
-            </a:extLst>
-          </p:cNvPr>
-          <p:cNvSpPr/>
-          <p:nvPr/>
-        </p:nvSpPr>
-        <p:spPr>
-          <a:xfrm>
-            <a:off x="3290287" y="693938"/>
-            <a:ext cx="1559000" cy="1711911"/>
-          </a:xfrm>
-          <a:prstGeom prst="roundRect">
-            <a:avLst/>
-          </a:prstGeom>
-          <a:solidFill>
-            <a:srgbClr val="E48312">
-              <a:alpha val="38824"/>
-            </a:srgbClr>
-          </a:solidFill>
-        </p:spPr>
-        <p:style>
-          <a:lnRef idx="2">
-            <a:schemeClr val="accent1">
-              <a:shade val="50000"/>
-            </a:schemeClr>
-          </a:lnRef>
-          <a:fillRef idx="1">
-            <a:schemeClr val="accent1"/>
-          </a:fillRef>
-          <a:effectRef idx="0">
-            <a:schemeClr val="accent1"/>
-          </a:effectRef>
-          <a:fontRef idx="minor">
-            <a:schemeClr val="lt1"/>
-          </a:fontRef>
-        </p:style>
-        <p:txBody>
-          <a:bodyPr rtlCol="0" anchor="ctr"/>
-          <a:lstStyle/>
-          <a:p>
-            <a:pPr algn="ctr"/>
-            <a:endParaRPr lang="en-GB"/>
-          </a:p>
-        </p:txBody>
-      </p:sp>
-      <p:sp>
-        <p:nvSpPr>
-          <p:cNvPr id="6" name="Rectangle: Rounded Corners 5">
-            <a:extLst>
-              <a:ext uri="{FF2B5EF4-FFF2-40B4-BE49-F238E27FC236}">
-                <a16:creationId xmlns:a16="http://schemas.microsoft.com/office/drawing/2014/main" id="{0107102A-DCF6-428A-BD88-59FFBB1D9734}"/>
-              </a:ext>
-            </a:extLst>
-          </p:cNvPr>
-          <p:cNvSpPr/>
-          <p:nvPr/>
-        </p:nvSpPr>
-        <p:spPr>
-          <a:xfrm>
-            <a:off x="5626594" y="2425083"/>
-            <a:ext cx="1559000" cy="2253449"/>
+            <a:off x="3403076" y="2507390"/>
+            <a:ext cx="1386902" cy="2100890"/>
           </a:xfrm>
           <a:prstGeom prst="roundRect">
             <a:avLst/>
@@ -5802,62 +5618,870 @@
           </a:p>
         </p:txBody>
       </p:sp>
-      <p:sp>
-        <p:nvSpPr>
-          <p:cNvPr id="7" name="Rectangle: Rounded Corners 6">
+    </p:spTree>
+    <p:extLst>
+      <p:ext uri="{BB962C8B-B14F-4D97-AF65-F5344CB8AC3E}">
+        <p14:creationId xmlns:p14="http://schemas.microsoft.com/office/powerpoint/2010/main" val="671176909"/>
+      </p:ext>
+    </p:extLst>
+  </p:cSld>
+  <p:clrMapOvr>
+    <a:masterClrMapping/>
+  </p:clrMapOvr>
+  <p:transition spd="slow">
+    <p:push dir="u"/>
+  </p:transition>
+  <p:timing>
+    <p:tnLst>
+      <p:par>
+        <p:cTn id="1" dur="indefinite" restart="never" nodeType="tmRoot">
+          <p:childTnLst>
+            <p:seq concurrent="1" nextAc="seek">
+              <p:cTn id="2" dur="indefinite" nodeType="mainSeq">
+                <p:childTnLst>
+                  <p:par>
+                    <p:cTn id="3" fill="hold">
+                      <p:stCondLst>
+                        <p:cond delay="indefinite"/>
+                      </p:stCondLst>
+                      <p:childTnLst>
+                        <p:par>
+                          <p:cTn id="4" fill="hold">
+                            <p:stCondLst>
+                              <p:cond delay="0"/>
+                            </p:stCondLst>
+                            <p:childTnLst>
+                              <p:par>
+                                <p:cTn id="5" presetID="2" presetClass="entr" presetSubtype="4" fill="hold" grpId="0" nodeType="clickEffect">
+                                  <p:stCondLst>
+                                    <p:cond delay="0"/>
+                                  </p:stCondLst>
+                                  <p:childTnLst>
+                                    <p:set>
+                                      <p:cBhvr>
+                                        <p:cTn id="6" dur="1" fill="hold">
+                                          <p:stCondLst>
+                                            <p:cond delay="0"/>
+                                          </p:stCondLst>
+                                        </p:cTn>
+                                        <p:tgtEl>
+                                          <p:spTgt spid="5"/>
+                                        </p:tgtEl>
+                                        <p:attrNameLst>
+                                          <p:attrName>style.visibility</p:attrName>
+                                        </p:attrNameLst>
+                                      </p:cBhvr>
+                                      <p:to>
+                                        <p:strVal val="visible"/>
+                                      </p:to>
+                                    </p:set>
+                                    <p:anim calcmode="lin" valueType="num">
+                                      <p:cBhvr additive="base">
+                                        <p:cTn id="7" dur="500" fill="hold"/>
+                                        <p:tgtEl>
+                                          <p:spTgt spid="5"/>
+                                        </p:tgtEl>
+                                        <p:attrNameLst>
+                                          <p:attrName>ppt_x</p:attrName>
+                                        </p:attrNameLst>
+                                      </p:cBhvr>
+                                      <p:tavLst>
+                                        <p:tav tm="0">
+                                          <p:val>
+                                            <p:strVal val="#ppt_x"/>
+                                          </p:val>
+                                        </p:tav>
+                                        <p:tav tm="100000">
+                                          <p:val>
+                                            <p:strVal val="#ppt_x"/>
+                                          </p:val>
+                                        </p:tav>
+                                      </p:tavLst>
+                                    </p:anim>
+                                    <p:anim calcmode="lin" valueType="num">
+                                      <p:cBhvr additive="base">
+                                        <p:cTn id="8" dur="500" fill="hold"/>
+                                        <p:tgtEl>
+                                          <p:spTgt spid="5"/>
+                                        </p:tgtEl>
+                                        <p:attrNameLst>
+                                          <p:attrName>ppt_y</p:attrName>
+                                        </p:attrNameLst>
+                                      </p:cBhvr>
+                                      <p:tavLst>
+                                        <p:tav tm="0">
+                                          <p:val>
+                                            <p:strVal val="1+#ppt_h/2"/>
+                                          </p:val>
+                                        </p:tav>
+                                        <p:tav tm="100000">
+                                          <p:val>
+                                            <p:strVal val="#ppt_y"/>
+                                          </p:val>
+                                        </p:tav>
+                                      </p:tavLst>
+                                    </p:anim>
+                                  </p:childTnLst>
+                                </p:cTn>
+                              </p:par>
+                            </p:childTnLst>
+                          </p:cTn>
+                        </p:par>
+                      </p:childTnLst>
+                    </p:cTn>
+                  </p:par>
+                  <p:par>
+                    <p:cTn id="9" fill="hold">
+                      <p:stCondLst>
+                        <p:cond delay="indefinite"/>
+                      </p:stCondLst>
+                      <p:childTnLst>
+                        <p:par>
+                          <p:cTn id="10" fill="hold">
+                            <p:stCondLst>
+                              <p:cond delay="0"/>
+                            </p:stCondLst>
+                            <p:childTnLst>
+                              <p:par>
+                                <p:cTn id="11" presetID="2" presetClass="entr" presetSubtype="4" fill="hold" grpId="0" nodeType="clickEffect">
+                                  <p:stCondLst>
+                                    <p:cond delay="0"/>
+                                  </p:stCondLst>
+                                  <p:childTnLst>
+                                    <p:set>
+                                      <p:cBhvr>
+                                        <p:cTn id="12" dur="1" fill="hold">
+                                          <p:stCondLst>
+                                            <p:cond delay="0"/>
+                                          </p:stCondLst>
+                                        </p:cTn>
+                                        <p:tgtEl>
+                                          <p:spTgt spid="4"/>
+                                        </p:tgtEl>
+                                        <p:attrNameLst>
+                                          <p:attrName>style.visibility</p:attrName>
+                                        </p:attrNameLst>
+                                      </p:cBhvr>
+                                      <p:to>
+                                        <p:strVal val="visible"/>
+                                      </p:to>
+                                    </p:set>
+                                    <p:anim calcmode="lin" valueType="num">
+                                      <p:cBhvr additive="base">
+                                        <p:cTn id="13" dur="500" fill="hold"/>
+                                        <p:tgtEl>
+                                          <p:spTgt spid="4"/>
+                                        </p:tgtEl>
+                                        <p:attrNameLst>
+                                          <p:attrName>ppt_x</p:attrName>
+                                        </p:attrNameLst>
+                                      </p:cBhvr>
+                                      <p:tavLst>
+                                        <p:tav tm="0">
+                                          <p:val>
+                                            <p:strVal val="#ppt_x"/>
+                                          </p:val>
+                                        </p:tav>
+                                        <p:tav tm="100000">
+                                          <p:val>
+                                            <p:strVal val="#ppt_x"/>
+                                          </p:val>
+                                        </p:tav>
+                                      </p:tavLst>
+                                    </p:anim>
+                                    <p:anim calcmode="lin" valueType="num">
+                                      <p:cBhvr additive="base">
+                                        <p:cTn id="14" dur="500" fill="hold"/>
+                                        <p:tgtEl>
+                                          <p:spTgt spid="4"/>
+                                        </p:tgtEl>
+                                        <p:attrNameLst>
+                                          <p:attrName>ppt_y</p:attrName>
+                                        </p:attrNameLst>
+                                      </p:cBhvr>
+                                      <p:tavLst>
+                                        <p:tav tm="0">
+                                          <p:val>
+                                            <p:strVal val="1+#ppt_h/2"/>
+                                          </p:val>
+                                        </p:tav>
+                                        <p:tav tm="100000">
+                                          <p:val>
+                                            <p:strVal val="#ppt_y"/>
+                                          </p:val>
+                                        </p:tav>
+                                      </p:tavLst>
+                                    </p:anim>
+                                  </p:childTnLst>
+                                </p:cTn>
+                              </p:par>
+                              <p:par>
+                                <p:cTn id="15" presetID="2" presetClass="entr" presetSubtype="4" fill="hold" grpId="0" nodeType="withEffect">
+                                  <p:stCondLst>
+                                    <p:cond delay="0"/>
+                                  </p:stCondLst>
+                                  <p:childTnLst>
+                                    <p:set>
+                                      <p:cBhvr>
+                                        <p:cTn id="16" dur="1" fill="hold">
+                                          <p:stCondLst>
+                                            <p:cond delay="0"/>
+                                          </p:stCondLst>
+                                        </p:cTn>
+                                        <p:tgtEl>
+                                          <p:spTgt spid="6"/>
+                                        </p:tgtEl>
+                                        <p:attrNameLst>
+                                          <p:attrName>style.visibility</p:attrName>
+                                        </p:attrNameLst>
+                                      </p:cBhvr>
+                                      <p:to>
+                                        <p:strVal val="visible"/>
+                                      </p:to>
+                                    </p:set>
+                                    <p:anim calcmode="lin" valueType="num">
+                                      <p:cBhvr additive="base">
+                                        <p:cTn id="17" dur="500" fill="hold"/>
+                                        <p:tgtEl>
+                                          <p:spTgt spid="6"/>
+                                        </p:tgtEl>
+                                        <p:attrNameLst>
+                                          <p:attrName>ppt_x</p:attrName>
+                                        </p:attrNameLst>
+                                      </p:cBhvr>
+                                      <p:tavLst>
+                                        <p:tav tm="0">
+                                          <p:val>
+                                            <p:strVal val="#ppt_x"/>
+                                          </p:val>
+                                        </p:tav>
+                                        <p:tav tm="100000">
+                                          <p:val>
+                                            <p:strVal val="#ppt_x"/>
+                                          </p:val>
+                                        </p:tav>
+                                      </p:tavLst>
+                                    </p:anim>
+                                    <p:anim calcmode="lin" valueType="num">
+                                      <p:cBhvr additive="base">
+                                        <p:cTn id="18" dur="500" fill="hold"/>
+                                        <p:tgtEl>
+                                          <p:spTgt spid="6"/>
+                                        </p:tgtEl>
+                                        <p:attrNameLst>
+                                          <p:attrName>ppt_y</p:attrName>
+                                        </p:attrNameLst>
+                                      </p:cBhvr>
+                                      <p:tavLst>
+                                        <p:tav tm="0">
+                                          <p:val>
+                                            <p:strVal val="1+#ppt_h/2"/>
+                                          </p:val>
+                                        </p:tav>
+                                        <p:tav tm="100000">
+                                          <p:val>
+                                            <p:strVal val="#ppt_y"/>
+                                          </p:val>
+                                        </p:tav>
+                                      </p:tavLst>
+                                    </p:anim>
+                                  </p:childTnLst>
+                                </p:cTn>
+                              </p:par>
+                            </p:childTnLst>
+                          </p:cTn>
+                        </p:par>
+                      </p:childTnLst>
+                    </p:cTn>
+                  </p:par>
+                  <p:par>
+                    <p:cTn id="19" fill="hold">
+                      <p:stCondLst>
+                        <p:cond delay="indefinite"/>
+                      </p:stCondLst>
+                      <p:childTnLst>
+                        <p:par>
+                          <p:cTn id="20" fill="hold">
+                            <p:stCondLst>
+                              <p:cond delay="0"/>
+                            </p:stCondLst>
+                            <p:childTnLst>
+                              <p:par>
+                                <p:cTn id="21" presetID="2" presetClass="entr" presetSubtype="4" fill="hold" grpId="0" nodeType="clickEffect">
+                                  <p:stCondLst>
+                                    <p:cond delay="0"/>
+                                  </p:stCondLst>
+                                  <p:childTnLst>
+                                    <p:set>
+                                      <p:cBhvr>
+                                        <p:cTn id="22" dur="1" fill="hold">
+                                          <p:stCondLst>
+                                            <p:cond delay="0"/>
+                                          </p:stCondLst>
+                                        </p:cTn>
+                                        <p:tgtEl>
+                                          <p:spTgt spid="8"/>
+                                        </p:tgtEl>
+                                        <p:attrNameLst>
+                                          <p:attrName>style.visibility</p:attrName>
+                                        </p:attrNameLst>
+                                      </p:cBhvr>
+                                      <p:to>
+                                        <p:strVal val="visible"/>
+                                      </p:to>
+                                    </p:set>
+                                    <p:anim calcmode="lin" valueType="num">
+                                      <p:cBhvr additive="base">
+                                        <p:cTn id="23" dur="500" fill="hold"/>
+                                        <p:tgtEl>
+                                          <p:spTgt spid="8"/>
+                                        </p:tgtEl>
+                                        <p:attrNameLst>
+                                          <p:attrName>ppt_x</p:attrName>
+                                        </p:attrNameLst>
+                                      </p:cBhvr>
+                                      <p:tavLst>
+                                        <p:tav tm="0">
+                                          <p:val>
+                                            <p:strVal val="#ppt_x"/>
+                                          </p:val>
+                                        </p:tav>
+                                        <p:tav tm="100000">
+                                          <p:val>
+                                            <p:strVal val="#ppt_x"/>
+                                          </p:val>
+                                        </p:tav>
+                                      </p:tavLst>
+                                    </p:anim>
+                                    <p:anim calcmode="lin" valueType="num">
+                                      <p:cBhvr additive="base">
+                                        <p:cTn id="24" dur="500" fill="hold"/>
+                                        <p:tgtEl>
+                                          <p:spTgt spid="8"/>
+                                        </p:tgtEl>
+                                        <p:attrNameLst>
+                                          <p:attrName>ppt_y</p:attrName>
+                                        </p:attrNameLst>
+                                      </p:cBhvr>
+                                      <p:tavLst>
+                                        <p:tav tm="0">
+                                          <p:val>
+                                            <p:strVal val="1+#ppt_h/2"/>
+                                          </p:val>
+                                        </p:tav>
+                                        <p:tav tm="100000">
+                                          <p:val>
+                                            <p:strVal val="#ppt_y"/>
+                                          </p:val>
+                                        </p:tav>
+                                      </p:tavLst>
+                                    </p:anim>
+                                  </p:childTnLst>
+                                </p:cTn>
+                              </p:par>
+                              <p:par>
+                                <p:cTn id="25" presetID="2" presetClass="entr" presetSubtype="4" fill="hold" grpId="0" nodeType="withEffect">
+                                  <p:stCondLst>
+                                    <p:cond delay="0"/>
+                                  </p:stCondLst>
+                                  <p:childTnLst>
+                                    <p:set>
+                                      <p:cBhvr>
+                                        <p:cTn id="26" dur="1" fill="hold">
+                                          <p:stCondLst>
+                                            <p:cond delay="0"/>
+                                          </p:stCondLst>
+                                        </p:cTn>
+                                        <p:tgtEl>
+                                          <p:spTgt spid="7"/>
+                                        </p:tgtEl>
+                                        <p:attrNameLst>
+                                          <p:attrName>style.visibility</p:attrName>
+                                        </p:attrNameLst>
+                                      </p:cBhvr>
+                                      <p:to>
+                                        <p:strVal val="visible"/>
+                                      </p:to>
+                                    </p:set>
+                                    <p:anim calcmode="lin" valueType="num">
+                                      <p:cBhvr additive="base">
+                                        <p:cTn id="27" dur="500" fill="hold"/>
+                                        <p:tgtEl>
+                                          <p:spTgt spid="7"/>
+                                        </p:tgtEl>
+                                        <p:attrNameLst>
+                                          <p:attrName>ppt_x</p:attrName>
+                                        </p:attrNameLst>
+                                      </p:cBhvr>
+                                      <p:tavLst>
+                                        <p:tav tm="0">
+                                          <p:val>
+                                            <p:strVal val="#ppt_x"/>
+                                          </p:val>
+                                        </p:tav>
+                                        <p:tav tm="100000">
+                                          <p:val>
+                                            <p:strVal val="#ppt_x"/>
+                                          </p:val>
+                                        </p:tav>
+                                      </p:tavLst>
+                                    </p:anim>
+                                    <p:anim calcmode="lin" valueType="num">
+                                      <p:cBhvr additive="base">
+                                        <p:cTn id="28" dur="500" fill="hold"/>
+                                        <p:tgtEl>
+                                          <p:spTgt spid="7"/>
+                                        </p:tgtEl>
+                                        <p:attrNameLst>
+                                          <p:attrName>ppt_y</p:attrName>
+                                        </p:attrNameLst>
+                                      </p:cBhvr>
+                                      <p:tavLst>
+                                        <p:tav tm="0">
+                                          <p:val>
+                                            <p:strVal val="1+#ppt_h/2"/>
+                                          </p:val>
+                                        </p:tav>
+                                        <p:tav tm="100000">
+                                          <p:val>
+                                            <p:strVal val="#ppt_y"/>
+                                          </p:val>
+                                        </p:tav>
+                                      </p:tavLst>
+                                    </p:anim>
+                                  </p:childTnLst>
+                                </p:cTn>
+                              </p:par>
+                            </p:childTnLst>
+                          </p:cTn>
+                        </p:par>
+                      </p:childTnLst>
+                    </p:cTn>
+                  </p:par>
+                </p:childTnLst>
+              </p:cTn>
+              <p:prevCondLst>
+                <p:cond evt="onPrev" delay="0">
+                  <p:tgtEl>
+                    <p:sldTgt/>
+                  </p:tgtEl>
+                </p:cond>
+              </p:prevCondLst>
+              <p:nextCondLst>
+                <p:cond evt="onNext" delay="0">
+                  <p:tgtEl>
+                    <p:sldTgt/>
+                  </p:tgtEl>
+                </p:cond>
+              </p:nextCondLst>
+            </p:seq>
+          </p:childTnLst>
+        </p:cTn>
+      </p:par>
+    </p:tnLst>
+    <p:bldLst>
+      <p:bldP spid="4" grpId="0" animBg="1"/>
+      <p:bldP spid="5" grpId="0" animBg="1"/>
+      <p:bldP spid="6" grpId="0" animBg="1"/>
+      <p:bldP spid="7" grpId="0" animBg="1"/>
+      <p:bldP spid="8" grpId="0" animBg="1"/>
+    </p:bldLst>
+  </p:timing>
+</p:sld>
+</file>
+
+<file path=ppt/slides/slide16.xml><?xml version="1.0" encoding="utf-8"?>
+<p:sld xmlns:a="http://schemas.openxmlformats.org/drawingml/2006/main" xmlns:r="http://schemas.openxmlformats.org/officeDocument/2006/relationships" xmlns:p="http://schemas.openxmlformats.org/presentationml/2006/main">
+  <p:cSld>
+    <p:spTree>
+      <p:nvGrpSpPr>
+        <p:cNvPr id="1" name=""/>
+        <p:cNvGrpSpPr/>
+        <p:nvPr/>
+      </p:nvGrpSpPr>
+      <p:grpSpPr>
+        <a:xfrm>
+          <a:off x="0" y="0"/>
+          <a:ext cx="0" cy="0"/>
+          <a:chOff x="0" y="0"/>
+          <a:chExt cx="0" cy="0"/>
+        </a:xfrm>
+      </p:grpSpPr>
+      <p:grpSp>
+        <p:nvGrpSpPr>
+          <p:cNvPr id="11" name="Group 10">
             <a:extLst>
               <a:ext uri="{FF2B5EF4-FFF2-40B4-BE49-F238E27FC236}">
-                <a16:creationId xmlns:a16="http://schemas.microsoft.com/office/drawing/2014/main" id="{BD9BC766-A6B7-4E07-A0D9-A56AAFEB419D}"/>
+                <a16:creationId xmlns:a16="http://schemas.microsoft.com/office/drawing/2014/main" id="{D88620D2-0859-46C6-968C-D33AFC6267AF}"/>
               </a:ext>
             </a:extLst>
           </p:cNvPr>
-          <p:cNvSpPr/>
+          <p:cNvGrpSpPr/>
           <p:nvPr/>
+        </p:nvGrpSpPr>
+        <p:grpSpPr>
+          <a:xfrm>
+            <a:off x="1488348" y="637932"/>
+            <a:ext cx="6220030" cy="5694927"/>
+            <a:chOff x="1488348" y="647359"/>
+            <a:chExt cx="6220030" cy="5694927"/>
+          </a:xfrm>
+        </p:grpSpPr>
+        <p:pic>
+          <p:nvPicPr>
+            <p:cNvPr id="13" name="Content Placeholder 11" descr="Diagram&#10;&#10;Description automatically generated">
+              <a:extLst>
+                <a:ext uri="{FF2B5EF4-FFF2-40B4-BE49-F238E27FC236}">
+                  <a16:creationId xmlns:a16="http://schemas.microsoft.com/office/drawing/2014/main" id="{11229C33-B78A-4E7B-B72E-20F5E77746E5}"/>
+                </a:ext>
+              </a:extLst>
+            </p:cNvPr>
+            <p:cNvPicPr>
+              <a:picLocks noChangeAspect="1"/>
+            </p:cNvPicPr>
+            <p:nvPr/>
+          </p:nvPicPr>
+          <p:blipFill>
+            <a:blip r:embed="rId2">
+              <a:extLst>
+                <a:ext uri="{28A0092B-C50C-407E-A947-70E740481C1C}">
+                  <a14:useLocalDpi xmlns:a14="http://schemas.microsoft.com/office/drawing/2010/main" val="0"/>
+                </a:ext>
+              </a:extLst>
+            </a:blip>
+            <a:stretch>
+              <a:fillRect/>
+            </a:stretch>
+          </p:blipFill>
+          <p:spPr>
+            <a:xfrm>
+              <a:off x="1585522" y="792238"/>
+              <a:ext cx="6122856" cy="5550048"/>
+            </a:xfrm>
+            <a:prstGeom prst="rect">
+              <a:avLst/>
+            </a:prstGeom>
+          </p:spPr>
+        </p:pic>
+        <p:sp>
+          <p:nvSpPr>
+            <p:cNvPr id="14" name="Rectangle: Rounded Corners 13">
+              <a:extLst>
+                <a:ext uri="{FF2B5EF4-FFF2-40B4-BE49-F238E27FC236}">
+                  <a16:creationId xmlns:a16="http://schemas.microsoft.com/office/drawing/2014/main" id="{892E1E6F-8E94-47EB-8CB9-EDCADAC8EBB8}"/>
+                </a:ext>
+              </a:extLst>
+            </p:cNvPr>
+            <p:cNvSpPr/>
+            <p:nvPr/>
+          </p:nvSpPr>
+          <p:spPr>
+            <a:xfrm>
+              <a:off x="1604376" y="4188065"/>
+              <a:ext cx="1241346" cy="786470"/>
+            </a:xfrm>
+            <a:prstGeom prst="roundRect">
+              <a:avLst/>
+            </a:prstGeom>
+            <a:solidFill>
+              <a:schemeClr val="bg2">
+                <a:alpha val="38824"/>
+              </a:schemeClr>
+            </a:solidFill>
+            <a:ln>
+              <a:solidFill>
+                <a:schemeClr val="bg2">
+                  <a:lumMod val="50000"/>
+                </a:schemeClr>
+              </a:solidFill>
+            </a:ln>
+          </p:spPr>
+          <p:style>
+            <a:lnRef idx="2">
+              <a:schemeClr val="accent1">
+                <a:shade val="50000"/>
+              </a:schemeClr>
+            </a:lnRef>
+            <a:fillRef idx="1">
+              <a:schemeClr val="accent1"/>
+            </a:fillRef>
+            <a:effectRef idx="0">
+              <a:schemeClr val="accent1"/>
+            </a:effectRef>
+            <a:fontRef idx="minor">
+              <a:schemeClr val="lt1"/>
+            </a:fontRef>
+          </p:style>
+          <p:txBody>
+            <a:bodyPr rtlCol="0" anchor="ctr"/>
+            <a:lstStyle/>
+            <a:p>
+              <a:pPr algn="ctr"/>
+              <a:endParaRPr lang="en-GB"/>
+            </a:p>
+          </p:txBody>
+        </p:sp>
+        <p:sp>
+          <p:nvSpPr>
+            <p:cNvPr id="15" name="Rectangle: Rounded Corners 14">
+              <a:extLst>
+                <a:ext uri="{FF2B5EF4-FFF2-40B4-BE49-F238E27FC236}">
+                  <a16:creationId xmlns:a16="http://schemas.microsoft.com/office/drawing/2014/main" id="{DA4C82CE-0F0B-4B2F-8DEF-2FDFED286ABB}"/>
+                </a:ext>
+              </a:extLst>
+            </p:cNvPr>
+            <p:cNvSpPr/>
+            <p:nvPr/>
+          </p:nvSpPr>
+          <p:spPr>
+            <a:xfrm>
+              <a:off x="1488348" y="933825"/>
+              <a:ext cx="1559000" cy="2982516"/>
+            </a:xfrm>
+            <a:prstGeom prst="roundRect">
+              <a:avLst/>
+            </a:prstGeom>
+            <a:solidFill>
+              <a:srgbClr val="E48312">
+                <a:alpha val="38824"/>
+              </a:srgbClr>
+            </a:solidFill>
+          </p:spPr>
+          <p:style>
+            <a:lnRef idx="2">
+              <a:schemeClr val="accent1">
+                <a:shade val="50000"/>
+              </a:schemeClr>
+            </a:lnRef>
+            <a:fillRef idx="1">
+              <a:schemeClr val="accent1"/>
+            </a:fillRef>
+            <a:effectRef idx="0">
+              <a:schemeClr val="accent1"/>
+            </a:effectRef>
+            <a:fontRef idx="minor">
+              <a:schemeClr val="lt1"/>
+            </a:fontRef>
+          </p:style>
+          <p:txBody>
+            <a:bodyPr rtlCol="0" anchor="ctr"/>
+            <a:lstStyle/>
+            <a:p>
+              <a:pPr algn="ctr"/>
+              <a:endParaRPr lang="en-GB"/>
+            </a:p>
+          </p:txBody>
+        </p:sp>
+        <p:sp>
+          <p:nvSpPr>
+            <p:cNvPr id="16" name="Rectangle: Rounded Corners 15">
+              <a:extLst>
+                <a:ext uri="{FF2B5EF4-FFF2-40B4-BE49-F238E27FC236}">
+                  <a16:creationId xmlns:a16="http://schemas.microsoft.com/office/drawing/2014/main" id="{52DA2E10-0511-4575-B90E-5147FDEAE68F}"/>
+                </a:ext>
+              </a:extLst>
+            </p:cNvPr>
+            <p:cNvSpPr/>
+            <p:nvPr/>
+          </p:nvSpPr>
+          <p:spPr>
+            <a:xfrm>
+              <a:off x="3317027" y="647359"/>
+              <a:ext cx="1559000" cy="1732138"/>
+            </a:xfrm>
+            <a:prstGeom prst="roundRect">
+              <a:avLst/>
+            </a:prstGeom>
+            <a:solidFill>
+              <a:schemeClr val="bg2">
+                <a:lumMod val="90000"/>
+                <a:alpha val="38824"/>
+              </a:schemeClr>
+            </a:solidFill>
+            <a:ln>
+              <a:solidFill>
+                <a:schemeClr val="bg2">
+                  <a:lumMod val="50000"/>
+                </a:schemeClr>
+              </a:solidFill>
+            </a:ln>
+          </p:spPr>
+          <p:style>
+            <a:lnRef idx="2">
+              <a:schemeClr val="accent1">
+                <a:shade val="50000"/>
+              </a:schemeClr>
+            </a:lnRef>
+            <a:fillRef idx="1">
+              <a:schemeClr val="accent1"/>
+            </a:fillRef>
+            <a:effectRef idx="0">
+              <a:schemeClr val="accent1"/>
+            </a:effectRef>
+            <a:fontRef idx="minor">
+              <a:schemeClr val="lt1"/>
+            </a:fontRef>
+          </p:style>
+          <p:txBody>
+            <a:bodyPr rtlCol="0" anchor="ctr"/>
+            <a:lstStyle/>
+            <a:p>
+              <a:pPr algn="ctr"/>
+              <a:endParaRPr lang="en-GB"/>
+            </a:p>
+          </p:txBody>
+        </p:sp>
+        <p:sp>
+          <p:nvSpPr>
+            <p:cNvPr id="17" name="Rectangle: Rounded Corners 16">
+              <a:extLst>
+                <a:ext uri="{FF2B5EF4-FFF2-40B4-BE49-F238E27FC236}">
+                  <a16:creationId xmlns:a16="http://schemas.microsoft.com/office/drawing/2014/main" id="{4763D24B-D8B4-44B2-A67C-977AB4328588}"/>
+                </a:ext>
+              </a:extLst>
+            </p:cNvPr>
+            <p:cNvSpPr/>
+            <p:nvPr/>
+          </p:nvSpPr>
+          <p:spPr>
+            <a:xfrm>
+              <a:off x="5638404" y="2379497"/>
+              <a:ext cx="1559000" cy="2324478"/>
+            </a:xfrm>
+            <a:prstGeom prst="roundRect">
+              <a:avLst/>
+            </a:prstGeom>
+            <a:solidFill>
+              <a:schemeClr val="bg2">
+                <a:lumMod val="90000"/>
+                <a:alpha val="38824"/>
+              </a:schemeClr>
+            </a:solidFill>
+            <a:ln>
+              <a:solidFill>
+                <a:schemeClr val="bg2">
+                  <a:lumMod val="50000"/>
+                </a:schemeClr>
+              </a:solidFill>
+            </a:ln>
+          </p:spPr>
+          <p:style>
+            <a:lnRef idx="2">
+              <a:schemeClr val="accent1">
+                <a:shade val="50000"/>
+              </a:schemeClr>
+            </a:lnRef>
+            <a:fillRef idx="1">
+              <a:schemeClr val="accent1"/>
+            </a:fillRef>
+            <a:effectRef idx="0">
+              <a:schemeClr val="accent1"/>
+            </a:effectRef>
+            <a:fontRef idx="minor">
+              <a:schemeClr val="lt1"/>
+            </a:fontRef>
+          </p:style>
+          <p:txBody>
+            <a:bodyPr rtlCol="0" anchor="ctr"/>
+            <a:lstStyle/>
+            <a:p>
+              <a:pPr algn="ctr"/>
+              <a:endParaRPr lang="en-GB"/>
+            </a:p>
+          </p:txBody>
+        </p:sp>
+        <p:sp>
+          <p:nvSpPr>
+            <p:cNvPr id="18" name="Rectangle: Rounded Corners 17">
+              <a:extLst>
+                <a:ext uri="{FF2B5EF4-FFF2-40B4-BE49-F238E27FC236}">
+                  <a16:creationId xmlns:a16="http://schemas.microsoft.com/office/drawing/2014/main" id="{188613F6-BEB8-4027-82BF-71646AF66E7D}"/>
+                </a:ext>
+              </a:extLst>
+            </p:cNvPr>
+            <p:cNvSpPr/>
+            <p:nvPr/>
+          </p:nvSpPr>
+          <p:spPr>
+            <a:xfrm>
+              <a:off x="3403076" y="2507390"/>
+              <a:ext cx="1386902" cy="2100890"/>
+            </a:xfrm>
+            <a:prstGeom prst="roundRect">
+              <a:avLst/>
+            </a:prstGeom>
+            <a:solidFill>
+              <a:schemeClr val="bg2">
+                <a:lumMod val="90000"/>
+                <a:alpha val="38824"/>
+              </a:schemeClr>
+            </a:solidFill>
+            <a:ln>
+              <a:solidFill>
+                <a:schemeClr val="bg2">
+                  <a:lumMod val="50000"/>
+                </a:schemeClr>
+              </a:solidFill>
+            </a:ln>
+          </p:spPr>
+          <p:style>
+            <a:lnRef idx="2">
+              <a:schemeClr val="accent1">
+                <a:shade val="50000"/>
+              </a:schemeClr>
+            </a:lnRef>
+            <a:fillRef idx="1">
+              <a:schemeClr val="accent1"/>
+            </a:fillRef>
+            <a:effectRef idx="0">
+              <a:schemeClr val="accent1"/>
+            </a:effectRef>
+            <a:fontRef idx="minor">
+              <a:schemeClr val="lt1"/>
+            </a:fontRef>
+          </p:style>
+          <p:txBody>
+            <a:bodyPr rtlCol="0" anchor="ctr"/>
+            <a:lstStyle/>
+            <a:p>
+              <a:pPr algn="ctr"/>
+              <a:endParaRPr lang="en-GB"/>
+            </a:p>
+          </p:txBody>
+        </p:sp>
+      </p:grpSp>
+      <p:sp>
+        <p:nvSpPr>
+          <p:cNvPr id="2" name="Title 1">
+            <a:extLst>
+              <a:ext uri="{FF2B5EF4-FFF2-40B4-BE49-F238E27FC236}">
+                <a16:creationId xmlns:a16="http://schemas.microsoft.com/office/drawing/2014/main" id="{7304BBA7-9D5E-4B9A-95AF-2E54F4B41C0E}"/>
+              </a:ext>
+            </a:extLst>
+          </p:cNvPr>
+          <p:cNvSpPr>
+            <a:spLocks noGrp="1"/>
+          </p:cNvSpPr>
+          <p:nvPr>
+            <p:ph type="title"/>
+          </p:nvPr>
         </p:nvSpPr>
         <p:spPr>
           <a:xfrm>
-            <a:off x="6354840" y="5761608"/>
-            <a:ext cx="1559000" cy="668721"/>
+            <a:off x="822960" y="286605"/>
+            <a:ext cx="7543800" cy="488647"/>
           </a:xfrm>
-          <a:prstGeom prst="roundRect">
-            <a:avLst/>
-          </a:prstGeom>
-          <a:solidFill>
-            <a:schemeClr val="bg2">
-              <a:lumMod val="90000"/>
-              <a:alpha val="38824"/>
-            </a:schemeClr>
-          </a:solidFill>
-          <a:ln>
-            <a:solidFill>
-              <a:schemeClr val="bg2">
-                <a:lumMod val="50000"/>
-              </a:schemeClr>
-            </a:solidFill>
-          </a:ln>
         </p:spPr>
-        <p:style>
-          <a:lnRef idx="2">
-            <a:schemeClr val="accent1">
-              <a:shade val="50000"/>
-            </a:schemeClr>
-          </a:lnRef>
-          <a:fillRef idx="1">
-            <a:schemeClr val="accent1"/>
-          </a:fillRef>
-          <a:effectRef idx="0">
-            <a:schemeClr val="accent1"/>
-          </a:effectRef>
-          <a:fontRef idx="minor">
-            <a:schemeClr val="lt1"/>
-          </a:fontRef>
-        </p:style>
         <p:txBody>
-          <a:bodyPr rtlCol="0" anchor="ctr"/>
+          <a:bodyPr>
+            <a:noAutofit/>
+          </a:bodyPr>
           <a:lstStyle/>
           <a:p>
-            <a:pPr algn="ctr"/>
-            <a:endParaRPr lang="en-GB"/>
+            <a:r>
+              <a:rPr lang="en-GB" sz="2800" dirty="0"/>
+              <a:t>POS Class diagram – Containment vs Inheritance</a:t>
+            </a:r>
           </a:p>
         </p:txBody>
       </p:sp>
@@ -5875,7 +6499,7 @@
         </p:nvSpPr>
         <p:spPr>
           <a:xfrm>
-            <a:off x="6232124" y="4589755"/>
+            <a:off x="2079839" y="2565231"/>
             <a:ext cx="257453" cy="266330"/>
           </a:xfrm>
           <a:prstGeom prst="ellipse">
@@ -5926,7 +6550,7 @@
         </p:nvSpPr>
         <p:spPr>
           <a:xfrm>
-            <a:off x="2684107" y="4485842"/>
+            <a:off x="2721815" y="4429280"/>
             <a:ext cx="257453" cy="266330"/>
           </a:xfrm>
           <a:prstGeom prst="ellipse">
@@ -5963,6 +6587,57 @@
           </a:p>
         </p:txBody>
       </p:sp>
+      <p:sp>
+        <p:nvSpPr>
+          <p:cNvPr id="20" name="Oval 19">
+            <a:extLst>
+              <a:ext uri="{FF2B5EF4-FFF2-40B4-BE49-F238E27FC236}">
+                <a16:creationId xmlns:a16="http://schemas.microsoft.com/office/drawing/2014/main" id="{128AA7D9-79BF-470B-9676-01A5AA741C13}"/>
+              </a:ext>
+            </a:extLst>
+          </p:cNvPr>
+          <p:cNvSpPr/>
+          <p:nvPr/>
+        </p:nvSpPr>
+        <p:spPr>
+          <a:xfrm>
+            <a:off x="4607449" y="3408571"/>
+            <a:ext cx="257453" cy="266330"/>
+          </a:xfrm>
+          <a:prstGeom prst="ellipse">
+            <a:avLst/>
+          </a:prstGeom>
+          <a:solidFill>
+            <a:srgbClr val="FFFF00">
+              <a:alpha val="40000"/>
+            </a:srgbClr>
+          </a:solidFill>
+        </p:spPr>
+        <p:style>
+          <a:lnRef idx="2">
+            <a:schemeClr val="accent1">
+              <a:shade val="50000"/>
+            </a:schemeClr>
+          </a:lnRef>
+          <a:fillRef idx="1">
+            <a:schemeClr val="accent1"/>
+          </a:fillRef>
+          <a:effectRef idx="0">
+            <a:schemeClr val="accent1"/>
+          </a:effectRef>
+          <a:fontRef idx="minor">
+            <a:schemeClr val="lt1"/>
+          </a:fontRef>
+        </p:style>
+        <p:txBody>
+          <a:bodyPr rtlCol="0" anchor="ctr"/>
+          <a:lstStyle/>
+          <a:p>
+            <a:pPr algn="ctr"/>
+            <a:endParaRPr lang="en-GB"/>
+          </a:p>
+        </p:txBody>
+      </p:sp>
     </p:spTree>
     <p:extLst>
       <p:ext uri="{BB962C8B-B14F-4D97-AF65-F5344CB8AC3E}">
@@ -5976,6 +6651,405 @@
   <p:transition spd="slow">
     <p:push dir="u"/>
   </p:transition>
+  <p:timing>
+    <p:tnLst>
+      <p:par>
+        <p:cTn id="1" dur="indefinite" restart="never" nodeType="tmRoot">
+          <p:childTnLst>
+            <p:seq concurrent="1" nextAc="seek">
+              <p:cTn id="2" dur="indefinite" nodeType="mainSeq">
+                <p:childTnLst>
+                  <p:par>
+                    <p:cTn id="3" fill="hold">
+                      <p:stCondLst>
+                        <p:cond delay="indefinite"/>
+                      </p:stCondLst>
+                      <p:childTnLst>
+                        <p:par>
+                          <p:cTn id="4" fill="hold">
+                            <p:stCondLst>
+                              <p:cond delay="0"/>
+                            </p:stCondLst>
+                            <p:childTnLst>
+                              <p:par>
+                                <p:cTn id="5" presetID="2" presetClass="entr" presetSubtype="4" fill="hold" nodeType="clickEffect">
+                                  <p:stCondLst>
+                                    <p:cond delay="0"/>
+                                  </p:stCondLst>
+                                  <p:childTnLst>
+                                    <p:set>
+                                      <p:cBhvr>
+                                        <p:cTn id="6" dur="1" fill="hold">
+                                          <p:stCondLst>
+                                            <p:cond delay="0"/>
+                                          </p:stCondLst>
+                                        </p:cTn>
+                                        <p:tgtEl>
+                                          <p:spTgt spid="11"/>
+                                        </p:tgtEl>
+                                        <p:attrNameLst>
+                                          <p:attrName>style.visibility</p:attrName>
+                                        </p:attrNameLst>
+                                      </p:cBhvr>
+                                      <p:to>
+                                        <p:strVal val="visible"/>
+                                      </p:to>
+                                    </p:set>
+                                    <p:anim calcmode="lin" valueType="num">
+                                      <p:cBhvr additive="base">
+                                        <p:cTn id="7" dur="500" fill="hold"/>
+                                        <p:tgtEl>
+                                          <p:spTgt spid="11"/>
+                                        </p:tgtEl>
+                                        <p:attrNameLst>
+                                          <p:attrName>ppt_x</p:attrName>
+                                        </p:attrNameLst>
+                                      </p:cBhvr>
+                                      <p:tavLst>
+                                        <p:tav tm="0">
+                                          <p:val>
+                                            <p:strVal val="#ppt_x"/>
+                                          </p:val>
+                                        </p:tav>
+                                        <p:tav tm="100000">
+                                          <p:val>
+                                            <p:strVal val="#ppt_x"/>
+                                          </p:val>
+                                        </p:tav>
+                                      </p:tavLst>
+                                    </p:anim>
+                                    <p:anim calcmode="lin" valueType="num">
+                                      <p:cBhvr additive="base">
+                                        <p:cTn id="8" dur="500" fill="hold"/>
+                                        <p:tgtEl>
+                                          <p:spTgt spid="11"/>
+                                        </p:tgtEl>
+                                        <p:attrNameLst>
+                                          <p:attrName>ppt_y</p:attrName>
+                                        </p:attrNameLst>
+                                      </p:cBhvr>
+                                      <p:tavLst>
+                                        <p:tav tm="0">
+                                          <p:val>
+                                            <p:strVal val="1+#ppt_h/2"/>
+                                          </p:val>
+                                        </p:tav>
+                                        <p:tav tm="100000">
+                                          <p:val>
+                                            <p:strVal val="#ppt_y"/>
+                                          </p:val>
+                                        </p:tav>
+                                      </p:tavLst>
+                                    </p:anim>
+                                  </p:childTnLst>
+                                </p:cTn>
+                              </p:par>
+                            </p:childTnLst>
+                          </p:cTn>
+                        </p:par>
+                      </p:childTnLst>
+                    </p:cTn>
+                  </p:par>
+                  <p:par>
+                    <p:cTn id="9" fill="hold">
+                      <p:stCondLst>
+                        <p:cond delay="indefinite"/>
+                      </p:stCondLst>
+                      <p:childTnLst>
+                        <p:par>
+                          <p:cTn id="10" fill="hold">
+                            <p:stCondLst>
+                              <p:cond delay="0"/>
+                            </p:stCondLst>
+                            <p:childTnLst>
+                              <p:par>
+                                <p:cTn id="11" presetID="2" presetClass="entr" presetSubtype="4" fill="hold" grpId="0" nodeType="clickEffect">
+                                  <p:stCondLst>
+                                    <p:cond delay="0"/>
+                                  </p:stCondLst>
+                                  <p:childTnLst>
+                                    <p:set>
+                                      <p:cBhvr>
+                                        <p:cTn id="12" dur="1" fill="hold">
+                                          <p:stCondLst>
+                                            <p:cond delay="0"/>
+                                          </p:stCondLst>
+                                        </p:cTn>
+                                        <p:tgtEl>
+                                          <p:spTgt spid="3"/>
+                                        </p:tgtEl>
+                                        <p:attrNameLst>
+                                          <p:attrName>style.visibility</p:attrName>
+                                        </p:attrNameLst>
+                                      </p:cBhvr>
+                                      <p:to>
+                                        <p:strVal val="visible"/>
+                                      </p:to>
+                                    </p:set>
+                                    <p:anim calcmode="lin" valueType="num">
+                                      <p:cBhvr additive="base">
+                                        <p:cTn id="13" dur="500" fill="hold"/>
+                                        <p:tgtEl>
+                                          <p:spTgt spid="3"/>
+                                        </p:tgtEl>
+                                        <p:attrNameLst>
+                                          <p:attrName>ppt_x</p:attrName>
+                                        </p:attrNameLst>
+                                      </p:cBhvr>
+                                      <p:tavLst>
+                                        <p:tav tm="0">
+                                          <p:val>
+                                            <p:strVal val="#ppt_x"/>
+                                          </p:val>
+                                        </p:tav>
+                                        <p:tav tm="100000">
+                                          <p:val>
+                                            <p:strVal val="#ppt_x"/>
+                                          </p:val>
+                                        </p:tav>
+                                      </p:tavLst>
+                                    </p:anim>
+                                    <p:anim calcmode="lin" valueType="num">
+                                      <p:cBhvr additive="base">
+                                        <p:cTn id="14" dur="500" fill="hold"/>
+                                        <p:tgtEl>
+                                          <p:spTgt spid="3"/>
+                                        </p:tgtEl>
+                                        <p:attrNameLst>
+                                          <p:attrName>ppt_y</p:attrName>
+                                        </p:attrNameLst>
+                                      </p:cBhvr>
+                                      <p:tavLst>
+                                        <p:tav tm="0">
+                                          <p:val>
+                                            <p:strVal val="1+#ppt_h/2"/>
+                                          </p:val>
+                                        </p:tav>
+                                        <p:tav tm="100000">
+                                          <p:val>
+                                            <p:strVal val="#ppt_y"/>
+                                          </p:val>
+                                        </p:tav>
+                                      </p:tavLst>
+                                    </p:anim>
+                                  </p:childTnLst>
+                                </p:cTn>
+                              </p:par>
+                            </p:childTnLst>
+                          </p:cTn>
+                        </p:par>
+                      </p:childTnLst>
+                    </p:cTn>
+                  </p:par>
+                  <p:par>
+                    <p:cTn id="15" fill="hold">
+                      <p:stCondLst>
+                        <p:cond delay="indefinite"/>
+                      </p:stCondLst>
+                      <p:childTnLst>
+                        <p:par>
+                          <p:cTn id="16" fill="hold">
+                            <p:stCondLst>
+                              <p:cond delay="0"/>
+                            </p:stCondLst>
+                            <p:childTnLst>
+                              <p:par>
+                                <p:cTn id="17" presetID="2" presetClass="entr" presetSubtype="4" fill="hold" grpId="0" nodeType="clickEffect">
+                                  <p:stCondLst>
+                                    <p:cond delay="0"/>
+                                  </p:stCondLst>
+                                  <p:childTnLst>
+                                    <p:set>
+                                      <p:cBhvr>
+                                        <p:cTn id="18" dur="1" fill="hold">
+                                          <p:stCondLst>
+                                            <p:cond delay="0"/>
+                                          </p:stCondLst>
+                                        </p:cTn>
+                                        <p:tgtEl>
+                                          <p:spTgt spid="20"/>
+                                        </p:tgtEl>
+                                        <p:attrNameLst>
+                                          <p:attrName>style.visibility</p:attrName>
+                                        </p:attrNameLst>
+                                      </p:cBhvr>
+                                      <p:to>
+                                        <p:strVal val="visible"/>
+                                      </p:to>
+                                    </p:set>
+                                    <p:anim calcmode="lin" valueType="num">
+                                      <p:cBhvr additive="base">
+                                        <p:cTn id="19" dur="500" fill="hold"/>
+                                        <p:tgtEl>
+                                          <p:spTgt spid="20"/>
+                                        </p:tgtEl>
+                                        <p:attrNameLst>
+                                          <p:attrName>ppt_x</p:attrName>
+                                        </p:attrNameLst>
+                                      </p:cBhvr>
+                                      <p:tavLst>
+                                        <p:tav tm="0">
+                                          <p:val>
+                                            <p:strVal val="#ppt_x"/>
+                                          </p:val>
+                                        </p:tav>
+                                        <p:tav tm="100000">
+                                          <p:val>
+                                            <p:strVal val="#ppt_x"/>
+                                          </p:val>
+                                        </p:tav>
+                                      </p:tavLst>
+                                    </p:anim>
+                                    <p:anim calcmode="lin" valueType="num">
+                                      <p:cBhvr additive="base">
+                                        <p:cTn id="20" dur="500" fill="hold"/>
+                                        <p:tgtEl>
+                                          <p:spTgt spid="20"/>
+                                        </p:tgtEl>
+                                        <p:attrNameLst>
+                                          <p:attrName>ppt_y</p:attrName>
+                                        </p:attrNameLst>
+                                      </p:cBhvr>
+                                      <p:tavLst>
+                                        <p:tav tm="0">
+                                          <p:val>
+                                            <p:strVal val="1+#ppt_h/2"/>
+                                          </p:val>
+                                        </p:tav>
+                                        <p:tav tm="100000">
+                                          <p:val>
+                                            <p:strVal val="#ppt_y"/>
+                                          </p:val>
+                                        </p:tav>
+                                      </p:tavLst>
+                                    </p:anim>
+                                  </p:childTnLst>
+                                </p:cTn>
+                              </p:par>
+                            </p:childTnLst>
+                          </p:cTn>
+                        </p:par>
+                      </p:childTnLst>
+                    </p:cTn>
+                  </p:par>
+                  <p:par>
+                    <p:cTn id="21" fill="hold">
+                      <p:stCondLst>
+                        <p:cond delay="indefinite"/>
+                      </p:stCondLst>
+                      <p:childTnLst>
+                        <p:par>
+                          <p:cTn id="22" fill="hold">
+                            <p:stCondLst>
+                              <p:cond delay="0"/>
+                            </p:stCondLst>
+                            <p:childTnLst>
+                              <p:par>
+                                <p:cTn id="23" presetID="2" presetClass="entr" presetSubtype="4" fill="hold" grpId="0" nodeType="clickEffect">
+                                  <p:stCondLst>
+                                    <p:cond delay="0"/>
+                                  </p:stCondLst>
+                                  <p:childTnLst>
+                                    <p:set>
+                                      <p:cBhvr>
+                                        <p:cTn id="24" dur="1" fill="hold">
+                                          <p:stCondLst>
+                                            <p:cond delay="0"/>
+                                          </p:stCondLst>
+                                        </p:cTn>
+                                        <p:tgtEl>
+                                          <p:spTgt spid="9"/>
+                                        </p:tgtEl>
+                                        <p:attrNameLst>
+                                          <p:attrName>style.visibility</p:attrName>
+                                        </p:attrNameLst>
+                                      </p:cBhvr>
+                                      <p:to>
+                                        <p:strVal val="visible"/>
+                                      </p:to>
+                                    </p:set>
+                                    <p:anim calcmode="lin" valueType="num">
+                                      <p:cBhvr additive="base">
+                                        <p:cTn id="25" dur="500" fill="hold"/>
+                                        <p:tgtEl>
+                                          <p:spTgt spid="9"/>
+                                        </p:tgtEl>
+                                        <p:attrNameLst>
+                                          <p:attrName>ppt_x</p:attrName>
+                                        </p:attrNameLst>
+                                      </p:cBhvr>
+                                      <p:tavLst>
+                                        <p:tav tm="0">
+                                          <p:val>
+                                            <p:strVal val="#ppt_x"/>
+                                          </p:val>
+                                        </p:tav>
+                                        <p:tav tm="100000">
+                                          <p:val>
+                                            <p:strVal val="#ppt_x"/>
+                                          </p:val>
+                                        </p:tav>
+                                      </p:tavLst>
+                                    </p:anim>
+                                    <p:anim calcmode="lin" valueType="num">
+                                      <p:cBhvr additive="base">
+                                        <p:cTn id="26" dur="500" fill="hold"/>
+                                        <p:tgtEl>
+                                          <p:spTgt spid="9"/>
+                                        </p:tgtEl>
+                                        <p:attrNameLst>
+                                          <p:attrName>ppt_y</p:attrName>
+                                        </p:attrNameLst>
+                                      </p:cBhvr>
+                                      <p:tavLst>
+                                        <p:tav tm="0">
+                                          <p:val>
+                                            <p:strVal val="1+#ppt_h/2"/>
+                                          </p:val>
+                                        </p:tav>
+                                        <p:tav tm="100000">
+                                          <p:val>
+                                            <p:strVal val="#ppt_y"/>
+                                          </p:val>
+                                        </p:tav>
+                                      </p:tavLst>
+                                    </p:anim>
+                                  </p:childTnLst>
+                                </p:cTn>
+                              </p:par>
+                            </p:childTnLst>
+                          </p:cTn>
+                        </p:par>
+                      </p:childTnLst>
+                    </p:cTn>
+                  </p:par>
+                </p:childTnLst>
+              </p:cTn>
+              <p:prevCondLst>
+                <p:cond evt="onPrev" delay="0">
+                  <p:tgtEl>
+                    <p:sldTgt/>
+                  </p:tgtEl>
+                </p:cond>
+              </p:prevCondLst>
+              <p:nextCondLst>
+                <p:cond evt="onNext" delay="0">
+                  <p:tgtEl>
+                    <p:sldTgt/>
+                  </p:tgtEl>
+                </p:cond>
+              </p:nextCondLst>
+            </p:seq>
+          </p:childTnLst>
+        </p:cTn>
+      </p:par>
+    </p:tnLst>
+    <p:bldLst>
+      <p:bldP spid="3" grpId="0" animBg="1"/>
+      <p:bldP spid="9" grpId="0" animBg="1"/>
+      <p:bldP spid="20" grpId="0" animBg="1"/>
+    </p:bldLst>
+  </p:timing>
 </p:sld>
 </file>
 
@@ -7933,7 +9007,7 @@
                             </p:stCondLst>
                             <p:childTnLst>
                               <p:par>
-                                <p:cTn id="5" presetID="2" presetClass="entr" presetSubtype="4" fill="hold" nodeType="clickEffect">
+                                <p:cTn id="5" presetID="2" presetClass="entr" presetSubtype="4" fill="hold" grpId="0" nodeType="clickEffect">
                                   <p:stCondLst>
                                     <p:cond delay="0"/>
                                   </p:stCondLst>
@@ -7946,7 +9020,7 @@
                                           </p:stCondLst>
                                         </p:cTn>
                                         <p:tgtEl>
-                                          <p:spTgt spid="22"/>
+                                          <p:spTgt spid="21"/>
                                         </p:tgtEl>
                                         <p:attrNameLst>
                                           <p:attrName>style.visibility</p:attrName>
@@ -7960,7 +9034,7 @@
                                       <p:cBhvr additive="base">
                                         <p:cTn id="7" dur="500" fill="hold"/>
                                         <p:tgtEl>
-                                          <p:spTgt spid="22"/>
+                                          <p:spTgt spid="21"/>
                                         </p:tgtEl>
                                         <p:attrNameLst>
                                           <p:attrName>ppt_x</p:attrName>
@@ -7983,80 +9057,7 @@
                                       <p:cBhvr additive="base">
                                         <p:cTn id="8" dur="500" fill="hold"/>
                                         <p:tgtEl>
-                                          <p:spTgt spid="22"/>
-                                        </p:tgtEl>
-                                        <p:attrNameLst>
-                                          <p:attrName>ppt_y</p:attrName>
-                                        </p:attrNameLst>
-                                      </p:cBhvr>
-                                      <p:tavLst>
-                                        <p:tav tm="0">
-                                          <p:val>
-                                            <p:strVal val="1+#ppt_h/2"/>
-                                          </p:val>
-                                        </p:tav>
-                                        <p:tav tm="100000">
-                                          <p:val>
-                                            <p:strVal val="#ppt_y"/>
-                                          </p:val>
-                                        </p:tav>
-                                      </p:tavLst>
-                                    </p:anim>
-                                  </p:childTnLst>
-                                </p:cTn>
-                              </p:par>
-                              <p:par>
-                                <p:cTn id="9" presetID="2" presetClass="entr" presetSubtype="4" fill="hold" grpId="0" nodeType="withEffect">
-                                  <p:stCondLst>
-                                    <p:cond delay="0"/>
-                                  </p:stCondLst>
-                                  <p:childTnLst>
-                                    <p:set>
-                                      <p:cBhvr>
-                                        <p:cTn id="10" dur="1" fill="hold">
-                                          <p:stCondLst>
-                                            <p:cond delay="0"/>
-                                          </p:stCondLst>
-                                        </p:cTn>
-                                        <p:tgtEl>
-                                          <p:spTgt spid="23"/>
-                                        </p:tgtEl>
-                                        <p:attrNameLst>
-                                          <p:attrName>style.visibility</p:attrName>
-                                        </p:attrNameLst>
-                                      </p:cBhvr>
-                                      <p:to>
-                                        <p:strVal val="visible"/>
-                                      </p:to>
-                                    </p:set>
-                                    <p:anim calcmode="lin" valueType="num">
-                                      <p:cBhvr additive="base">
-                                        <p:cTn id="11" dur="500" fill="hold"/>
-                                        <p:tgtEl>
-                                          <p:spTgt spid="23"/>
-                                        </p:tgtEl>
-                                        <p:attrNameLst>
-                                          <p:attrName>ppt_x</p:attrName>
-                                        </p:attrNameLst>
-                                      </p:cBhvr>
-                                      <p:tavLst>
-                                        <p:tav tm="0">
-                                          <p:val>
-                                            <p:strVal val="#ppt_x"/>
-                                          </p:val>
-                                        </p:tav>
-                                        <p:tav tm="100000">
-                                          <p:val>
-                                            <p:strVal val="#ppt_x"/>
-                                          </p:val>
-                                        </p:tav>
-                                      </p:tavLst>
-                                    </p:anim>
-                                    <p:anim calcmode="lin" valueType="num">
-                                      <p:cBhvr additive="base">
-                                        <p:cTn id="12" dur="500" fill="hold"/>
-                                        <p:tgtEl>
-                                          <p:spTgt spid="23"/>
+                                          <p:spTgt spid="21"/>
                                         </p:tgtEl>
                                         <p:attrNameLst>
                                           <p:attrName>ppt_y</p:attrName>
@@ -8085,19 +9086,92 @@
                     </p:cTn>
                   </p:par>
                   <p:par>
-                    <p:cTn id="13" fill="hold">
+                    <p:cTn id="9" fill="hold">
                       <p:stCondLst>
                         <p:cond delay="indefinite"/>
                       </p:stCondLst>
                       <p:childTnLst>
                         <p:par>
-                          <p:cTn id="14" fill="hold">
+                          <p:cTn id="10" fill="hold">
                             <p:stCondLst>
                               <p:cond delay="0"/>
                             </p:stCondLst>
                             <p:childTnLst>
                               <p:par>
-                                <p:cTn id="15" presetID="2" presetClass="entr" presetSubtype="4" fill="hold" nodeType="clickEffect">
+                                <p:cTn id="11" presetID="2" presetClass="entr" presetSubtype="4" fill="hold" nodeType="clickEffect">
+                                  <p:stCondLst>
+                                    <p:cond delay="0"/>
+                                  </p:stCondLst>
+                                  <p:childTnLst>
+                                    <p:set>
+                                      <p:cBhvr>
+                                        <p:cTn id="12" dur="1" fill="hold">
+                                          <p:stCondLst>
+                                            <p:cond delay="0"/>
+                                          </p:stCondLst>
+                                        </p:cTn>
+                                        <p:tgtEl>
+                                          <p:spTgt spid="22"/>
+                                        </p:tgtEl>
+                                        <p:attrNameLst>
+                                          <p:attrName>style.visibility</p:attrName>
+                                        </p:attrNameLst>
+                                      </p:cBhvr>
+                                      <p:to>
+                                        <p:strVal val="visible"/>
+                                      </p:to>
+                                    </p:set>
+                                    <p:anim calcmode="lin" valueType="num">
+                                      <p:cBhvr additive="base">
+                                        <p:cTn id="13" dur="500" fill="hold"/>
+                                        <p:tgtEl>
+                                          <p:spTgt spid="22"/>
+                                        </p:tgtEl>
+                                        <p:attrNameLst>
+                                          <p:attrName>ppt_x</p:attrName>
+                                        </p:attrNameLst>
+                                      </p:cBhvr>
+                                      <p:tavLst>
+                                        <p:tav tm="0">
+                                          <p:val>
+                                            <p:strVal val="#ppt_x"/>
+                                          </p:val>
+                                        </p:tav>
+                                        <p:tav tm="100000">
+                                          <p:val>
+                                            <p:strVal val="#ppt_x"/>
+                                          </p:val>
+                                        </p:tav>
+                                      </p:tavLst>
+                                    </p:anim>
+                                    <p:anim calcmode="lin" valueType="num">
+                                      <p:cBhvr additive="base">
+                                        <p:cTn id="14" dur="500" fill="hold"/>
+                                        <p:tgtEl>
+                                          <p:spTgt spid="22"/>
+                                        </p:tgtEl>
+                                        <p:attrNameLst>
+                                          <p:attrName>ppt_y</p:attrName>
+                                        </p:attrNameLst>
+                                      </p:cBhvr>
+                                      <p:tavLst>
+                                        <p:tav tm="0">
+                                          <p:val>
+                                            <p:strVal val="1+#ppt_h/2"/>
+                                          </p:val>
+                                        </p:tav>
+                                        <p:tav tm="100000">
+                                          <p:val>
+                                            <p:strVal val="#ppt_y"/>
+                                          </p:val>
+                                        </p:tav>
+                                      </p:tavLst>
+                                    </p:anim>
+                                  </p:childTnLst>
+                                </p:cTn>
+                              </p:par>
+                              <p:par>
+                                <p:cTn id="15" presetID="2" presetClass="entr" presetSubtype="4" fill="hold" grpId="0" nodeType="withEffect">
                                   <p:stCondLst>
                                     <p:cond delay="0"/>
                                   </p:stCondLst>
@@ -8110,7 +9184,7 @@
                                           </p:stCondLst>
                                         </p:cTn>
                                         <p:tgtEl>
-                                          <p:spTgt spid="24"/>
+                                          <p:spTgt spid="23"/>
                                         </p:tgtEl>
                                         <p:attrNameLst>
                                           <p:attrName>style.visibility</p:attrName>
@@ -8124,7 +9198,7 @@
                                       <p:cBhvr additive="base">
                                         <p:cTn id="17" dur="500" fill="hold"/>
                                         <p:tgtEl>
-                                          <p:spTgt spid="24"/>
+                                          <p:spTgt spid="23"/>
                                         </p:tgtEl>
                                         <p:attrNameLst>
                                           <p:attrName>ppt_x</p:attrName>
@@ -8147,80 +9221,7 @@
                                       <p:cBhvr additive="base">
                                         <p:cTn id="18" dur="500" fill="hold"/>
                                         <p:tgtEl>
-                                          <p:spTgt spid="24"/>
-                                        </p:tgtEl>
-                                        <p:attrNameLst>
-                                          <p:attrName>ppt_y</p:attrName>
-                                        </p:attrNameLst>
-                                      </p:cBhvr>
-                                      <p:tavLst>
-                                        <p:tav tm="0">
-                                          <p:val>
-                                            <p:strVal val="1+#ppt_h/2"/>
-                                          </p:val>
-                                        </p:tav>
-                                        <p:tav tm="100000">
-                                          <p:val>
-                                            <p:strVal val="#ppt_y"/>
-                                          </p:val>
-                                        </p:tav>
-                                      </p:tavLst>
-                                    </p:anim>
-                                  </p:childTnLst>
-                                </p:cTn>
-                              </p:par>
-                              <p:par>
-                                <p:cTn id="19" presetID="2" presetClass="entr" presetSubtype="4" fill="hold" grpId="0" nodeType="withEffect">
-                                  <p:stCondLst>
-                                    <p:cond delay="0"/>
-                                  </p:stCondLst>
-                                  <p:childTnLst>
-                                    <p:set>
-                                      <p:cBhvr>
-                                        <p:cTn id="20" dur="1" fill="hold">
-                                          <p:stCondLst>
-                                            <p:cond delay="0"/>
-                                          </p:stCondLst>
-                                        </p:cTn>
-                                        <p:tgtEl>
-                                          <p:spTgt spid="25"/>
-                                        </p:tgtEl>
-                                        <p:attrNameLst>
-                                          <p:attrName>style.visibility</p:attrName>
-                                        </p:attrNameLst>
-                                      </p:cBhvr>
-                                      <p:to>
-                                        <p:strVal val="visible"/>
-                                      </p:to>
-                                    </p:set>
-                                    <p:anim calcmode="lin" valueType="num">
-                                      <p:cBhvr additive="base">
-                                        <p:cTn id="21" dur="500" fill="hold"/>
-                                        <p:tgtEl>
-                                          <p:spTgt spid="25"/>
-                                        </p:tgtEl>
-                                        <p:attrNameLst>
-                                          <p:attrName>ppt_x</p:attrName>
-                                        </p:attrNameLst>
-                                      </p:cBhvr>
-                                      <p:tavLst>
-                                        <p:tav tm="0">
-                                          <p:val>
-                                            <p:strVal val="#ppt_x"/>
-                                          </p:val>
-                                        </p:tav>
-                                        <p:tav tm="100000">
-                                          <p:val>
-                                            <p:strVal val="#ppt_x"/>
-                                          </p:val>
-                                        </p:tav>
-                                      </p:tavLst>
-                                    </p:anim>
-                                    <p:anim calcmode="lin" valueType="num">
-                                      <p:cBhvr additive="base">
-                                        <p:cTn id="22" dur="500" fill="hold"/>
-                                        <p:tgtEl>
-                                          <p:spTgt spid="25"/>
+                                          <p:spTgt spid="23"/>
                                         </p:tgtEl>
                                         <p:attrNameLst>
                                           <p:attrName>ppt_y</p:attrName>
@@ -8249,19 +9250,92 @@
                     </p:cTn>
                   </p:par>
                   <p:par>
-                    <p:cTn id="23" fill="hold">
+                    <p:cTn id="19" fill="hold">
                       <p:stCondLst>
                         <p:cond delay="indefinite"/>
                       </p:stCondLst>
                       <p:childTnLst>
                         <p:par>
-                          <p:cTn id="24" fill="hold">
+                          <p:cTn id="20" fill="hold">
                             <p:stCondLst>
                               <p:cond delay="0"/>
                             </p:stCondLst>
                             <p:childTnLst>
                               <p:par>
-                                <p:cTn id="25" presetID="2" presetClass="entr" presetSubtype="4" fill="hold" nodeType="clickEffect">
+                                <p:cTn id="21" presetID="2" presetClass="entr" presetSubtype="4" fill="hold" nodeType="clickEffect">
+                                  <p:stCondLst>
+                                    <p:cond delay="0"/>
+                                  </p:stCondLst>
+                                  <p:childTnLst>
+                                    <p:set>
+                                      <p:cBhvr>
+                                        <p:cTn id="22" dur="1" fill="hold">
+                                          <p:stCondLst>
+                                            <p:cond delay="0"/>
+                                          </p:stCondLst>
+                                        </p:cTn>
+                                        <p:tgtEl>
+                                          <p:spTgt spid="24"/>
+                                        </p:tgtEl>
+                                        <p:attrNameLst>
+                                          <p:attrName>style.visibility</p:attrName>
+                                        </p:attrNameLst>
+                                      </p:cBhvr>
+                                      <p:to>
+                                        <p:strVal val="visible"/>
+                                      </p:to>
+                                    </p:set>
+                                    <p:anim calcmode="lin" valueType="num">
+                                      <p:cBhvr additive="base">
+                                        <p:cTn id="23" dur="500" fill="hold"/>
+                                        <p:tgtEl>
+                                          <p:spTgt spid="24"/>
+                                        </p:tgtEl>
+                                        <p:attrNameLst>
+                                          <p:attrName>ppt_x</p:attrName>
+                                        </p:attrNameLst>
+                                      </p:cBhvr>
+                                      <p:tavLst>
+                                        <p:tav tm="0">
+                                          <p:val>
+                                            <p:strVal val="#ppt_x"/>
+                                          </p:val>
+                                        </p:tav>
+                                        <p:tav tm="100000">
+                                          <p:val>
+                                            <p:strVal val="#ppt_x"/>
+                                          </p:val>
+                                        </p:tav>
+                                      </p:tavLst>
+                                    </p:anim>
+                                    <p:anim calcmode="lin" valueType="num">
+                                      <p:cBhvr additive="base">
+                                        <p:cTn id="24" dur="500" fill="hold"/>
+                                        <p:tgtEl>
+                                          <p:spTgt spid="24"/>
+                                        </p:tgtEl>
+                                        <p:attrNameLst>
+                                          <p:attrName>ppt_y</p:attrName>
+                                        </p:attrNameLst>
+                                      </p:cBhvr>
+                                      <p:tavLst>
+                                        <p:tav tm="0">
+                                          <p:val>
+                                            <p:strVal val="1+#ppt_h/2"/>
+                                          </p:val>
+                                        </p:tav>
+                                        <p:tav tm="100000">
+                                          <p:val>
+                                            <p:strVal val="#ppt_y"/>
+                                          </p:val>
+                                        </p:tav>
+                                      </p:tavLst>
+                                    </p:anim>
+                                  </p:childTnLst>
+                                </p:cTn>
+                              </p:par>
+                              <p:par>
+                                <p:cTn id="25" presetID="2" presetClass="entr" presetSubtype="4" fill="hold" grpId="0" nodeType="withEffect">
                                   <p:stCondLst>
                                     <p:cond delay="0"/>
                                   </p:stCondLst>
@@ -8274,7 +9348,7 @@
                                           </p:stCondLst>
                                         </p:cTn>
                                         <p:tgtEl>
-                                          <p:spTgt spid="26"/>
+                                          <p:spTgt spid="25"/>
                                         </p:tgtEl>
                                         <p:attrNameLst>
                                           <p:attrName>style.visibility</p:attrName>
@@ -8288,7 +9362,7 @@
                                       <p:cBhvr additive="base">
                                         <p:cTn id="27" dur="500" fill="hold"/>
                                         <p:tgtEl>
-                                          <p:spTgt spid="26"/>
+                                          <p:spTgt spid="25"/>
                                         </p:tgtEl>
                                         <p:attrNameLst>
                                           <p:attrName>ppt_x</p:attrName>
@@ -8311,80 +9385,7 @@
                                       <p:cBhvr additive="base">
                                         <p:cTn id="28" dur="500" fill="hold"/>
                                         <p:tgtEl>
-                                          <p:spTgt spid="26"/>
-                                        </p:tgtEl>
-                                        <p:attrNameLst>
-                                          <p:attrName>ppt_y</p:attrName>
-                                        </p:attrNameLst>
-                                      </p:cBhvr>
-                                      <p:tavLst>
-                                        <p:tav tm="0">
-                                          <p:val>
-                                            <p:strVal val="1+#ppt_h/2"/>
-                                          </p:val>
-                                        </p:tav>
-                                        <p:tav tm="100000">
-                                          <p:val>
-                                            <p:strVal val="#ppt_y"/>
-                                          </p:val>
-                                        </p:tav>
-                                      </p:tavLst>
-                                    </p:anim>
-                                  </p:childTnLst>
-                                </p:cTn>
-                              </p:par>
-                              <p:par>
-                                <p:cTn id="29" presetID="2" presetClass="entr" presetSubtype="4" fill="hold" grpId="0" nodeType="withEffect">
-                                  <p:stCondLst>
-                                    <p:cond delay="0"/>
-                                  </p:stCondLst>
-                                  <p:childTnLst>
-                                    <p:set>
-                                      <p:cBhvr>
-                                        <p:cTn id="30" dur="1" fill="hold">
-                                          <p:stCondLst>
-                                            <p:cond delay="0"/>
-                                          </p:stCondLst>
-                                        </p:cTn>
-                                        <p:tgtEl>
-                                          <p:spTgt spid="27"/>
-                                        </p:tgtEl>
-                                        <p:attrNameLst>
-                                          <p:attrName>style.visibility</p:attrName>
-                                        </p:attrNameLst>
-                                      </p:cBhvr>
-                                      <p:to>
-                                        <p:strVal val="visible"/>
-                                      </p:to>
-                                    </p:set>
-                                    <p:anim calcmode="lin" valueType="num">
-                                      <p:cBhvr additive="base">
-                                        <p:cTn id="31" dur="500" fill="hold"/>
-                                        <p:tgtEl>
-                                          <p:spTgt spid="27"/>
-                                        </p:tgtEl>
-                                        <p:attrNameLst>
-                                          <p:attrName>ppt_x</p:attrName>
-                                        </p:attrNameLst>
-                                      </p:cBhvr>
-                                      <p:tavLst>
-                                        <p:tav tm="0">
-                                          <p:val>
-                                            <p:strVal val="#ppt_x"/>
-                                          </p:val>
-                                        </p:tav>
-                                        <p:tav tm="100000">
-                                          <p:val>
-                                            <p:strVal val="#ppt_x"/>
-                                          </p:val>
-                                        </p:tav>
-                                      </p:tavLst>
-                                    </p:anim>
-                                    <p:anim calcmode="lin" valueType="num">
-                                      <p:cBhvr additive="base">
-                                        <p:cTn id="32" dur="500" fill="hold"/>
-                                        <p:tgtEl>
-                                          <p:spTgt spid="27"/>
+                                          <p:spTgt spid="25"/>
                                         </p:tgtEl>
                                         <p:attrNameLst>
                                           <p:attrName>ppt_y</p:attrName>
@@ -8413,19 +9414,92 @@
                     </p:cTn>
                   </p:par>
                   <p:par>
-                    <p:cTn id="33" fill="hold">
+                    <p:cTn id="29" fill="hold">
                       <p:stCondLst>
                         <p:cond delay="indefinite"/>
                       </p:stCondLst>
                       <p:childTnLst>
                         <p:par>
-                          <p:cTn id="34" fill="hold">
+                          <p:cTn id="30" fill="hold">
                             <p:stCondLst>
                               <p:cond delay="0"/>
                             </p:stCondLst>
                             <p:childTnLst>
                               <p:par>
-                                <p:cTn id="35" presetID="2" presetClass="entr" presetSubtype="4" fill="hold" grpId="0" nodeType="clickEffect">
+                                <p:cTn id="31" presetID="2" presetClass="entr" presetSubtype="4" fill="hold" nodeType="clickEffect">
+                                  <p:stCondLst>
+                                    <p:cond delay="0"/>
+                                  </p:stCondLst>
+                                  <p:childTnLst>
+                                    <p:set>
+                                      <p:cBhvr>
+                                        <p:cTn id="32" dur="1" fill="hold">
+                                          <p:stCondLst>
+                                            <p:cond delay="0"/>
+                                          </p:stCondLst>
+                                        </p:cTn>
+                                        <p:tgtEl>
+                                          <p:spTgt spid="26"/>
+                                        </p:tgtEl>
+                                        <p:attrNameLst>
+                                          <p:attrName>style.visibility</p:attrName>
+                                        </p:attrNameLst>
+                                      </p:cBhvr>
+                                      <p:to>
+                                        <p:strVal val="visible"/>
+                                      </p:to>
+                                    </p:set>
+                                    <p:anim calcmode="lin" valueType="num">
+                                      <p:cBhvr additive="base">
+                                        <p:cTn id="33" dur="500" fill="hold"/>
+                                        <p:tgtEl>
+                                          <p:spTgt spid="26"/>
+                                        </p:tgtEl>
+                                        <p:attrNameLst>
+                                          <p:attrName>ppt_x</p:attrName>
+                                        </p:attrNameLst>
+                                      </p:cBhvr>
+                                      <p:tavLst>
+                                        <p:tav tm="0">
+                                          <p:val>
+                                            <p:strVal val="#ppt_x"/>
+                                          </p:val>
+                                        </p:tav>
+                                        <p:tav tm="100000">
+                                          <p:val>
+                                            <p:strVal val="#ppt_x"/>
+                                          </p:val>
+                                        </p:tav>
+                                      </p:tavLst>
+                                    </p:anim>
+                                    <p:anim calcmode="lin" valueType="num">
+                                      <p:cBhvr additive="base">
+                                        <p:cTn id="34" dur="500" fill="hold"/>
+                                        <p:tgtEl>
+                                          <p:spTgt spid="26"/>
+                                        </p:tgtEl>
+                                        <p:attrNameLst>
+                                          <p:attrName>ppt_y</p:attrName>
+                                        </p:attrNameLst>
+                                      </p:cBhvr>
+                                      <p:tavLst>
+                                        <p:tav tm="0">
+                                          <p:val>
+                                            <p:strVal val="1+#ppt_h/2"/>
+                                          </p:val>
+                                        </p:tav>
+                                        <p:tav tm="100000">
+                                          <p:val>
+                                            <p:strVal val="#ppt_y"/>
+                                          </p:val>
+                                        </p:tav>
+                                      </p:tavLst>
+                                    </p:anim>
+                                  </p:childTnLst>
+                                </p:cTn>
+                              </p:par>
+                              <p:par>
+                                <p:cTn id="35" presetID="2" presetClass="entr" presetSubtype="4" fill="hold" grpId="0" nodeType="withEffect">
                                   <p:stCondLst>
                                     <p:cond delay="0"/>
                                   </p:stCondLst>
@@ -8438,7 +9512,7 @@
                                           </p:stCondLst>
                                         </p:cTn>
                                         <p:tgtEl>
-                                          <p:spTgt spid="29"/>
+                                          <p:spTgt spid="27"/>
                                         </p:tgtEl>
                                         <p:attrNameLst>
                                           <p:attrName>style.visibility</p:attrName>
@@ -8452,7 +9526,7 @@
                                       <p:cBhvr additive="base">
                                         <p:cTn id="37" dur="500" fill="hold"/>
                                         <p:tgtEl>
-                                          <p:spTgt spid="29"/>
+                                          <p:spTgt spid="27"/>
                                         </p:tgtEl>
                                         <p:attrNameLst>
                                           <p:attrName>ppt_x</p:attrName>
@@ -8475,80 +9549,7 @@
                                       <p:cBhvr additive="base">
                                         <p:cTn id="38" dur="500" fill="hold"/>
                                         <p:tgtEl>
-                                          <p:spTgt spid="29"/>
-                                        </p:tgtEl>
-                                        <p:attrNameLst>
-                                          <p:attrName>ppt_y</p:attrName>
-                                        </p:attrNameLst>
-                                      </p:cBhvr>
-                                      <p:tavLst>
-                                        <p:tav tm="0">
-                                          <p:val>
-                                            <p:strVal val="1+#ppt_h/2"/>
-                                          </p:val>
-                                        </p:tav>
-                                        <p:tav tm="100000">
-                                          <p:val>
-                                            <p:strVal val="#ppt_y"/>
-                                          </p:val>
-                                        </p:tav>
-                                      </p:tavLst>
-                                    </p:anim>
-                                  </p:childTnLst>
-                                </p:cTn>
-                              </p:par>
-                              <p:par>
-                                <p:cTn id="39" presetID="2" presetClass="entr" presetSubtype="4" fill="hold" nodeType="withEffect">
-                                  <p:stCondLst>
-                                    <p:cond delay="0"/>
-                                  </p:stCondLst>
-                                  <p:childTnLst>
-                                    <p:set>
-                                      <p:cBhvr>
-                                        <p:cTn id="40" dur="1" fill="hold">
-                                          <p:stCondLst>
-                                            <p:cond delay="0"/>
-                                          </p:stCondLst>
-                                        </p:cTn>
-                                        <p:tgtEl>
-                                          <p:spTgt spid="28"/>
-                                        </p:tgtEl>
-                                        <p:attrNameLst>
-                                          <p:attrName>style.visibility</p:attrName>
-                                        </p:attrNameLst>
-                                      </p:cBhvr>
-                                      <p:to>
-                                        <p:strVal val="visible"/>
-                                      </p:to>
-                                    </p:set>
-                                    <p:anim calcmode="lin" valueType="num">
-                                      <p:cBhvr additive="base">
-                                        <p:cTn id="41" dur="500" fill="hold"/>
-                                        <p:tgtEl>
-                                          <p:spTgt spid="28"/>
-                                        </p:tgtEl>
-                                        <p:attrNameLst>
-                                          <p:attrName>ppt_x</p:attrName>
-                                        </p:attrNameLst>
-                                      </p:cBhvr>
-                                      <p:tavLst>
-                                        <p:tav tm="0">
-                                          <p:val>
-                                            <p:strVal val="#ppt_x"/>
-                                          </p:val>
-                                        </p:tav>
-                                        <p:tav tm="100000">
-                                          <p:val>
-                                            <p:strVal val="#ppt_x"/>
-                                          </p:val>
-                                        </p:tav>
-                                      </p:tavLst>
-                                    </p:anim>
-                                    <p:anim calcmode="lin" valueType="num">
-                                      <p:cBhvr additive="base">
-                                        <p:cTn id="42" dur="500" fill="hold"/>
-                                        <p:tgtEl>
-                                          <p:spTgt spid="28"/>
+                                          <p:spTgt spid="27"/>
                                         </p:tgtEl>
                                         <p:attrNameLst>
                                           <p:attrName>ppt_y</p:attrName>
@@ -8577,19 +9578,92 @@
                     </p:cTn>
                   </p:par>
                   <p:par>
-                    <p:cTn id="43" fill="hold">
+                    <p:cTn id="39" fill="hold">
                       <p:stCondLst>
                         <p:cond delay="indefinite"/>
                       </p:stCondLst>
                       <p:childTnLst>
                         <p:par>
-                          <p:cTn id="44" fill="hold">
+                          <p:cTn id="40" fill="hold">
                             <p:stCondLst>
                               <p:cond delay="0"/>
                             </p:stCondLst>
                             <p:childTnLst>
                               <p:par>
-                                <p:cTn id="45" presetID="2" presetClass="entr" presetSubtype="4" fill="hold" grpId="0" nodeType="clickEffect">
+                                <p:cTn id="41" presetID="2" presetClass="entr" presetSubtype="4" fill="hold" grpId="0" nodeType="clickEffect">
+                                  <p:stCondLst>
+                                    <p:cond delay="0"/>
+                                  </p:stCondLst>
+                                  <p:childTnLst>
+                                    <p:set>
+                                      <p:cBhvr>
+                                        <p:cTn id="42" dur="1" fill="hold">
+                                          <p:stCondLst>
+                                            <p:cond delay="0"/>
+                                          </p:stCondLst>
+                                        </p:cTn>
+                                        <p:tgtEl>
+                                          <p:spTgt spid="29"/>
+                                        </p:tgtEl>
+                                        <p:attrNameLst>
+                                          <p:attrName>style.visibility</p:attrName>
+                                        </p:attrNameLst>
+                                      </p:cBhvr>
+                                      <p:to>
+                                        <p:strVal val="visible"/>
+                                      </p:to>
+                                    </p:set>
+                                    <p:anim calcmode="lin" valueType="num">
+                                      <p:cBhvr additive="base">
+                                        <p:cTn id="43" dur="500" fill="hold"/>
+                                        <p:tgtEl>
+                                          <p:spTgt spid="29"/>
+                                        </p:tgtEl>
+                                        <p:attrNameLst>
+                                          <p:attrName>ppt_x</p:attrName>
+                                        </p:attrNameLst>
+                                      </p:cBhvr>
+                                      <p:tavLst>
+                                        <p:tav tm="0">
+                                          <p:val>
+                                            <p:strVal val="#ppt_x"/>
+                                          </p:val>
+                                        </p:tav>
+                                        <p:tav tm="100000">
+                                          <p:val>
+                                            <p:strVal val="#ppt_x"/>
+                                          </p:val>
+                                        </p:tav>
+                                      </p:tavLst>
+                                    </p:anim>
+                                    <p:anim calcmode="lin" valueType="num">
+                                      <p:cBhvr additive="base">
+                                        <p:cTn id="44" dur="500" fill="hold"/>
+                                        <p:tgtEl>
+                                          <p:spTgt spid="29"/>
+                                        </p:tgtEl>
+                                        <p:attrNameLst>
+                                          <p:attrName>ppt_y</p:attrName>
+                                        </p:attrNameLst>
+                                      </p:cBhvr>
+                                      <p:tavLst>
+                                        <p:tav tm="0">
+                                          <p:val>
+                                            <p:strVal val="1+#ppt_h/2"/>
+                                          </p:val>
+                                        </p:tav>
+                                        <p:tav tm="100000">
+                                          <p:val>
+                                            <p:strVal val="#ppt_y"/>
+                                          </p:val>
+                                        </p:tav>
+                                      </p:tavLst>
+                                    </p:anim>
+                                  </p:childTnLst>
+                                </p:cTn>
+                              </p:par>
+                              <p:par>
+                                <p:cTn id="45" presetID="2" presetClass="entr" presetSubtype="4" fill="hold" nodeType="withEffect">
                                   <p:stCondLst>
                                     <p:cond delay="0"/>
                                   </p:stCondLst>
@@ -8602,7 +9676,7 @@
                                           </p:stCondLst>
                                         </p:cTn>
                                         <p:tgtEl>
-                                          <p:spTgt spid="31"/>
+                                          <p:spTgt spid="28"/>
                                         </p:tgtEl>
                                         <p:attrNameLst>
                                           <p:attrName>style.visibility</p:attrName>
@@ -8616,7 +9690,7 @@
                                       <p:cBhvr additive="base">
                                         <p:cTn id="47" dur="500" fill="hold"/>
                                         <p:tgtEl>
-                                          <p:spTgt spid="31"/>
+                                          <p:spTgt spid="28"/>
                                         </p:tgtEl>
                                         <p:attrNameLst>
                                           <p:attrName>ppt_x</p:attrName>
@@ -8639,80 +9713,7 @@
                                       <p:cBhvr additive="base">
                                         <p:cTn id="48" dur="500" fill="hold"/>
                                         <p:tgtEl>
-                                          <p:spTgt spid="31"/>
-                                        </p:tgtEl>
-                                        <p:attrNameLst>
-                                          <p:attrName>ppt_y</p:attrName>
-                                        </p:attrNameLst>
-                                      </p:cBhvr>
-                                      <p:tavLst>
-                                        <p:tav tm="0">
-                                          <p:val>
-                                            <p:strVal val="1+#ppt_h/2"/>
-                                          </p:val>
-                                        </p:tav>
-                                        <p:tav tm="100000">
-                                          <p:val>
-                                            <p:strVal val="#ppt_y"/>
-                                          </p:val>
-                                        </p:tav>
-                                      </p:tavLst>
-                                    </p:anim>
-                                  </p:childTnLst>
-                                </p:cTn>
-                              </p:par>
-                              <p:par>
-                                <p:cTn id="49" presetID="2" presetClass="entr" presetSubtype="4" fill="hold" nodeType="withEffect">
-                                  <p:stCondLst>
-                                    <p:cond delay="0"/>
-                                  </p:stCondLst>
-                                  <p:childTnLst>
-                                    <p:set>
-                                      <p:cBhvr>
-                                        <p:cTn id="50" dur="1" fill="hold">
-                                          <p:stCondLst>
-                                            <p:cond delay="0"/>
-                                          </p:stCondLst>
-                                        </p:cTn>
-                                        <p:tgtEl>
-                                          <p:spTgt spid="30"/>
-                                        </p:tgtEl>
-                                        <p:attrNameLst>
-                                          <p:attrName>style.visibility</p:attrName>
-                                        </p:attrNameLst>
-                                      </p:cBhvr>
-                                      <p:to>
-                                        <p:strVal val="visible"/>
-                                      </p:to>
-                                    </p:set>
-                                    <p:anim calcmode="lin" valueType="num">
-                                      <p:cBhvr additive="base">
-                                        <p:cTn id="51" dur="500" fill="hold"/>
-                                        <p:tgtEl>
-                                          <p:spTgt spid="30"/>
-                                        </p:tgtEl>
-                                        <p:attrNameLst>
-                                          <p:attrName>ppt_x</p:attrName>
-                                        </p:attrNameLst>
-                                      </p:cBhvr>
-                                      <p:tavLst>
-                                        <p:tav tm="0">
-                                          <p:val>
-                                            <p:strVal val="#ppt_x"/>
-                                          </p:val>
-                                        </p:tav>
-                                        <p:tav tm="100000">
-                                          <p:val>
-                                            <p:strVal val="#ppt_x"/>
-                                          </p:val>
-                                        </p:tav>
-                                      </p:tavLst>
-                                    </p:anim>
-                                    <p:anim calcmode="lin" valueType="num">
-                                      <p:cBhvr additive="base">
-                                        <p:cTn id="52" dur="500" fill="hold"/>
-                                        <p:tgtEl>
-                                          <p:spTgt spid="30"/>
+                                          <p:spTgt spid="28"/>
                                         </p:tgtEl>
                                         <p:attrNameLst>
                                           <p:attrName>ppt_y</p:attrName>
@@ -8741,19 +9742,92 @@
                     </p:cTn>
                   </p:par>
                   <p:par>
-                    <p:cTn id="53" fill="hold">
+                    <p:cTn id="49" fill="hold">
                       <p:stCondLst>
                         <p:cond delay="indefinite"/>
                       </p:stCondLst>
                       <p:childTnLst>
                         <p:par>
-                          <p:cTn id="54" fill="hold">
+                          <p:cTn id="50" fill="hold">
                             <p:stCondLst>
                               <p:cond delay="0"/>
                             </p:stCondLst>
                             <p:childTnLst>
                               <p:par>
-                                <p:cTn id="55" presetID="2" presetClass="entr" presetSubtype="4" fill="hold" grpId="0" nodeType="clickEffect">
+                                <p:cTn id="51" presetID="2" presetClass="entr" presetSubtype="4" fill="hold" grpId="0" nodeType="clickEffect">
+                                  <p:stCondLst>
+                                    <p:cond delay="0"/>
+                                  </p:stCondLst>
+                                  <p:childTnLst>
+                                    <p:set>
+                                      <p:cBhvr>
+                                        <p:cTn id="52" dur="1" fill="hold">
+                                          <p:stCondLst>
+                                            <p:cond delay="0"/>
+                                          </p:stCondLst>
+                                        </p:cTn>
+                                        <p:tgtEl>
+                                          <p:spTgt spid="31"/>
+                                        </p:tgtEl>
+                                        <p:attrNameLst>
+                                          <p:attrName>style.visibility</p:attrName>
+                                        </p:attrNameLst>
+                                      </p:cBhvr>
+                                      <p:to>
+                                        <p:strVal val="visible"/>
+                                      </p:to>
+                                    </p:set>
+                                    <p:anim calcmode="lin" valueType="num">
+                                      <p:cBhvr additive="base">
+                                        <p:cTn id="53" dur="500" fill="hold"/>
+                                        <p:tgtEl>
+                                          <p:spTgt spid="31"/>
+                                        </p:tgtEl>
+                                        <p:attrNameLst>
+                                          <p:attrName>ppt_x</p:attrName>
+                                        </p:attrNameLst>
+                                      </p:cBhvr>
+                                      <p:tavLst>
+                                        <p:tav tm="0">
+                                          <p:val>
+                                            <p:strVal val="#ppt_x"/>
+                                          </p:val>
+                                        </p:tav>
+                                        <p:tav tm="100000">
+                                          <p:val>
+                                            <p:strVal val="#ppt_x"/>
+                                          </p:val>
+                                        </p:tav>
+                                      </p:tavLst>
+                                    </p:anim>
+                                    <p:anim calcmode="lin" valueType="num">
+                                      <p:cBhvr additive="base">
+                                        <p:cTn id="54" dur="500" fill="hold"/>
+                                        <p:tgtEl>
+                                          <p:spTgt spid="31"/>
+                                        </p:tgtEl>
+                                        <p:attrNameLst>
+                                          <p:attrName>ppt_y</p:attrName>
+                                        </p:attrNameLst>
+                                      </p:cBhvr>
+                                      <p:tavLst>
+                                        <p:tav tm="0">
+                                          <p:val>
+                                            <p:strVal val="1+#ppt_h/2"/>
+                                          </p:val>
+                                        </p:tav>
+                                        <p:tav tm="100000">
+                                          <p:val>
+                                            <p:strVal val="#ppt_y"/>
+                                          </p:val>
+                                        </p:tav>
+                                      </p:tavLst>
+                                    </p:anim>
+                                  </p:childTnLst>
+                                </p:cTn>
+                              </p:par>
+                              <p:par>
+                                <p:cTn id="55" presetID="2" presetClass="entr" presetSubtype="4" fill="hold" nodeType="withEffect">
                                   <p:stCondLst>
                                     <p:cond delay="0"/>
                                   </p:stCondLst>
@@ -8766,7 +9840,7 @@
                                           </p:stCondLst>
                                         </p:cTn>
                                         <p:tgtEl>
-                                          <p:spTgt spid="33"/>
+                                          <p:spTgt spid="30"/>
                                         </p:tgtEl>
                                         <p:attrNameLst>
                                           <p:attrName>style.visibility</p:attrName>
@@ -8780,7 +9854,7 @@
                                       <p:cBhvr additive="base">
                                         <p:cTn id="57" dur="500" fill="hold"/>
                                         <p:tgtEl>
-                                          <p:spTgt spid="33"/>
+                                          <p:spTgt spid="30"/>
                                         </p:tgtEl>
                                         <p:attrNameLst>
                                           <p:attrName>ppt_x</p:attrName>
@@ -8803,80 +9877,7 @@
                                       <p:cBhvr additive="base">
                                         <p:cTn id="58" dur="500" fill="hold"/>
                                         <p:tgtEl>
-                                          <p:spTgt spid="33"/>
-                                        </p:tgtEl>
-                                        <p:attrNameLst>
-                                          <p:attrName>ppt_y</p:attrName>
-                                        </p:attrNameLst>
-                                      </p:cBhvr>
-                                      <p:tavLst>
-                                        <p:tav tm="0">
-                                          <p:val>
-                                            <p:strVal val="1+#ppt_h/2"/>
-                                          </p:val>
-                                        </p:tav>
-                                        <p:tav tm="100000">
-                                          <p:val>
-                                            <p:strVal val="#ppt_y"/>
-                                          </p:val>
-                                        </p:tav>
-                                      </p:tavLst>
-                                    </p:anim>
-                                  </p:childTnLst>
-                                </p:cTn>
-                              </p:par>
-                              <p:par>
-                                <p:cTn id="59" presetID="2" presetClass="entr" presetSubtype="4" fill="hold" nodeType="withEffect">
-                                  <p:stCondLst>
-                                    <p:cond delay="0"/>
-                                  </p:stCondLst>
-                                  <p:childTnLst>
-                                    <p:set>
-                                      <p:cBhvr>
-                                        <p:cTn id="60" dur="1" fill="hold">
-                                          <p:stCondLst>
-                                            <p:cond delay="0"/>
-                                          </p:stCondLst>
-                                        </p:cTn>
-                                        <p:tgtEl>
-                                          <p:spTgt spid="32"/>
-                                        </p:tgtEl>
-                                        <p:attrNameLst>
-                                          <p:attrName>style.visibility</p:attrName>
-                                        </p:attrNameLst>
-                                      </p:cBhvr>
-                                      <p:to>
-                                        <p:strVal val="visible"/>
-                                      </p:to>
-                                    </p:set>
-                                    <p:anim calcmode="lin" valueType="num">
-                                      <p:cBhvr additive="base">
-                                        <p:cTn id="61" dur="500" fill="hold"/>
-                                        <p:tgtEl>
-                                          <p:spTgt spid="32"/>
-                                        </p:tgtEl>
-                                        <p:attrNameLst>
-                                          <p:attrName>ppt_x</p:attrName>
-                                        </p:attrNameLst>
-                                      </p:cBhvr>
-                                      <p:tavLst>
-                                        <p:tav tm="0">
-                                          <p:val>
-                                            <p:strVal val="#ppt_x"/>
-                                          </p:val>
-                                        </p:tav>
-                                        <p:tav tm="100000">
-                                          <p:val>
-                                            <p:strVal val="#ppt_x"/>
-                                          </p:val>
-                                        </p:tav>
-                                      </p:tavLst>
-                                    </p:anim>
-                                    <p:anim calcmode="lin" valueType="num">
-                                      <p:cBhvr additive="base">
-                                        <p:cTn id="62" dur="500" fill="hold"/>
-                                        <p:tgtEl>
-                                          <p:spTgt spid="32"/>
+                                          <p:spTgt spid="30"/>
                                         </p:tgtEl>
                                         <p:attrNameLst>
                                           <p:attrName>ppt_y</p:attrName>
@@ -8905,19 +9906,92 @@
                     </p:cTn>
                   </p:par>
                   <p:par>
-                    <p:cTn id="63" fill="hold">
+                    <p:cTn id="59" fill="hold">
                       <p:stCondLst>
                         <p:cond delay="indefinite"/>
                       </p:stCondLst>
                       <p:childTnLst>
                         <p:par>
-                          <p:cTn id="64" fill="hold">
+                          <p:cTn id="60" fill="hold">
                             <p:stCondLst>
                               <p:cond delay="0"/>
                             </p:stCondLst>
                             <p:childTnLst>
                               <p:par>
-                                <p:cTn id="65" presetID="2" presetClass="entr" presetSubtype="4" fill="hold" grpId="0" nodeType="clickEffect">
+                                <p:cTn id="61" presetID="2" presetClass="entr" presetSubtype="4" fill="hold" grpId="0" nodeType="clickEffect">
+                                  <p:stCondLst>
+                                    <p:cond delay="0"/>
+                                  </p:stCondLst>
+                                  <p:childTnLst>
+                                    <p:set>
+                                      <p:cBhvr>
+                                        <p:cTn id="62" dur="1" fill="hold">
+                                          <p:stCondLst>
+                                            <p:cond delay="0"/>
+                                          </p:stCondLst>
+                                        </p:cTn>
+                                        <p:tgtEl>
+                                          <p:spTgt spid="33"/>
+                                        </p:tgtEl>
+                                        <p:attrNameLst>
+                                          <p:attrName>style.visibility</p:attrName>
+                                        </p:attrNameLst>
+                                      </p:cBhvr>
+                                      <p:to>
+                                        <p:strVal val="visible"/>
+                                      </p:to>
+                                    </p:set>
+                                    <p:anim calcmode="lin" valueType="num">
+                                      <p:cBhvr additive="base">
+                                        <p:cTn id="63" dur="500" fill="hold"/>
+                                        <p:tgtEl>
+                                          <p:spTgt spid="33"/>
+                                        </p:tgtEl>
+                                        <p:attrNameLst>
+                                          <p:attrName>ppt_x</p:attrName>
+                                        </p:attrNameLst>
+                                      </p:cBhvr>
+                                      <p:tavLst>
+                                        <p:tav tm="0">
+                                          <p:val>
+                                            <p:strVal val="#ppt_x"/>
+                                          </p:val>
+                                        </p:tav>
+                                        <p:tav tm="100000">
+                                          <p:val>
+                                            <p:strVal val="#ppt_x"/>
+                                          </p:val>
+                                        </p:tav>
+                                      </p:tavLst>
+                                    </p:anim>
+                                    <p:anim calcmode="lin" valueType="num">
+                                      <p:cBhvr additive="base">
+                                        <p:cTn id="64" dur="500" fill="hold"/>
+                                        <p:tgtEl>
+                                          <p:spTgt spid="33"/>
+                                        </p:tgtEl>
+                                        <p:attrNameLst>
+                                          <p:attrName>ppt_y</p:attrName>
+                                        </p:attrNameLst>
+                                      </p:cBhvr>
+                                      <p:tavLst>
+                                        <p:tav tm="0">
+                                          <p:val>
+                                            <p:strVal val="1+#ppt_h/2"/>
+                                          </p:val>
+                                        </p:tav>
+                                        <p:tav tm="100000">
+                                          <p:val>
+                                            <p:strVal val="#ppt_y"/>
+                                          </p:val>
+                                        </p:tav>
+                                      </p:tavLst>
+                                    </p:anim>
+                                  </p:childTnLst>
+                                </p:cTn>
+                              </p:par>
+                              <p:par>
+                                <p:cTn id="65" presetID="2" presetClass="entr" presetSubtype="4" fill="hold" nodeType="withEffect">
                                   <p:stCondLst>
                                     <p:cond delay="0"/>
                                   </p:stCondLst>
@@ -8930,7 +10004,7 @@
                                           </p:stCondLst>
                                         </p:cTn>
                                         <p:tgtEl>
-                                          <p:spTgt spid="35"/>
+                                          <p:spTgt spid="32"/>
                                         </p:tgtEl>
                                         <p:attrNameLst>
                                           <p:attrName>style.visibility</p:attrName>
@@ -8944,7 +10018,7 @@
                                       <p:cBhvr additive="base">
                                         <p:cTn id="67" dur="500" fill="hold"/>
                                         <p:tgtEl>
-                                          <p:spTgt spid="35"/>
+                                          <p:spTgt spid="32"/>
                                         </p:tgtEl>
                                         <p:attrNameLst>
                                           <p:attrName>ppt_x</p:attrName>
@@ -8966,6 +10040,97 @@
                                     <p:anim calcmode="lin" valueType="num">
                                       <p:cBhvr additive="base">
                                         <p:cTn id="68" dur="500" fill="hold"/>
+                                        <p:tgtEl>
+                                          <p:spTgt spid="32"/>
+                                        </p:tgtEl>
+                                        <p:attrNameLst>
+                                          <p:attrName>ppt_y</p:attrName>
+                                        </p:attrNameLst>
+                                      </p:cBhvr>
+                                      <p:tavLst>
+                                        <p:tav tm="0">
+                                          <p:val>
+                                            <p:strVal val="1+#ppt_h/2"/>
+                                          </p:val>
+                                        </p:tav>
+                                        <p:tav tm="100000">
+                                          <p:val>
+                                            <p:strVal val="#ppt_y"/>
+                                          </p:val>
+                                        </p:tav>
+                                      </p:tavLst>
+                                    </p:anim>
+                                  </p:childTnLst>
+                                </p:cTn>
+                              </p:par>
+                            </p:childTnLst>
+                          </p:cTn>
+                        </p:par>
+                      </p:childTnLst>
+                    </p:cTn>
+                  </p:par>
+                  <p:par>
+                    <p:cTn id="69" fill="hold">
+                      <p:stCondLst>
+                        <p:cond delay="indefinite"/>
+                      </p:stCondLst>
+                      <p:childTnLst>
+                        <p:par>
+                          <p:cTn id="70" fill="hold">
+                            <p:stCondLst>
+                              <p:cond delay="0"/>
+                            </p:stCondLst>
+                            <p:childTnLst>
+                              <p:par>
+                                <p:cTn id="71" presetID="2" presetClass="entr" presetSubtype="4" fill="hold" grpId="0" nodeType="clickEffect">
+                                  <p:stCondLst>
+                                    <p:cond delay="0"/>
+                                  </p:stCondLst>
+                                  <p:childTnLst>
+                                    <p:set>
+                                      <p:cBhvr>
+                                        <p:cTn id="72" dur="1" fill="hold">
+                                          <p:stCondLst>
+                                            <p:cond delay="0"/>
+                                          </p:stCondLst>
+                                        </p:cTn>
+                                        <p:tgtEl>
+                                          <p:spTgt spid="35"/>
+                                        </p:tgtEl>
+                                        <p:attrNameLst>
+                                          <p:attrName>style.visibility</p:attrName>
+                                        </p:attrNameLst>
+                                      </p:cBhvr>
+                                      <p:to>
+                                        <p:strVal val="visible"/>
+                                      </p:to>
+                                    </p:set>
+                                    <p:anim calcmode="lin" valueType="num">
+                                      <p:cBhvr additive="base">
+                                        <p:cTn id="73" dur="500" fill="hold"/>
+                                        <p:tgtEl>
+                                          <p:spTgt spid="35"/>
+                                        </p:tgtEl>
+                                        <p:attrNameLst>
+                                          <p:attrName>ppt_x</p:attrName>
+                                        </p:attrNameLst>
+                                      </p:cBhvr>
+                                      <p:tavLst>
+                                        <p:tav tm="0">
+                                          <p:val>
+                                            <p:strVal val="#ppt_x"/>
+                                          </p:val>
+                                        </p:tav>
+                                        <p:tav tm="100000">
+                                          <p:val>
+                                            <p:strVal val="#ppt_x"/>
+                                          </p:val>
+                                        </p:tav>
+                                      </p:tavLst>
+                                    </p:anim>
+                                    <p:anim calcmode="lin" valueType="num">
+                                      <p:cBhvr additive="base">
+                                        <p:cTn id="74" dur="500" fill="hold"/>
                                         <p:tgtEl>
                                           <p:spTgt spid="35"/>
                                         </p:tgtEl>
@@ -8990,14 +10155,14 @@
                                 </p:cTn>
                               </p:par>
                               <p:par>
-                                <p:cTn id="69" presetID="2" presetClass="entr" presetSubtype="4" fill="hold" nodeType="withEffect">
+                                <p:cTn id="75" presetID="2" presetClass="entr" presetSubtype="4" fill="hold" nodeType="withEffect">
                                   <p:stCondLst>
                                     <p:cond delay="0"/>
                                   </p:stCondLst>
                                   <p:childTnLst>
                                     <p:set>
                                       <p:cBhvr>
-                                        <p:cTn id="70" dur="1" fill="hold">
+                                        <p:cTn id="76" dur="1" fill="hold">
                                           <p:stCondLst>
                                             <p:cond delay="0"/>
                                           </p:stCondLst>
@@ -9015,7 +10180,7 @@
                                     </p:set>
                                     <p:anim calcmode="lin" valueType="num">
                                       <p:cBhvr additive="base">
-                                        <p:cTn id="71" dur="500" fill="hold"/>
+                                        <p:cTn id="77" dur="500" fill="hold"/>
                                         <p:tgtEl>
                                           <p:spTgt spid="34"/>
                                         </p:tgtEl>
@@ -9038,7 +10203,7 @@
                                     </p:anim>
                                     <p:anim calcmode="lin" valueType="num">
                                       <p:cBhvr additive="base">
-                                        <p:cTn id="72" dur="500" fill="hold"/>
+                                        <p:cTn id="78" dur="500" fill="hold"/>
                                         <p:tgtEl>
                                           <p:spTgt spid="34"/>
                                         </p:tgtEl>
@@ -9090,6 +10255,7 @@
       </p:par>
     </p:tnLst>
     <p:bldLst>
+      <p:bldP spid="21" grpId="0" animBg="1"/>
       <p:bldP spid="23" grpId="0" animBg="1"/>
       <p:bldP spid="25" grpId="0" animBg="1"/>
       <p:bldP spid="27" grpId="0" animBg="1"/>
@@ -24345,10 +25511,10 @@
       </p:sp>
       <p:pic>
         <p:nvPicPr>
-          <p:cNvPr id="12" name="Content Placeholder 11" descr="Diagram&#10;&#10;Description automatically generated">
+          <p:cNvPr id="7" name="Content Placeholder 6" descr="Diagram&#10;&#10;Description automatically generated">
             <a:extLst>
               <a:ext uri="{FF2B5EF4-FFF2-40B4-BE49-F238E27FC236}">
-                <a16:creationId xmlns:a16="http://schemas.microsoft.com/office/drawing/2014/main" id="{F7F1C9E2-C167-4F32-9AA1-52779121CBF8}"/>
+                <a16:creationId xmlns:a16="http://schemas.microsoft.com/office/drawing/2014/main" id="{DCE773E8-CC3D-486E-AB1A-88BAAFB0AE3B}"/>
               </a:ext>
             </a:extLst>
           </p:cNvPr>
@@ -24373,8 +25539,8 @@
         </p:blipFill>
         <p:spPr>
           <a:xfrm>
-            <a:off x="1547814" y="789540"/>
-            <a:ext cx="6207199" cy="5626501"/>
+            <a:off x="1396580" y="876688"/>
+            <a:ext cx="6057190" cy="5490524"/>
           </a:xfrm>
         </p:spPr>
       </p:pic>
@@ -24392,7 +25558,7 @@
         </p:nvSpPr>
         <p:spPr>
           <a:xfrm>
-            <a:off x="1431852" y="904027"/>
+            <a:off x="1262169" y="979440"/>
             <a:ext cx="1559000" cy="2996459"/>
           </a:xfrm>
           <a:prstGeom prst="roundRect">
@@ -24442,6 +25608,221 @@
   <p:transition spd="slow">
     <p:push dir="u"/>
   </p:transition>
+  <p:timing>
+    <p:tnLst>
+      <p:par>
+        <p:cTn id="1" dur="indefinite" restart="never" nodeType="tmRoot">
+          <p:childTnLst>
+            <p:seq concurrent="1" nextAc="seek">
+              <p:cTn id="2" dur="indefinite" nodeType="mainSeq">
+                <p:childTnLst>
+                  <p:par>
+                    <p:cTn id="3" fill="hold">
+                      <p:stCondLst>
+                        <p:cond delay="indefinite"/>
+                      </p:stCondLst>
+                      <p:childTnLst>
+                        <p:par>
+                          <p:cTn id="4" fill="hold">
+                            <p:stCondLst>
+                              <p:cond delay="0"/>
+                            </p:stCondLst>
+                            <p:childTnLst>
+                              <p:par>
+                                <p:cTn id="5" presetID="2" presetClass="entr" presetSubtype="4" fill="hold" nodeType="clickEffect">
+                                  <p:stCondLst>
+                                    <p:cond delay="0"/>
+                                  </p:stCondLst>
+                                  <p:childTnLst>
+                                    <p:set>
+                                      <p:cBhvr>
+                                        <p:cTn id="6" dur="1" fill="hold">
+                                          <p:stCondLst>
+                                            <p:cond delay="0"/>
+                                          </p:stCondLst>
+                                        </p:cTn>
+                                        <p:tgtEl>
+                                          <p:spTgt spid="7"/>
+                                        </p:tgtEl>
+                                        <p:attrNameLst>
+                                          <p:attrName>style.visibility</p:attrName>
+                                        </p:attrNameLst>
+                                      </p:cBhvr>
+                                      <p:to>
+                                        <p:strVal val="visible"/>
+                                      </p:to>
+                                    </p:set>
+                                    <p:anim calcmode="lin" valueType="num">
+                                      <p:cBhvr additive="base">
+                                        <p:cTn id="7" dur="500" fill="hold"/>
+                                        <p:tgtEl>
+                                          <p:spTgt spid="7"/>
+                                        </p:tgtEl>
+                                        <p:attrNameLst>
+                                          <p:attrName>ppt_x</p:attrName>
+                                        </p:attrNameLst>
+                                      </p:cBhvr>
+                                      <p:tavLst>
+                                        <p:tav tm="0">
+                                          <p:val>
+                                            <p:strVal val="#ppt_x"/>
+                                          </p:val>
+                                        </p:tav>
+                                        <p:tav tm="100000">
+                                          <p:val>
+                                            <p:strVal val="#ppt_x"/>
+                                          </p:val>
+                                        </p:tav>
+                                      </p:tavLst>
+                                    </p:anim>
+                                    <p:anim calcmode="lin" valueType="num">
+                                      <p:cBhvr additive="base">
+                                        <p:cTn id="8" dur="500" fill="hold"/>
+                                        <p:tgtEl>
+                                          <p:spTgt spid="7"/>
+                                        </p:tgtEl>
+                                        <p:attrNameLst>
+                                          <p:attrName>ppt_y</p:attrName>
+                                        </p:attrNameLst>
+                                      </p:cBhvr>
+                                      <p:tavLst>
+                                        <p:tav tm="0">
+                                          <p:val>
+                                            <p:strVal val="1+#ppt_h/2"/>
+                                          </p:val>
+                                        </p:tav>
+                                        <p:tav tm="100000">
+                                          <p:val>
+                                            <p:strVal val="#ppt_y"/>
+                                          </p:val>
+                                        </p:tav>
+                                      </p:tavLst>
+                                    </p:anim>
+                                  </p:childTnLst>
+                                </p:cTn>
+                              </p:par>
+                            </p:childTnLst>
+                          </p:cTn>
+                        </p:par>
+                      </p:childTnLst>
+                    </p:cTn>
+                  </p:par>
+                  <p:par>
+                    <p:cTn id="9" fill="hold">
+                      <p:stCondLst>
+                        <p:cond delay="indefinite"/>
+                      </p:stCondLst>
+                      <p:childTnLst>
+                        <p:par>
+                          <p:cTn id="10" fill="hold">
+                            <p:stCondLst>
+                              <p:cond delay="0"/>
+                            </p:stCondLst>
+                            <p:childTnLst>
+                              <p:par>
+                                <p:cTn id="11" presetID="2" presetClass="entr" presetSubtype="4" fill="hold" grpId="0" nodeType="clickEffect">
+                                  <p:stCondLst>
+                                    <p:cond delay="0"/>
+                                  </p:stCondLst>
+                                  <p:childTnLst>
+                                    <p:set>
+                                      <p:cBhvr>
+                                        <p:cTn id="12" dur="1" fill="hold">
+                                          <p:stCondLst>
+                                            <p:cond delay="0"/>
+                                          </p:stCondLst>
+                                        </p:cTn>
+                                        <p:tgtEl>
+                                          <p:spTgt spid="4"/>
+                                        </p:tgtEl>
+                                        <p:attrNameLst>
+                                          <p:attrName>style.visibility</p:attrName>
+                                        </p:attrNameLst>
+                                      </p:cBhvr>
+                                      <p:to>
+                                        <p:strVal val="visible"/>
+                                      </p:to>
+                                    </p:set>
+                                    <p:anim calcmode="lin" valueType="num">
+                                      <p:cBhvr additive="base">
+                                        <p:cTn id="13" dur="500" fill="hold"/>
+                                        <p:tgtEl>
+                                          <p:spTgt spid="4"/>
+                                        </p:tgtEl>
+                                        <p:attrNameLst>
+                                          <p:attrName>ppt_x</p:attrName>
+                                        </p:attrNameLst>
+                                      </p:cBhvr>
+                                      <p:tavLst>
+                                        <p:tav tm="0">
+                                          <p:val>
+                                            <p:strVal val="#ppt_x"/>
+                                          </p:val>
+                                        </p:tav>
+                                        <p:tav tm="100000">
+                                          <p:val>
+                                            <p:strVal val="#ppt_x"/>
+                                          </p:val>
+                                        </p:tav>
+                                      </p:tavLst>
+                                    </p:anim>
+                                    <p:anim calcmode="lin" valueType="num">
+                                      <p:cBhvr additive="base">
+                                        <p:cTn id="14" dur="500" fill="hold"/>
+                                        <p:tgtEl>
+                                          <p:spTgt spid="4"/>
+                                        </p:tgtEl>
+                                        <p:attrNameLst>
+                                          <p:attrName>ppt_y</p:attrName>
+                                        </p:attrNameLst>
+                                      </p:cBhvr>
+                                      <p:tavLst>
+                                        <p:tav tm="0">
+                                          <p:val>
+                                            <p:strVal val="1+#ppt_h/2"/>
+                                          </p:val>
+                                        </p:tav>
+                                        <p:tav tm="100000">
+                                          <p:val>
+                                            <p:strVal val="#ppt_y"/>
+                                          </p:val>
+                                        </p:tav>
+                                      </p:tavLst>
+                                    </p:anim>
+                                  </p:childTnLst>
+                                </p:cTn>
+                              </p:par>
+                            </p:childTnLst>
+                          </p:cTn>
+                        </p:par>
+                      </p:childTnLst>
+                    </p:cTn>
+                  </p:par>
+                </p:childTnLst>
+              </p:cTn>
+              <p:prevCondLst>
+                <p:cond evt="onPrev" delay="0">
+                  <p:tgtEl>
+                    <p:sldTgt/>
+                  </p:tgtEl>
+                </p:cond>
+              </p:prevCondLst>
+              <p:nextCondLst>
+                <p:cond evt="onNext" delay="0">
+                  <p:tgtEl>
+                    <p:sldTgt/>
+                  </p:tgtEl>
+                </p:cond>
+              </p:nextCondLst>
+            </p:seq>
+          </p:childTnLst>
+        </p:cTn>
+      </p:par>
+    </p:tnLst>
+    <p:bldLst>
+      <p:bldP spid="4" grpId="0" animBg="1"/>
+    </p:bldLst>
+  </p:timing>
 </p:sld>
 </file>
 

--- a/thesis/ukapp2/wqu_isc/sofware_design/Javabc04.pptx
+++ b/thesis/ukapp2/wqu_isc/sofware_design/Javabc04.pptx
@@ -250,7 +250,7 @@
           <a:p>
             <a:fld id="{90934801-70BC-4C45-ABF4-D245F80D8686}" type="datetimeFigureOut">
               <a:rPr lang="en-GB" smtClean="0"/>
-              <a:t>25/10/2020</a:t>
+              <a:t>27/10/2020</a:t>
             </a:fld>
             <a:endParaRPr lang="en-GB"/>
           </a:p>
@@ -1082,7 +1082,7 @@
           <a:p>
             <a:fld id="{CD13FC2D-BEDB-45BE-AF82-649A39BEFF71}" type="datetimeFigureOut">
               <a:rPr lang="en-GB" smtClean="0"/>
-              <a:t>25/10/2020</a:t>
+              <a:t>27/10/2020</a:t>
             </a:fld>
             <a:endParaRPr lang="en-GB"/>
           </a:p>
@@ -1293,7 +1293,7 @@
           <a:p>
             <a:fld id="{CD13FC2D-BEDB-45BE-AF82-649A39BEFF71}" type="datetimeFigureOut">
               <a:rPr lang="en-GB" smtClean="0"/>
-              <a:t>25/10/2020</a:t>
+              <a:t>27/10/2020</a:t>
             </a:fld>
             <a:endParaRPr lang="en-GB"/>
           </a:p>
@@ -1552,7 +1552,7 @@
           <a:p>
             <a:fld id="{CD13FC2D-BEDB-45BE-AF82-649A39BEFF71}" type="datetimeFigureOut">
               <a:rPr lang="en-GB" smtClean="0"/>
-              <a:t>25/10/2020</a:t>
+              <a:t>27/10/2020</a:t>
             </a:fld>
             <a:endParaRPr lang="en-GB"/>
           </a:p>
@@ -1725,7 +1725,7 @@
           <a:p>
             <a:fld id="{CD13FC2D-BEDB-45BE-AF82-649A39BEFF71}" type="datetimeFigureOut">
               <a:rPr lang="en-GB" smtClean="0"/>
-              <a:t>25/10/2020</a:t>
+              <a:t>27/10/2020</a:t>
             </a:fld>
             <a:endParaRPr lang="en-GB"/>
           </a:p>
@@ -2071,7 +2071,7 @@
           <a:p>
             <a:fld id="{CD13FC2D-BEDB-45BE-AF82-649A39BEFF71}" type="datetimeFigureOut">
               <a:rPr lang="en-GB" smtClean="0"/>
-              <a:t>25/10/2020</a:t>
+              <a:t>27/10/2020</a:t>
             </a:fld>
             <a:endParaRPr lang="en-GB"/>
           </a:p>
@@ -2349,7 +2349,7 @@
           <a:p>
             <a:fld id="{CD13FC2D-BEDB-45BE-AF82-649A39BEFF71}" type="datetimeFigureOut">
               <a:rPr lang="en-GB" smtClean="0"/>
-              <a:t>25/10/2020</a:t>
+              <a:t>27/10/2020</a:t>
             </a:fld>
             <a:endParaRPr lang="en-GB"/>
           </a:p>
@@ -2731,7 +2731,7 @@
           <a:p>
             <a:fld id="{CD13FC2D-BEDB-45BE-AF82-649A39BEFF71}" type="datetimeFigureOut">
               <a:rPr lang="en-GB" smtClean="0"/>
-              <a:t>25/10/2020</a:t>
+              <a:t>27/10/2020</a:t>
             </a:fld>
             <a:endParaRPr lang="en-GB"/>
           </a:p>
@@ -2852,7 +2852,7 @@
           <a:p>
             <a:fld id="{CD13FC2D-BEDB-45BE-AF82-649A39BEFF71}" type="datetimeFigureOut">
               <a:rPr lang="en-GB" smtClean="0"/>
-              <a:t>25/10/2020</a:t>
+              <a:t>27/10/2020</a:t>
             </a:fld>
             <a:endParaRPr lang="en-GB"/>
           </a:p>
@@ -3026,7 +3026,7 @@
           <a:p>
             <a:fld id="{CD13FC2D-BEDB-45BE-AF82-649A39BEFF71}" type="datetimeFigureOut">
               <a:rPr lang="en-GB" smtClean="0"/>
-              <a:t>25/10/2020</a:t>
+              <a:t>27/10/2020</a:t>
             </a:fld>
             <a:endParaRPr lang="en-GB"/>
           </a:p>
@@ -3383,7 +3383,7 @@
           <a:p>
             <a:fld id="{CD13FC2D-BEDB-45BE-AF82-649A39BEFF71}" type="datetimeFigureOut">
               <a:rPr lang="en-GB" smtClean="0"/>
-              <a:t>25/10/2020</a:t>
+              <a:t>27/10/2020</a:t>
             </a:fld>
             <a:endParaRPr lang="en-GB"/>
           </a:p>
@@ -3768,7 +3768,7 @@
           <a:p>
             <a:fld id="{CD13FC2D-BEDB-45BE-AF82-649A39BEFF71}" type="datetimeFigureOut">
               <a:rPr lang="en-GB" smtClean="0"/>
-              <a:t>25/10/2020</a:t>
+              <a:t>27/10/2020</a:t>
             </a:fld>
             <a:endParaRPr lang="en-GB"/>
           </a:p>
@@ -4058,7 +4058,7 @@
           <a:p>
             <a:fld id="{CD13FC2D-BEDB-45BE-AF82-649A39BEFF71}" type="datetimeFigureOut">
               <a:rPr lang="en-GB" smtClean="0"/>
-              <a:t>25/10/2020</a:t>
+              <a:t>27/10/2020</a:t>
             </a:fld>
             <a:endParaRPr lang="en-GB"/>
           </a:p>
@@ -5057,6 +5057,57 @@
           </a:xfrm>
         </p:spPr>
       </p:pic>
+      <p:sp>
+        <p:nvSpPr>
+          <p:cNvPr id="4" name="Oval 3">
+            <a:extLst>
+              <a:ext uri="{FF2B5EF4-FFF2-40B4-BE49-F238E27FC236}">
+                <a16:creationId xmlns:a16="http://schemas.microsoft.com/office/drawing/2014/main" id="{2EEBC158-EBD2-402C-8B89-24A556AF58EC}"/>
+              </a:ext>
+            </a:extLst>
+          </p:cNvPr>
+          <p:cNvSpPr/>
+          <p:nvPr/>
+        </p:nvSpPr>
+        <p:spPr>
+          <a:xfrm>
+            <a:off x="3403949" y="3162670"/>
+            <a:ext cx="257453" cy="266330"/>
+          </a:xfrm>
+          <a:prstGeom prst="ellipse">
+            <a:avLst/>
+          </a:prstGeom>
+          <a:solidFill>
+            <a:srgbClr val="FFFF00">
+              <a:alpha val="40000"/>
+            </a:srgbClr>
+          </a:solidFill>
+        </p:spPr>
+        <p:style>
+          <a:lnRef idx="2">
+            <a:schemeClr val="accent1">
+              <a:shade val="50000"/>
+            </a:schemeClr>
+          </a:lnRef>
+          <a:fillRef idx="1">
+            <a:schemeClr val="accent1"/>
+          </a:fillRef>
+          <a:effectRef idx="0">
+            <a:schemeClr val="accent1"/>
+          </a:effectRef>
+          <a:fontRef idx="minor">
+            <a:schemeClr val="lt1"/>
+          </a:fontRef>
+        </p:style>
+        <p:txBody>
+          <a:bodyPr rtlCol="0" anchor="ctr"/>
+          <a:lstStyle/>
+          <a:p>
+            <a:pPr algn="ctr"/>
+            <a:endParaRPr lang="en-GB"/>
+          </a:p>
+        </p:txBody>
+      </p:sp>
     </p:spTree>
     <p:extLst>
       <p:ext uri="{BB962C8B-B14F-4D97-AF65-F5344CB8AC3E}">
@@ -5070,6 +5121,130 @@
   <p:transition spd="slow">
     <p:push dir="u"/>
   </p:transition>
+  <p:timing>
+    <p:tnLst>
+      <p:par>
+        <p:cTn id="1" dur="indefinite" restart="never" nodeType="tmRoot">
+          <p:childTnLst>
+            <p:seq concurrent="1" nextAc="seek">
+              <p:cTn id="2" dur="indefinite" nodeType="mainSeq">
+                <p:childTnLst>
+                  <p:par>
+                    <p:cTn id="3" fill="hold">
+                      <p:stCondLst>
+                        <p:cond delay="indefinite"/>
+                      </p:stCondLst>
+                      <p:childTnLst>
+                        <p:par>
+                          <p:cTn id="4" fill="hold">
+                            <p:stCondLst>
+                              <p:cond delay="0"/>
+                            </p:stCondLst>
+                            <p:childTnLst>
+                              <p:par>
+                                <p:cTn id="5" presetID="2" presetClass="entr" presetSubtype="4" fill="hold" grpId="0" nodeType="clickEffect">
+                                  <p:stCondLst>
+                                    <p:cond delay="0"/>
+                                  </p:stCondLst>
+                                  <p:childTnLst>
+                                    <p:set>
+                                      <p:cBhvr>
+                                        <p:cTn id="6" dur="1" fill="hold">
+                                          <p:stCondLst>
+                                            <p:cond delay="0"/>
+                                          </p:stCondLst>
+                                        </p:cTn>
+                                        <p:tgtEl>
+                                          <p:spTgt spid="4"/>
+                                        </p:tgtEl>
+                                        <p:attrNameLst>
+                                          <p:attrName>style.visibility</p:attrName>
+                                        </p:attrNameLst>
+                                      </p:cBhvr>
+                                      <p:to>
+                                        <p:strVal val="visible"/>
+                                      </p:to>
+                                    </p:set>
+                                    <p:anim calcmode="lin" valueType="num">
+                                      <p:cBhvr additive="base">
+                                        <p:cTn id="7" dur="500" fill="hold"/>
+                                        <p:tgtEl>
+                                          <p:spTgt spid="4"/>
+                                        </p:tgtEl>
+                                        <p:attrNameLst>
+                                          <p:attrName>ppt_x</p:attrName>
+                                        </p:attrNameLst>
+                                      </p:cBhvr>
+                                      <p:tavLst>
+                                        <p:tav tm="0">
+                                          <p:val>
+                                            <p:strVal val="#ppt_x"/>
+                                          </p:val>
+                                        </p:tav>
+                                        <p:tav tm="100000">
+                                          <p:val>
+                                            <p:strVal val="#ppt_x"/>
+                                          </p:val>
+                                        </p:tav>
+                                      </p:tavLst>
+                                    </p:anim>
+                                    <p:anim calcmode="lin" valueType="num">
+                                      <p:cBhvr additive="base">
+                                        <p:cTn id="8" dur="500" fill="hold"/>
+                                        <p:tgtEl>
+                                          <p:spTgt spid="4"/>
+                                        </p:tgtEl>
+                                        <p:attrNameLst>
+                                          <p:attrName>ppt_y</p:attrName>
+                                        </p:attrNameLst>
+                                      </p:cBhvr>
+                                      <p:tavLst>
+                                        <p:tav tm="0">
+                                          <p:val>
+                                            <p:strVal val="1+#ppt_h/2"/>
+                                          </p:val>
+                                        </p:tav>
+                                        <p:tav tm="100000">
+                                          <p:val>
+                                            <p:strVal val="#ppt_y"/>
+                                          </p:val>
+                                        </p:tav>
+                                      </p:tavLst>
+                                    </p:anim>
+                                  </p:childTnLst>
+                                </p:cTn>
+                              </p:par>
+                            </p:childTnLst>
+                          </p:cTn>
+                        </p:par>
+                      </p:childTnLst>
+                    </p:cTn>
+                  </p:par>
+                </p:childTnLst>
+              </p:cTn>
+              <p:prevCondLst>
+                <p:cond evt="onPrev" delay="0">
+                  <p:tgtEl>
+                    <p:sldTgt/>
+                  </p:tgtEl>
+                </p:cond>
+              </p:prevCondLst>
+              <p:nextCondLst>
+                <p:cond evt="onNext" delay="0">
+                  <p:tgtEl>
+                    <p:sldTgt/>
+                  </p:tgtEl>
+                </p:cond>
+              </p:nextCondLst>
+            </p:seq>
+          </p:childTnLst>
+        </p:cTn>
+      </p:par>
+    </p:tnLst>
+    <p:bldLst>
+      <p:bldP spid="4" grpId="0" animBg="1"/>
+    </p:bldLst>
+  </p:timing>
 </p:sld>
 </file>
 
@@ -5153,6 +5328,57 @@
           </a:xfrm>
         </p:spPr>
       </p:pic>
+      <p:sp>
+        <p:nvSpPr>
+          <p:cNvPr id="4" name="Oval 3">
+            <a:extLst>
+              <a:ext uri="{FF2B5EF4-FFF2-40B4-BE49-F238E27FC236}">
+                <a16:creationId xmlns:a16="http://schemas.microsoft.com/office/drawing/2014/main" id="{48769841-4642-4084-B26E-9B92D4BBD59A}"/>
+              </a:ext>
+            </a:extLst>
+          </p:cNvPr>
+          <p:cNvSpPr/>
+          <p:nvPr/>
+        </p:nvSpPr>
+        <p:spPr>
+          <a:xfrm>
+            <a:off x="4330149" y="3591295"/>
+            <a:ext cx="257453" cy="266330"/>
+          </a:xfrm>
+          <a:prstGeom prst="ellipse">
+            <a:avLst/>
+          </a:prstGeom>
+          <a:solidFill>
+            <a:srgbClr val="FFFF00">
+              <a:alpha val="40000"/>
+            </a:srgbClr>
+          </a:solidFill>
+        </p:spPr>
+        <p:style>
+          <a:lnRef idx="2">
+            <a:schemeClr val="accent1">
+              <a:shade val="50000"/>
+            </a:schemeClr>
+          </a:lnRef>
+          <a:fillRef idx="1">
+            <a:schemeClr val="accent1"/>
+          </a:fillRef>
+          <a:effectRef idx="0">
+            <a:schemeClr val="accent1"/>
+          </a:effectRef>
+          <a:fontRef idx="minor">
+            <a:schemeClr val="lt1"/>
+          </a:fontRef>
+        </p:style>
+        <p:txBody>
+          <a:bodyPr rtlCol="0" anchor="ctr"/>
+          <a:lstStyle/>
+          <a:p>
+            <a:pPr algn="ctr"/>
+            <a:endParaRPr lang="en-GB"/>
+          </a:p>
+        </p:txBody>
+      </p:sp>
     </p:spTree>
     <p:extLst>
       <p:ext uri="{BB962C8B-B14F-4D97-AF65-F5344CB8AC3E}">
@@ -5166,6 +5392,130 @@
   <p:transition spd="slow">
     <p:push dir="u"/>
   </p:transition>
+  <p:timing>
+    <p:tnLst>
+      <p:par>
+        <p:cTn id="1" dur="indefinite" restart="never" nodeType="tmRoot">
+          <p:childTnLst>
+            <p:seq concurrent="1" nextAc="seek">
+              <p:cTn id="2" dur="indefinite" nodeType="mainSeq">
+                <p:childTnLst>
+                  <p:par>
+                    <p:cTn id="3" fill="hold">
+                      <p:stCondLst>
+                        <p:cond delay="indefinite"/>
+                      </p:stCondLst>
+                      <p:childTnLst>
+                        <p:par>
+                          <p:cTn id="4" fill="hold">
+                            <p:stCondLst>
+                              <p:cond delay="0"/>
+                            </p:stCondLst>
+                            <p:childTnLst>
+                              <p:par>
+                                <p:cTn id="5" presetID="2" presetClass="entr" presetSubtype="4" fill="hold" grpId="0" nodeType="clickEffect">
+                                  <p:stCondLst>
+                                    <p:cond delay="0"/>
+                                  </p:stCondLst>
+                                  <p:childTnLst>
+                                    <p:set>
+                                      <p:cBhvr>
+                                        <p:cTn id="6" dur="1" fill="hold">
+                                          <p:stCondLst>
+                                            <p:cond delay="0"/>
+                                          </p:stCondLst>
+                                        </p:cTn>
+                                        <p:tgtEl>
+                                          <p:spTgt spid="4"/>
+                                        </p:tgtEl>
+                                        <p:attrNameLst>
+                                          <p:attrName>style.visibility</p:attrName>
+                                        </p:attrNameLst>
+                                      </p:cBhvr>
+                                      <p:to>
+                                        <p:strVal val="visible"/>
+                                      </p:to>
+                                    </p:set>
+                                    <p:anim calcmode="lin" valueType="num">
+                                      <p:cBhvr additive="base">
+                                        <p:cTn id="7" dur="500" fill="hold"/>
+                                        <p:tgtEl>
+                                          <p:spTgt spid="4"/>
+                                        </p:tgtEl>
+                                        <p:attrNameLst>
+                                          <p:attrName>ppt_x</p:attrName>
+                                        </p:attrNameLst>
+                                      </p:cBhvr>
+                                      <p:tavLst>
+                                        <p:tav tm="0">
+                                          <p:val>
+                                            <p:strVal val="#ppt_x"/>
+                                          </p:val>
+                                        </p:tav>
+                                        <p:tav tm="100000">
+                                          <p:val>
+                                            <p:strVal val="#ppt_x"/>
+                                          </p:val>
+                                        </p:tav>
+                                      </p:tavLst>
+                                    </p:anim>
+                                    <p:anim calcmode="lin" valueType="num">
+                                      <p:cBhvr additive="base">
+                                        <p:cTn id="8" dur="500" fill="hold"/>
+                                        <p:tgtEl>
+                                          <p:spTgt spid="4"/>
+                                        </p:tgtEl>
+                                        <p:attrNameLst>
+                                          <p:attrName>ppt_y</p:attrName>
+                                        </p:attrNameLst>
+                                      </p:cBhvr>
+                                      <p:tavLst>
+                                        <p:tav tm="0">
+                                          <p:val>
+                                            <p:strVal val="1+#ppt_h/2"/>
+                                          </p:val>
+                                        </p:tav>
+                                        <p:tav tm="100000">
+                                          <p:val>
+                                            <p:strVal val="#ppt_y"/>
+                                          </p:val>
+                                        </p:tav>
+                                      </p:tavLst>
+                                    </p:anim>
+                                  </p:childTnLst>
+                                </p:cTn>
+                              </p:par>
+                            </p:childTnLst>
+                          </p:cTn>
+                        </p:par>
+                      </p:childTnLst>
+                    </p:cTn>
+                  </p:par>
+                </p:childTnLst>
+              </p:cTn>
+              <p:prevCondLst>
+                <p:cond evt="onPrev" delay="0">
+                  <p:tgtEl>
+                    <p:sldTgt/>
+                  </p:tgtEl>
+                </p:cond>
+              </p:prevCondLst>
+              <p:nextCondLst>
+                <p:cond evt="onNext" delay="0">
+                  <p:tgtEl>
+                    <p:sldTgt/>
+                  </p:tgtEl>
+                </p:cond>
+              </p:nextCondLst>
+            </p:seq>
+          </p:childTnLst>
+        </p:cTn>
+      </p:par>
+    </p:tnLst>
+    <p:bldLst>
+      <p:bldP spid="4" grpId="0" animBg="1"/>
+    </p:bldLst>
+  </p:timing>
 </p:sld>
 </file>
 
@@ -6499,7 +6849,7 @@
         </p:nvSpPr>
         <p:spPr>
           <a:xfrm>
-            <a:off x="2079839" y="2565231"/>
+            <a:off x="2079839" y="2555804"/>
             <a:ext cx="257453" cy="266330"/>
           </a:xfrm>
           <a:prstGeom prst="ellipse">
@@ -12395,6 +12745,57 @@
           </a:p>
         </p:txBody>
       </p:sp>
+      <p:sp>
+        <p:nvSpPr>
+          <p:cNvPr id="5" name="Oval 4">
+            <a:extLst>
+              <a:ext uri="{FF2B5EF4-FFF2-40B4-BE49-F238E27FC236}">
+                <a16:creationId xmlns:a16="http://schemas.microsoft.com/office/drawing/2014/main" id="{1C9794E4-7298-4255-AF69-D8B41FAE1CBB}"/>
+              </a:ext>
+            </a:extLst>
+          </p:cNvPr>
+          <p:cNvSpPr/>
+          <p:nvPr/>
+        </p:nvSpPr>
+        <p:spPr>
+          <a:xfrm>
+            <a:off x="3894144" y="3358395"/>
+            <a:ext cx="257453" cy="266330"/>
+          </a:xfrm>
+          <a:prstGeom prst="ellipse">
+            <a:avLst/>
+          </a:prstGeom>
+          <a:solidFill>
+            <a:srgbClr val="FFFF00">
+              <a:alpha val="40000"/>
+            </a:srgbClr>
+          </a:solidFill>
+        </p:spPr>
+        <p:style>
+          <a:lnRef idx="2">
+            <a:schemeClr val="accent1">
+              <a:shade val="50000"/>
+            </a:schemeClr>
+          </a:lnRef>
+          <a:fillRef idx="1">
+            <a:schemeClr val="accent1"/>
+          </a:fillRef>
+          <a:effectRef idx="0">
+            <a:schemeClr val="accent1"/>
+          </a:effectRef>
+          <a:fontRef idx="minor">
+            <a:schemeClr val="lt1"/>
+          </a:fontRef>
+        </p:style>
+        <p:txBody>
+          <a:bodyPr rtlCol="0" anchor="ctr"/>
+          <a:lstStyle/>
+          <a:p>
+            <a:pPr algn="ctr"/>
+            <a:endParaRPr lang="en-GB"/>
+          </a:p>
+        </p:txBody>
+      </p:sp>
     </p:spTree>
     <p:extLst>
       <p:ext uri="{BB962C8B-B14F-4D97-AF65-F5344CB8AC3E}">
@@ -12560,6 +12961,97 @@
                       </p:childTnLst>
                     </p:cTn>
                   </p:par>
+                  <p:par>
+                    <p:cTn id="14" fill="hold">
+                      <p:stCondLst>
+                        <p:cond delay="indefinite"/>
+                      </p:stCondLst>
+                      <p:childTnLst>
+                        <p:par>
+                          <p:cTn id="15" fill="hold">
+                            <p:stCondLst>
+                              <p:cond delay="0"/>
+                            </p:stCondLst>
+                            <p:childTnLst>
+                              <p:par>
+                                <p:cTn id="16" presetID="2" presetClass="entr" presetSubtype="4" fill="hold" grpId="0" nodeType="clickEffect">
+                                  <p:stCondLst>
+                                    <p:cond delay="0"/>
+                                  </p:stCondLst>
+                                  <p:childTnLst>
+                                    <p:set>
+                                      <p:cBhvr>
+                                        <p:cTn id="17" dur="1" fill="hold">
+                                          <p:stCondLst>
+                                            <p:cond delay="0"/>
+                                          </p:stCondLst>
+                                        </p:cTn>
+                                        <p:tgtEl>
+                                          <p:spTgt spid="5"/>
+                                        </p:tgtEl>
+                                        <p:attrNameLst>
+                                          <p:attrName>style.visibility</p:attrName>
+                                        </p:attrNameLst>
+                                      </p:cBhvr>
+                                      <p:to>
+                                        <p:strVal val="visible"/>
+                                      </p:to>
+                                    </p:set>
+                                    <p:anim calcmode="lin" valueType="num">
+                                      <p:cBhvr additive="base">
+                                        <p:cTn id="18" dur="500" fill="hold"/>
+                                        <p:tgtEl>
+                                          <p:spTgt spid="5"/>
+                                        </p:tgtEl>
+                                        <p:attrNameLst>
+                                          <p:attrName>ppt_x</p:attrName>
+                                        </p:attrNameLst>
+                                      </p:cBhvr>
+                                      <p:tavLst>
+                                        <p:tav tm="0">
+                                          <p:val>
+                                            <p:strVal val="#ppt_x"/>
+                                          </p:val>
+                                        </p:tav>
+                                        <p:tav tm="100000">
+                                          <p:val>
+                                            <p:strVal val="#ppt_x"/>
+                                          </p:val>
+                                        </p:tav>
+                                      </p:tavLst>
+                                    </p:anim>
+                                    <p:anim calcmode="lin" valueType="num">
+                                      <p:cBhvr additive="base">
+                                        <p:cTn id="19" dur="500" fill="hold"/>
+                                        <p:tgtEl>
+                                          <p:spTgt spid="5"/>
+                                        </p:tgtEl>
+                                        <p:attrNameLst>
+                                          <p:attrName>ppt_y</p:attrName>
+                                        </p:attrNameLst>
+                                      </p:cBhvr>
+                                      <p:tavLst>
+                                        <p:tav tm="0">
+                                          <p:val>
+                                            <p:strVal val="1+#ppt_h/2"/>
+                                          </p:val>
+                                        </p:tav>
+                                        <p:tav tm="100000">
+                                          <p:val>
+                                            <p:strVal val="#ppt_y"/>
+                                          </p:val>
+                                        </p:tav>
+                                      </p:tavLst>
+                                    </p:anim>
+                                  </p:childTnLst>
+                                </p:cTn>
+                              </p:par>
+                            </p:childTnLst>
+                          </p:cTn>
+                        </p:par>
+                      </p:childTnLst>
+                    </p:cTn>
+                  </p:par>
                 </p:childTnLst>
               </p:cTn>
               <p:prevCondLst>
@@ -12583,6 +13075,7 @@
     </p:tnLst>
     <p:bldLst>
       <p:bldP spid="8" grpId="0" animBg="1"/>
+      <p:bldP spid="5" grpId="0" animBg="1"/>
     </p:bldLst>
   </p:timing>
 </p:sld>
@@ -14696,6 +15189,57 @@
           </a:xfrm>
         </p:spPr>
       </p:pic>
+      <p:sp>
+        <p:nvSpPr>
+          <p:cNvPr id="4" name="Oval 3">
+            <a:extLst>
+              <a:ext uri="{FF2B5EF4-FFF2-40B4-BE49-F238E27FC236}">
+                <a16:creationId xmlns:a16="http://schemas.microsoft.com/office/drawing/2014/main" id="{2B479CC1-268A-454A-BB7E-BD9F27035389}"/>
+              </a:ext>
+            </a:extLst>
+          </p:cNvPr>
+          <p:cNvSpPr/>
+          <p:nvPr/>
+        </p:nvSpPr>
+        <p:spPr>
+          <a:xfrm>
+            <a:off x="4216183" y="3476309"/>
+            <a:ext cx="257453" cy="266330"/>
+          </a:xfrm>
+          <a:prstGeom prst="ellipse">
+            <a:avLst/>
+          </a:prstGeom>
+          <a:solidFill>
+            <a:srgbClr val="FFFF00">
+              <a:alpha val="40000"/>
+            </a:srgbClr>
+          </a:solidFill>
+        </p:spPr>
+        <p:style>
+          <a:lnRef idx="2">
+            <a:schemeClr val="accent1">
+              <a:shade val="50000"/>
+            </a:schemeClr>
+          </a:lnRef>
+          <a:fillRef idx="1">
+            <a:schemeClr val="accent1"/>
+          </a:fillRef>
+          <a:effectRef idx="0">
+            <a:schemeClr val="accent1"/>
+          </a:effectRef>
+          <a:fontRef idx="minor">
+            <a:schemeClr val="lt1"/>
+          </a:fontRef>
+        </p:style>
+        <p:txBody>
+          <a:bodyPr rtlCol="0" anchor="ctr"/>
+          <a:lstStyle/>
+          <a:p>
+            <a:pPr algn="ctr"/>
+            <a:endParaRPr lang="en-GB"/>
+          </a:p>
+        </p:txBody>
+      </p:sp>
     </p:spTree>
     <p:extLst>
       <p:ext uri="{BB962C8B-B14F-4D97-AF65-F5344CB8AC3E}">
@@ -14709,6 +15253,130 @@
   <p:transition spd="slow">
     <p:push dir="u"/>
   </p:transition>
+  <p:timing>
+    <p:tnLst>
+      <p:par>
+        <p:cTn id="1" dur="indefinite" restart="never" nodeType="tmRoot">
+          <p:childTnLst>
+            <p:seq concurrent="1" nextAc="seek">
+              <p:cTn id="2" dur="indefinite" nodeType="mainSeq">
+                <p:childTnLst>
+                  <p:par>
+                    <p:cTn id="3" fill="hold">
+                      <p:stCondLst>
+                        <p:cond delay="indefinite"/>
+                      </p:stCondLst>
+                      <p:childTnLst>
+                        <p:par>
+                          <p:cTn id="4" fill="hold">
+                            <p:stCondLst>
+                              <p:cond delay="0"/>
+                            </p:stCondLst>
+                            <p:childTnLst>
+                              <p:par>
+                                <p:cTn id="5" presetID="2" presetClass="entr" presetSubtype="4" fill="hold" grpId="0" nodeType="clickEffect">
+                                  <p:stCondLst>
+                                    <p:cond delay="0"/>
+                                  </p:stCondLst>
+                                  <p:childTnLst>
+                                    <p:set>
+                                      <p:cBhvr>
+                                        <p:cTn id="6" dur="1" fill="hold">
+                                          <p:stCondLst>
+                                            <p:cond delay="0"/>
+                                          </p:stCondLst>
+                                        </p:cTn>
+                                        <p:tgtEl>
+                                          <p:spTgt spid="4"/>
+                                        </p:tgtEl>
+                                        <p:attrNameLst>
+                                          <p:attrName>style.visibility</p:attrName>
+                                        </p:attrNameLst>
+                                      </p:cBhvr>
+                                      <p:to>
+                                        <p:strVal val="visible"/>
+                                      </p:to>
+                                    </p:set>
+                                    <p:anim calcmode="lin" valueType="num">
+                                      <p:cBhvr additive="base">
+                                        <p:cTn id="7" dur="500" fill="hold"/>
+                                        <p:tgtEl>
+                                          <p:spTgt spid="4"/>
+                                        </p:tgtEl>
+                                        <p:attrNameLst>
+                                          <p:attrName>ppt_x</p:attrName>
+                                        </p:attrNameLst>
+                                      </p:cBhvr>
+                                      <p:tavLst>
+                                        <p:tav tm="0">
+                                          <p:val>
+                                            <p:strVal val="#ppt_x"/>
+                                          </p:val>
+                                        </p:tav>
+                                        <p:tav tm="100000">
+                                          <p:val>
+                                            <p:strVal val="#ppt_x"/>
+                                          </p:val>
+                                        </p:tav>
+                                      </p:tavLst>
+                                    </p:anim>
+                                    <p:anim calcmode="lin" valueType="num">
+                                      <p:cBhvr additive="base">
+                                        <p:cTn id="8" dur="500" fill="hold"/>
+                                        <p:tgtEl>
+                                          <p:spTgt spid="4"/>
+                                        </p:tgtEl>
+                                        <p:attrNameLst>
+                                          <p:attrName>ppt_y</p:attrName>
+                                        </p:attrNameLst>
+                                      </p:cBhvr>
+                                      <p:tavLst>
+                                        <p:tav tm="0">
+                                          <p:val>
+                                            <p:strVal val="1+#ppt_h/2"/>
+                                          </p:val>
+                                        </p:tav>
+                                        <p:tav tm="100000">
+                                          <p:val>
+                                            <p:strVal val="#ppt_y"/>
+                                          </p:val>
+                                        </p:tav>
+                                      </p:tavLst>
+                                    </p:anim>
+                                  </p:childTnLst>
+                                </p:cTn>
+                              </p:par>
+                            </p:childTnLst>
+                          </p:cTn>
+                        </p:par>
+                      </p:childTnLst>
+                    </p:cTn>
+                  </p:par>
+                </p:childTnLst>
+              </p:cTn>
+              <p:prevCondLst>
+                <p:cond evt="onPrev" delay="0">
+                  <p:tgtEl>
+                    <p:sldTgt/>
+                  </p:tgtEl>
+                </p:cond>
+              </p:prevCondLst>
+              <p:nextCondLst>
+                <p:cond evt="onNext" delay="0">
+                  <p:tgtEl>
+                    <p:sldTgt/>
+                  </p:tgtEl>
+                </p:cond>
+              </p:nextCondLst>
+            </p:seq>
+          </p:childTnLst>
+        </p:cTn>
+      </p:par>
+    </p:tnLst>
+    <p:bldLst>
+      <p:bldP spid="4" grpId="0" animBg="1"/>
+    </p:bldLst>
+  </p:timing>
 </p:sld>
 </file>
 
@@ -15712,6 +16380,57 @@
           </a:xfrm>
         </p:spPr>
       </p:pic>
+      <p:sp>
+        <p:nvSpPr>
+          <p:cNvPr id="4" name="Oval 3">
+            <a:extLst>
+              <a:ext uri="{FF2B5EF4-FFF2-40B4-BE49-F238E27FC236}">
+                <a16:creationId xmlns:a16="http://schemas.microsoft.com/office/drawing/2014/main" id="{E1747CBA-10ED-456C-945F-14CD37478A28}"/>
+              </a:ext>
+            </a:extLst>
+          </p:cNvPr>
+          <p:cNvSpPr/>
+          <p:nvPr/>
+        </p:nvSpPr>
+        <p:spPr>
+          <a:xfrm>
+            <a:off x="3903568" y="3838772"/>
+            <a:ext cx="257453" cy="266330"/>
+          </a:xfrm>
+          <a:prstGeom prst="ellipse">
+            <a:avLst/>
+          </a:prstGeom>
+          <a:solidFill>
+            <a:srgbClr val="FFFF00">
+              <a:alpha val="40000"/>
+            </a:srgbClr>
+          </a:solidFill>
+        </p:spPr>
+        <p:style>
+          <a:lnRef idx="2">
+            <a:schemeClr val="accent1">
+              <a:shade val="50000"/>
+            </a:schemeClr>
+          </a:lnRef>
+          <a:fillRef idx="1">
+            <a:schemeClr val="accent1"/>
+          </a:fillRef>
+          <a:effectRef idx="0">
+            <a:schemeClr val="accent1"/>
+          </a:effectRef>
+          <a:fontRef idx="minor">
+            <a:schemeClr val="lt1"/>
+          </a:fontRef>
+        </p:style>
+        <p:txBody>
+          <a:bodyPr rtlCol="0" anchor="ctr"/>
+          <a:lstStyle/>
+          <a:p>
+            <a:pPr algn="ctr"/>
+            <a:endParaRPr lang="en-GB"/>
+          </a:p>
+        </p:txBody>
+      </p:sp>
     </p:spTree>
     <p:extLst>
       <p:ext uri="{BB962C8B-B14F-4D97-AF65-F5344CB8AC3E}">
@@ -15725,6 +16444,130 @@
   <p:transition spd="slow">
     <p:push dir="u"/>
   </p:transition>
+  <p:timing>
+    <p:tnLst>
+      <p:par>
+        <p:cTn id="1" dur="indefinite" restart="never" nodeType="tmRoot">
+          <p:childTnLst>
+            <p:seq concurrent="1" nextAc="seek">
+              <p:cTn id="2" dur="indefinite" nodeType="mainSeq">
+                <p:childTnLst>
+                  <p:par>
+                    <p:cTn id="3" fill="hold">
+                      <p:stCondLst>
+                        <p:cond delay="indefinite"/>
+                      </p:stCondLst>
+                      <p:childTnLst>
+                        <p:par>
+                          <p:cTn id="4" fill="hold">
+                            <p:stCondLst>
+                              <p:cond delay="0"/>
+                            </p:stCondLst>
+                            <p:childTnLst>
+                              <p:par>
+                                <p:cTn id="5" presetID="2" presetClass="entr" presetSubtype="4" fill="hold" grpId="0" nodeType="clickEffect">
+                                  <p:stCondLst>
+                                    <p:cond delay="0"/>
+                                  </p:stCondLst>
+                                  <p:childTnLst>
+                                    <p:set>
+                                      <p:cBhvr>
+                                        <p:cTn id="6" dur="1" fill="hold">
+                                          <p:stCondLst>
+                                            <p:cond delay="0"/>
+                                          </p:stCondLst>
+                                        </p:cTn>
+                                        <p:tgtEl>
+                                          <p:spTgt spid="4"/>
+                                        </p:tgtEl>
+                                        <p:attrNameLst>
+                                          <p:attrName>style.visibility</p:attrName>
+                                        </p:attrNameLst>
+                                      </p:cBhvr>
+                                      <p:to>
+                                        <p:strVal val="visible"/>
+                                      </p:to>
+                                    </p:set>
+                                    <p:anim calcmode="lin" valueType="num">
+                                      <p:cBhvr additive="base">
+                                        <p:cTn id="7" dur="500" fill="hold"/>
+                                        <p:tgtEl>
+                                          <p:spTgt spid="4"/>
+                                        </p:tgtEl>
+                                        <p:attrNameLst>
+                                          <p:attrName>ppt_x</p:attrName>
+                                        </p:attrNameLst>
+                                      </p:cBhvr>
+                                      <p:tavLst>
+                                        <p:tav tm="0">
+                                          <p:val>
+                                            <p:strVal val="#ppt_x"/>
+                                          </p:val>
+                                        </p:tav>
+                                        <p:tav tm="100000">
+                                          <p:val>
+                                            <p:strVal val="#ppt_x"/>
+                                          </p:val>
+                                        </p:tav>
+                                      </p:tavLst>
+                                    </p:anim>
+                                    <p:anim calcmode="lin" valueType="num">
+                                      <p:cBhvr additive="base">
+                                        <p:cTn id="8" dur="500" fill="hold"/>
+                                        <p:tgtEl>
+                                          <p:spTgt spid="4"/>
+                                        </p:tgtEl>
+                                        <p:attrNameLst>
+                                          <p:attrName>ppt_y</p:attrName>
+                                        </p:attrNameLst>
+                                      </p:cBhvr>
+                                      <p:tavLst>
+                                        <p:tav tm="0">
+                                          <p:val>
+                                            <p:strVal val="1+#ppt_h/2"/>
+                                          </p:val>
+                                        </p:tav>
+                                        <p:tav tm="100000">
+                                          <p:val>
+                                            <p:strVal val="#ppt_y"/>
+                                          </p:val>
+                                        </p:tav>
+                                      </p:tavLst>
+                                    </p:anim>
+                                  </p:childTnLst>
+                                </p:cTn>
+                              </p:par>
+                            </p:childTnLst>
+                          </p:cTn>
+                        </p:par>
+                      </p:childTnLst>
+                    </p:cTn>
+                  </p:par>
+                </p:childTnLst>
+              </p:cTn>
+              <p:prevCondLst>
+                <p:cond evt="onPrev" delay="0">
+                  <p:tgtEl>
+                    <p:sldTgt/>
+                  </p:tgtEl>
+                </p:cond>
+              </p:prevCondLst>
+              <p:nextCondLst>
+                <p:cond evt="onNext" delay="0">
+                  <p:tgtEl>
+                    <p:sldTgt/>
+                  </p:tgtEl>
+                </p:cond>
+              </p:nextCondLst>
+            </p:seq>
+          </p:childTnLst>
+        </p:cTn>
+      </p:par>
+    </p:tnLst>
+    <p:bldLst>
+      <p:bldP spid="4" grpId="0" animBg="1"/>
+    </p:bldLst>
+  </p:timing>
 </p:sld>
 </file>
 
@@ -17139,10 +17982,10 @@
       </p:sp>
       <p:pic>
         <p:nvPicPr>
-          <p:cNvPr id="6" name="Content Placeholder 5" descr="Diagram&#10;&#10;Description automatically generated">
+          <p:cNvPr id="7" name="Content Placeholder 6" descr="Diagram&#10;&#10;Description automatically generated">
             <a:extLst>
               <a:ext uri="{FF2B5EF4-FFF2-40B4-BE49-F238E27FC236}">
-                <a16:creationId xmlns:a16="http://schemas.microsoft.com/office/drawing/2014/main" id="{FB638EC6-7D18-496A-A0EE-FA21A8B82A07}"/>
+                <a16:creationId xmlns:a16="http://schemas.microsoft.com/office/drawing/2014/main" id="{7F3BD193-2C63-417A-B014-F0C2CA87A5E5}"/>
               </a:ext>
             </a:extLst>
           </p:cNvPr>
@@ -17167,8 +18010,8 @@
         </p:blipFill>
         <p:spPr>
           <a:xfrm>
-            <a:off x="1808096" y="775252"/>
-            <a:ext cx="6121474" cy="5548795"/>
+            <a:off x="1272620" y="856192"/>
+            <a:ext cx="6014300" cy="5451648"/>
           </a:xfrm>
         </p:spPr>
       </p:pic>
@@ -25511,10 +26354,10 @@
       </p:sp>
       <p:pic>
         <p:nvPicPr>
-          <p:cNvPr id="7" name="Content Placeholder 6" descr="Diagram&#10;&#10;Description automatically generated">
+          <p:cNvPr id="8" name="Content Placeholder 7" descr="Diagram&#10;&#10;Description automatically generated">
             <a:extLst>
               <a:ext uri="{FF2B5EF4-FFF2-40B4-BE49-F238E27FC236}">
-                <a16:creationId xmlns:a16="http://schemas.microsoft.com/office/drawing/2014/main" id="{DCE773E8-CC3D-486E-AB1A-88BAAFB0AE3B}"/>
+                <a16:creationId xmlns:a16="http://schemas.microsoft.com/office/drawing/2014/main" id="{53DC2ECC-BD4B-41D0-89BC-D175E70A13A5}"/>
               </a:ext>
             </a:extLst>
           </p:cNvPr>
@@ -25539,8 +26382,8 @@
         </p:blipFill>
         <p:spPr>
           <a:xfrm>
-            <a:off x="1396580" y="876688"/>
-            <a:ext cx="6057190" cy="5490524"/>
+            <a:off x="1384720" y="875001"/>
+            <a:ext cx="6109591" cy="5538024"/>
           </a:xfrm>
         </p:spPr>
       </p:pic>
@@ -25595,6 +26438,159 @@
           </a:p>
         </p:txBody>
       </p:sp>
+      <p:sp>
+        <p:nvSpPr>
+          <p:cNvPr id="5" name="Oval 4">
+            <a:extLst>
+              <a:ext uri="{FF2B5EF4-FFF2-40B4-BE49-F238E27FC236}">
+                <a16:creationId xmlns:a16="http://schemas.microsoft.com/office/drawing/2014/main" id="{F648225C-69FB-4215-835C-6D8D0C40614C}"/>
+              </a:ext>
+            </a:extLst>
+          </p:cNvPr>
+          <p:cNvSpPr/>
+          <p:nvPr/>
+        </p:nvSpPr>
+        <p:spPr>
+          <a:xfrm>
+            <a:off x="1884661" y="3809318"/>
+            <a:ext cx="257453" cy="266330"/>
+          </a:xfrm>
+          <a:prstGeom prst="ellipse">
+            <a:avLst/>
+          </a:prstGeom>
+          <a:solidFill>
+            <a:srgbClr val="FFFF00">
+              <a:alpha val="40000"/>
+            </a:srgbClr>
+          </a:solidFill>
+        </p:spPr>
+        <p:style>
+          <a:lnRef idx="2">
+            <a:schemeClr val="accent1">
+              <a:shade val="50000"/>
+            </a:schemeClr>
+          </a:lnRef>
+          <a:fillRef idx="1">
+            <a:schemeClr val="accent1"/>
+          </a:fillRef>
+          <a:effectRef idx="0">
+            <a:schemeClr val="accent1"/>
+          </a:effectRef>
+          <a:fontRef idx="minor">
+            <a:schemeClr val="lt1"/>
+          </a:fontRef>
+        </p:style>
+        <p:txBody>
+          <a:bodyPr rtlCol="0" anchor="ctr"/>
+          <a:lstStyle/>
+          <a:p>
+            <a:pPr algn="ctr"/>
+            <a:endParaRPr lang="en-GB"/>
+          </a:p>
+        </p:txBody>
+      </p:sp>
+      <p:sp>
+        <p:nvSpPr>
+          <p:cNvPr id="6" name="Oval 5">
+            <a:extLst>
+              <a:ext uri="{FF2B5EF4-FFF2-40B4-BE49-F238E27FC236}">
+                <a16:creationId xmlns:a16="http://schemas.microsoft.com/office/drawing/2014/main" id="{0A8A3382-BDED-4B1C-B043-84A25E2B7933}"/>
+              </a:ext>
+            </a:extLst>
+          </p:cNvPr>
+          <p:cNvSpPr/>
+          <p:nvPr/>
+        </p:nvSpPr>
+        <p:spPr>
+          <a:xfrm>
+            <a:off x="3743313" y="4470765"/>
+            <a:ext cx="257453" cy="266330"/>
+          </a:xfrm>
+          <a:prstGeom prst="ellipse">
+            <a:avLst/>
+          </a:prstGeom>
+          <a:solidFill>
+            <a:srgbClr val="FFFF00">
+              <a:alpha val="40000"/>
+            </a:srgbClr>
+          </a:solidFill>
+        </p:spPr>
+        <p:style>
+          <a:lnRef idx="2">
+            <a:schemeClr val="accent1">
+              <a:shade val="50000"/>
+            </a:schemeClr>
+          </a:lnRef>
+          <a:fillRef idx="1">
+            <a:schemeClr val="accent1"/>
+          </a:fillRef>
+          <a:effectRef idx="0">
+            <a:schemeClr val="accent1"/>
+          </a:effectRef>
+          <a:fontRef idx="minor">
+            <a:schemeClr val="lt1"/>
+          </a:fontRef>
+        </p:style>
+        <p:txBody>
+          <a:bodyPr rtlCol="0" anchor="ctr"/>
+          <a:lstStyle/>
+          <a:p>
+            <a:pPr algn="ctr"/>
+            <a:endParaRPr lang="en-GB"/>
+          </a:p>
+        </p:txBody>
+      </p:sp>
+      <p:sp>
+        <p:nvSpPr>
+          <p:cNvPr id="7" name="Oval 6">
+            <a:extLst>
+              <a:ext uri="{FF2B5EF4-FFF2-40B4-BE49-F238E27FC236}">
+                <a16:creationId xmlns:a16="http://schemas.microsoft.com/office/drawing/2014/main" id="{DAC36887-9BA8-48DE-9960-8275C8BAB926}"/>
+              </a:ext>
+            </a:extLst>
+          </p:cNvPr>
+          <p:cNvSpPr/>
+          <p:nvPr/>
+        </p:nvSpPr>
+        <p:spPr>
+          <a:xfrm>
+            <a:off x="5988782" y="4603930"/>
+            <a:ext cx="257453" cy="266330"/>
+          </a:xfrm>
+          <a:prstGeom prst="ellipse">
+            <a:avLst/>
+          </a:prstGeom>
+          <a:solidFill>
+            <a:srgbClr val="FFFF00">
+              <a:alpha val="40000"/>
+            </a:srgbClr>
+          </a:solidFill>
+        </p:spPr>
+        <p:style>
+          <a:lnRef idx="2">
+            <a:schemeClr val="accent1">
+              <a:shade val="50000"/>
+            </a:schemeClr>
+          </a:lnRef>
+          <a:fillRef idx="1">
+            <a:schemeClr val="accent1"/>
+          </a:fillRef>
+          <a:effectRef idx="0">
+            <a:schemeClr val="accent1"/>
+          </a:effectRef>
+          <a:fontRef idx="minor">
+            <a:schemeClr val="lt1"/>
+          </a:fontRef>
+        </p:style>
+        <p:txBody>
+          <a:bodyPr rtlCol="0" anchor="ctr"/>
+          <a:lstStyle/>
+          <a:p>
+            <a:pPr algn="ctr"/>
+            <a:endParaRPr lang="en-GB"/>
+          </a:p>
+        </p:txBody>
+      </p:sp>
     </p:spTree>
     <p:extLst>
       <p:ext uri="{BB962C8B-B14F-4D97-AF65-F5344CB8AC3E}">
@@ -25629,7 +26625,7 @@
                             </p:stCondLst>
                             <p:childTnLst>
                               <p:par>
-                                <p:cTn id="5" presetID="2" presetClass="entr" presetSubtype="4" fill="hold" nodeType="clickEffect">
+                                <p:cTn id="5" presetID="2" presetClass="entr" presetSubtype="4" fill="hold" grpId="0" nodeType="clickEffect">
                                   <p:stCondLst>
                                     <p:cond delay="0"/>
                                   </p:stCondLst>
@@ -25642,7 +26638,7 @@
                                           </p:stCondLst>
                                         </p:cTn>
                                         <p:tgtEl>
-                                          <p:spTgt spid="7"/>
+                                          <p:spTgt spid="4"/>
                                         </p:tgtEl>
                                         <p:attrNameLst>
                                           <p:attrName>style.visibility</p:attrName>
@@ -25656,7 +26652,7 @@
                                       <p:cBhvr additive="base">
                                         <p:cTn id="7" dur="500" fill="hold"/>
                                         <p:tgtEl>
-                                          <p:spTgt spid="7"/>
+                                          <p:spTgt spid="4"/>
                                         </p:tgtEl>
                                         <p:attrNameLst>
                                           <p:attrName>ppt_x</p:attrName>
@@ -25679,7 +26675,7 @@
                                       <p:cBhvr additive="base">
                                         <p:cTn id="8" dur="500" fill="hold"/>
                                         <p:tgtEl>
-                                          <p:spTgt spid="7"/>
+                                          <p:spTgt spid="4"/>
                                         </p:tgtEl>
                                         <p:attrNameLst>
                                           <p:attrName>ppt_y</p:attrName>
@@ -25733,7 +26729,7 @@
                                           </p:stCondLst>
                                         </p:cTn>
                                         <p:tgtEl>
-                                          <p:spTgt spid="4"/>
+                                          <p:spTgt spid="5"/>
                                         </p:tgtEl>
                                         <p:attrNameLst>
                                           <p:attrName>style.visibility</p:attrName>
@@ -25747,7 +26743,7 @@
                                       <p:cBhvr additive="base">
                                         <p:cTn id="13" dur="500" fill="hold"/>
                                         <p:tgtEl>
-                                          <p:spTgt spid="4"/>
+                                          <p:spTgt spid="5"/>
                                         </p:tgtEl>
                                         <p:attrNameLst>
                                           <p:attrName>ppt_x</p:attrName>
@@ -25770,7 +26766,189 @@
                                       <p:cBhvr additive="base">
                                         <p:cTn id="14" dur="500" fill="hold"/>
                                         <p:tgtEl>
-                                          <p:spTgt spid="4"/>
+                                          <p:spTgt spid="5"/>
+                                        </p:tgtEl>
+                                        <p:attrNameLst>
+                                          <p:attrName>ppt_y</p:attrName>
+                                        </p:attrNameLst>
+                                      </p:cBhvr>
+                                      <p:tavLst>
+                                        <p:tav tm="0">
+                                          <p:val>
+                                            <p:strVal val="1+#ppt_h/2"/>
+                                          </p:val>
+                                        </p:tav>
+                                        <p:tav tm="100000">
+                                          <p:val>
+                                            <p:strVal val="#ppt_y"/>
+                                          </p:val>
+                                        </p:tav>
+                                      </p:tavLst>
+                                    </p:anim>
+                                  </p:childTnLst>
+                                </p:cTn>
+                              </p:par>
+                            </p:childTnLst>
+                          </p:cTn>
+                        </p:par>
+                      </p:childTnLst>
+                    </p:cTn>
+                  </p:par>
+                  <p:par>
+                    <p:cTn id="15" fill="hold">
+                      <p:stCondLst>
+                        <p:cond delay="indefinite"/>
+                      </p:stCondLst>
+                      <p:childTnLst>
+                        <p:par>
+                          <p:cTn id="16" fill="hold">
+                            <p:stCondLst>
+                              <p:cond delay="0"/>
+                            </p:stCondLst>
+                            <p:childTnLst>
+                              <p:par>
+                                <p:cTn id="17" presetID="2" presetClass="entr" presetSubtype="4" fill="hold" grpId="0" nodeType="clickEffect">
+                                  <p:stCondLst>
+                                    <p:cond delay="0"/>
+                                  </p:stCondLst>
+                                  <p:childTnLst>
+                                    <p:set>
+                                      <p:cBhvr>
+                                        <p:cTn id="18" dur="1" fill="hold">
+                                          <p:stCondLst>
+                                            <p:cond delay="0"/>
+                                          </p:stCondLst>
+                                        </p:cTn>
+                                        <p:tgtEl>
+                                          <p:spTgt spid="6"/>
+                                        </p:tgtEl>
+                                        <p:attrNameLst>
+                                          <p:attrName>style.visibility</p:attrName>
+                                        </p:attrNameLst>
+                                      </p:cBhvr>
+                                      <p:to>
+                                        <p:strVal val="visible"/>
+                                      </p:to>
+                                    </p:set>
+                                    <p:anim calcmode="lin" valueType="num">
+                                      <p:cBhvr additive="base">
+                                        <p:cTn id="19" dur="500" fill="hold"/>
+                                        <p:tgtEl>
+                                          <p:spTgt spid="6"/>
+                                        </p:tgtEl>
+                                        <p:attrNameLst>
+                                          <p:attrName>ppt_x</p:attrName>
+                                        </p:attrNameLst>
+                                      </p:cBhvr>
+                                      <p:tavLst>
+                                        <p:tav tm="0">
+                                          <p:val>
+                                            <p:strVal val="#ppt_x"/>
+                                          </p:val>
+                                        </p:tav>
+                                        <p:tav tm="100000">
+                                          <p:val>
+                                            <p:strVal val="#ppt_x"/>
+                                          </p:val>
+                                        </p:tav>
+                                      </p:tavLst>
+                                    </p:anim>
+                                    <p:anim calcmode="lin" valueType="num">
+                                      <p:cBhvr additive="base">
+                                        <p:cTn id="20" dur="500" fill="hold"/>
+                                        <p:tgtEl>
+                                          <p:spTgt spid="6"/>
+                                        </p:tgtEl>
+                                        <p:attrNameLst>
+                                          <p:attrName>ppt_y</p:attrName>
+                                        </p:attrNameLst>
+                                      </p:cBhvr>
+                                      <p:tavLst>
+                                        <p:tav tm="0">
+                                          <p:val>
+                                            <p:strVal val="1+#ppt_h/2"/>
+                                          </p:val>
+                                        </p:tav>
+                                        <p:tav tm="100000">
+                                          <p:val>
+                                            <p:strVal val="#ppt_y"/>
+                                          </p:val>
+                                        </p:tav>
+                                      </p:tavLst>
+                                    </p:anim>
+                                  </p:childTnLst>
+                                </p:cTn>
+                              </p:par>
+                            </p:childTnLst>
+                          </p:cTn>
+                        </p:par>
+                      </p:childTnLst>
+                    </p:cTn>
+                  </p:par>
+                  <p:par>
+                    <p:cTn id="21" fill="hold">
+                      <p:stCondLst>
+                        <p:cond delay="indefinite"/>
+                      </p:stCondLst>
+                      <p:childTnLst>
+                        <p:par>
+                          <p:cTn id="22" fill="hold">
+                            <p:stCondLst>
+                              <p:cond delay="0"/>
+                            </p:stCondLst>
+                            <p:childTnLst>
+                              <p:par>
+                                <p:cTn id="23" presetID="2" presetClass="entr" presetSubtype="4" fill="hold" grpId="0" nodeType="clickEffect">
+                                  <p:stCondLst>
+                                    <p:cond delay="0"/>
+                                  </p:stCondLst>
+                                  <p:childTnLst>
+                                    <p:set>
+                                      <p:cBhvr>
+                                        <p:cTn id="24" dur="1" fill="hold">
+                                          <p:stCondLst>
+                                            <p:cond delay="0"/>
+                                          </p:stCondLst>
+                                        </p:cTn>
+                                        <p:tgtEl>
+                                          <p:spTgt spid="7"/>
+                                        </p:tgtEl>
+                                        <p:attrNameLst>
+                                          <p:attrName>style.visibility</p:attrName>
+                                        </p:attrNameLst>
+                                      </p:cBhvr>
+                                      <p:to>
+                                        <p:strVal val="visible"/>
+                                      </p:to>
+                                    </p:set>
+                                    <p:anim calcmode="lin" valueType="num">
+                                      <p:cBhvr additive="base">
+                                        <p:cTn id="25" dur="500" fill="hold"/>
+                                        <p:tgtEl>
+                                          <p:spTgt spid="7"/>
+                                        </p:tgtEl>
+                                        <p:attrNameLst>
+                                          <p:attrName>ppt_x</p:attrName>
+                                        </p:attrNameLst>
+                                      </p:cBhvr>
+                                      <p:tavLst>
+                                        <p:tav tm="0">
+                                          <p:val>
+                                            <p:strVal val="#ppt_x"/>
+                                          </p:val>
+                                        </p:tav>
+                                        <p:tav tm="100000">
+                                          <p:val>
+                                            <p:strVal val="#ppt_x"/>
+                                          </p:val>
+                                        </p:tav>
+                                      </p:tavLst>
+                                    </p:anim>
+                                    <p:anim calcmode="lin" valueType="num">
+                                      <p:cBhvr additive="base">
+                                        <p:cTn id="26" dur="500" fill="hold"/>
+                                        <p:tgtEl>
+                                          <p:spTgt spid="7"/>
                                         </p:tgtEl>
                                         <p:attrNameLst>
                                           <p:attrName>ppt_y</p:attrName>
@@ -25821,6 +26999,9 @@
     </p:tnLst>
     <p:bldLst>
       <p:bldP spid="4" grpId="0" animBg="1"/>
+      <p:bldP spid="5" grpId="0" animBg="1"/>
+      <p:bldP spid="6" grpId="0" animBg="1"/>
+      <p:bldP spid="7" grpId="0" animBg="1"/>
     </p:bldLst>
   </p:timing>
 </p:sld>
@@ -26027,7 +27208,7 @@
             </a:pPr>
             <a:r>
               <a:rPr lang="en-GB" sz="2800" dirty="0"/>
-              <a:t> Method polymorphism also known as method overriding.</a:t>
+              <a:t> Object polymorphism also known as method overriding.</a:t>
             </a:r>
           </a:p>
           <a:p>
@@ -26059,6 +27240,554 @@
   <p:transition spd="slow">
     <p:push dir="u"/>
   </p:transition>
+  <p:timing>
+    <p:tnLst>
+      <p:par>
+        <p:cTn id="1" dur="indefinite" restart="never" nodeType="tmRoot">
+          <p:childTnLst>
+            <p:seq concurrent="1" nextAc="seek">
+              <p:cTn id="2" dur="indefinite" nodeType="mainSeq">
+                <p:childTnLst>
+                  <p:par>
+                    <p:cTn id="3" fill="hold">
+                      <p:stCondLst>
+                        <p:cond delay="indefinite"/>
+                      </p:stCondLst>
+                      <p:childTnLst>
+                        <p:par>
+                          <p:cTn id="4" fill="hold">
+                            <p:stCondLst>
+                              <p:cond delay="0"/>
+                            </p:stCondLst>
+                            <p:childTnLst>
+                              <p:par>
+                                <p:cTn id="5" presetID="2" presetClass="entr" presetSubtype="4" fill="hold" grpId="0" nodeType="clickEffect">
+                                  <p:stCondLst>
+                                    <p:cond delay="0"/>
+                                  </p:stCondLst>
+                                  <p:childTnLst>
+                                    <p:set>
+                                      <p:cBhvr>
+                                        <p:cTn id="6" dur="1" fill="hold">
+                                          <p:stCondLst>
+                                            <p:cond delay="0"/>
+                                          </p:stCondLst>
+                                        </p:cTn>
+                                        <p:tgtEl>
+                                          <p:spTgt spid="3">
+                                            <p:txEl>
+                                              <p:pRg st="0" end="0"/>
+                                            </p:txEl>
+                                          </p:spTgt>
+                                        </p:tgtEl>
+                                        <p:attrNameLst>
+                                          <p:attrName>style.visibility</p:attrName>
+                                        </p:attrNameLst>
+                                      </p:cBhvr>
+                                      <p:to>
+                                        <p:strVal val="visible"/>
+                                      </p:to>
+                                    </p:set>
+                                    <p:anim calcmode="lin" valueType="num">
+                                      <p:cBhvr additive="base">
+                                        <p:cTn id="7" dur="500" fill="hold"/>
+                                        <p:tgtEl>
+                                          <p:spTgt spid="3">
+                                            <p:txEl>
+                                              <p:pRg st="0" end="0"/>
+                                            </p:txEl>
+                                          </p:spTgt>
+                                        </p:tgtEl>
+                                        <p:attrNameLst>
+                                          <p:attrName>ppt_x</p:attrName>
+                                        </p:attrNameLst>
+                                      </p:cBhvr>
+                                      <p:tavLst>
+                                        <p:tav tm="0">
+                                          <p:val>
+                                            <p:strVal val="#ppt_x"/>
+                                          </p:val>
+                                        </p:tav>
+                                        <p:tav tm="100000">
+                                          <p:val>
+                                            <p:strVal val="#ppt_x"/>
+                                          </p:val>
+                                        </p:tav>
+                                      </p:tavLst>
+                                    </p:anim>
+                                    <p:anim calcmode="lin" valueType="num">
+                                      <p:cBhvr additive="base">
+                                        <p:cTn id="8" dur="500" fill="hold"/>
+                                        <p:tgtEl>
+                                          <p:spTgt spid="3">
+                                            <p:txEl>
+                                              <p:pRg st="0" end="0"/>
+                                            </p:txEl>
+                                          </p:spTgt>
+                                        </p:tgtEl>
+                                        <p:attrNameLst>
+                                          <p:attrName>ppt_y</p:attrName>
+                                        </p:attrNameLst>
+                                      </p:cBhvr>
+                                      <p:tavLst>
+                                        <p:tav tm="0">
+                                          <p:val>
+                                            <p:strVal val="1+#ppt_h/2"/>
+                                          </p:val>
+                                        </p:tav>
+                                        <p:tav tm="100000">
+                                          <p:val>
+                                            <p:strVal val="#ppt_y"/>
+                                          </p:val>
+                                        </p:tav>
+                                      </p:tavLst>
+                                    </p:anim>
+                                  </p:childTnLst>
+                                </p:cTn>
+                              </p:par>
+                            </p:childTnLst>
+                          </p:cTn>
+                        </p:par>
+                      </p:childTnLst>
+                    </p:cTn>
+                  </p:par>
+                  <p:par>
+                    <p:cTn id="9" fill="hold">
+                      <p:stCondLst>
+                        <p:cond delay="indefinite"/>
+                      </p:stCondLst>
+                      <p:childTnLst>
+                        <p:par>
+                          <p:cTn id="10" fill="hold">
+                            <p:stCondLst>
+                              <p:cond delay="0"/>
+                            </p:stCondLst>
+                            <p:childTnLst>
+                              <p:par>
+                                <p:cTn id="11" presetID="2" presetClass="entr" presetSubtype="4" fill="hold" grpId="0" nodeType="clickEffect">
+                                  <p:stCondLst>
+                                    <p:cond delay="0"/>
+                                  </p:stCondLst>
+                                  <p:childTnLst>
+                                    <p:set>
+                                      <p:cBhvr>
+                                        <p:cTn id="12" dur="1" fill="hold">
+                                          <p:stCondLst>
+                                            <p:cond delay="0"/>
+                                          </p:stCondLst>
+                                        </p:cTn>
+                                        <p:tgtEl>
+                                          <p:spTgt spid="3">
+                                            <p:txEl>
+                                              <p:pRg st="1" end="1"/>
+                                            </p:txEl>
+                                          </p:spTgt>
+                                        </p:tgtEl>
+                                        <p:attrNameLst>
+                                          <p:attrName>style.visibility</p:attrName>
+                                        </p:attrNameLst>
+                                      </p:cBhvr>
+                                      <p:to>
+                                        <p:strVal val="visible"/>
+                                      </p:to>
+                                    </p:set>
+                                    <p:anim calcmode="lin" valueType="num">
+                                      <p:cBhvr additive="base">
+                                        <p:cTn id="13" dur="500" fill="hold"/>
+                                        <p:tgtEl>
+                                          <p:spTgt spid="3">
+                                            <p:txEl>
+                                              <p:pRg st="1" end="1"/>
+                                            </p:txEl>
+                                          </p:spTgt>
+                                        </p:tgtEl>
+                                        <p:attrNameLst>
+                                          <p:attrName>ppt_x</p:attrName>
+                                        </p:attrNameLst>
+                                      </p:cBhvr>
+                                      <p:tavLst>
+                                        <p:tav tm="0">
+                                          <p:val>
+                                            <p:strVal val="#ppt_x"/>
+                                          </p:val>
+                                        </p:tav>
+                                        <p:tav tm="100000">
+                                          <p:val>
+                                            <p:strVal val="#ppt_x"/>
+                                          </p:val>
+                                        </p:tav>
+                                      </p:tavLst>
+                                    </p:anim>
+                                    <p:anim calcmode="lin" valueType="num">
+                                      <p:cBhvr additive="base">
+                                        <p:cTn id="14" dur="500" fill="hold"/>
+                                        <p:tgtEl>
+                                          <p:spTgt spid="3">
+                                            <p:txEl>
+                                              <p:pRg st="1" end="1"/>
+                                            </p:txEl>
+                                          </p:spTgt>
+                                        </p:tgtEl>
+                                        <p:attrNameLst>
+                                          <p:attrName>ppt_y</p:attrName>
+                                        </p:attrNameLst>
+                                      </p:cBhvr>
+                                      <p:tavLst>
+                                        <p:tav tm="0">
+                                          <p:val>
+                                            <p:strVal val="1+#ppt_h/2"/>
+                                          </p:val>
+                                        </p:tav>
+                                        <p:tav tm="100000">
+                                          <p:val>
+                                            <p:strVal val="#ppt_y"/>
+                                          </p:val>
+                                        </p:tav>
+                                      </p:tavLst>
+                                    </p:anim>
+                                  </p:childTnLst>
+                                </p:cTn>
+                              </p:par>
+                            </p:childTnLst>
+                          </p:cTn>
+                        </p:par>
+                      </p:childTnLst>
+                    </p:cTn>
+                  </p:par>
+                  <p:par>
+                    <p:cTn id="15" fill="hold">
+                      <p:stCondLst>
+                        <p:cond delay="indefinite"/>
+                      </p:stCondLst>
+                      <p:childTnLst>
+                        <p:par>
+                          <p:cTn id="16" fill="hold">
+                            <p:stCondLst>
+                              <p:cond delay="0"/>
+                            </p:stCondLst>
+                            <p:childTnLst>
+                              <p:par>
+                                <p:cTn id="17" presetID="2" presetClass="entr" presetSubtype="4" fill="hold" grpId="0" nodeType="clickEffect">
+                                  <p:stCondLst>
+                                    <p:cond delay="0"/>
+                                  </p:stCondLst>
+                                  <p:childTnLst>
+                                    <p:set>
+                                      <p:cBhvr>
+                                        <p:cTn id="18" dur="1" fill="hold">
+                                          <p:stCondLst>
+                                            <p:cond delay="0"/>
+                                          </p:stCondLst>
+                                        </p:cTn>
+                                        <p:tgtEl>
+                                          <p:spTgt spid="3">
+                                            <p:txEl>
+                                              <p:pRg st="2" end="2"/>
+                                            </p:txEl>
+                                          </p:spTgt>
+                                        </p:tgtEl>
+                                        <p:attrNameLst>
+                                          <p:attrName>style.visibility</p:attrName>
+                                        </p:attrNameLst>
+                                      </p:cBhvr>
+                                      <p:to>
+                                        <p:strVal val="visible"/>
+                                      </p:to>
+                                    </p:set>
+                                    <p:anim calcmode="lin" valueType="num">
+                                      <p:cBhvr additive="base">
+                                        <p:cTn id="19" dur="500" fill="hold"/>
+                                        <p:tgtEl>
+                                          <p:spTgt spid="3">
+                                            <p:txEl>
+                                              <p:pRg st="2" end="2"/>
+                                            </p:txEl>
+                                          </p:spTgt>
+                                        </p:tgtEl>
+                                        <p:attrNameLst>
+                                          <p:attrName>ppt_x</p:attrName>
+                                        </p:attrNameLst>
+                                      </p:cBhvr>
+                                      <p:tavLst>
+                                        <p:tav tm="0">
+                                          <p:val>
+                                            <p:strVal val="#ppt_x"/>
+                                          </p:val>
+                                        </p:tav>
+                                        <p:tav tm="100000">
+                                          <p:val>
+                                            <p:strVal val="#ppt_x"/>
+                                          </p:val>
+                                        </p:tav>
+                                      </p:tavLst>
+                                    </p:anim>
+                                    <p:anim calcmode="lin" valueType="num">
+                                      <p:cBhvr additive="base">
+                                        <p:cTn id="20" dur="500" fill="hold"/>
+                                        <p:tgtEl>
+                                          <p:spTgt spid="3">
+                                            <p:txEl>
+                                              <p:pRg st="2" end="2"/>
+                                            </p:txEl>
+                                          </p:spTgt>
+                                        </p:tgtEl>
+                                        <p:attrNameLst>
+                                          <p:attrName>ppt_y</p:attrName>
+                                        </p:attrNameLst>
+                                      </p:cBhvr>
+                                      <p:tavLst>
+                                        <p:tav tm="0">
+                                          <p:val>
+                                            <p:strVal val="1+#ppt_h/2"/>
+                                          </p:val>
+                                        </p:tav>
+                                        <p:tav tm="100000">
+                                          <p:val>
+                                            <p:strVal val="#ppt_y"/>
+                                          </p:val>
+                                        </p:tav>
+                                      </p:tavLst>
+                                    </p:anim>
+                                  </p:childTnLst>
+                                </p:cTn>
+                              </p:par>
+                            </p:childTnLst>
+                          </p:cTn>
+                        </p:par>
+                      </p:childTnLst>
+                    </p:cTn>
+                  </p:par>
+                  <p:par>
+                    <p:cTn id="21" fill="hold">
+                      <p:stCondLst>
+                        <p:cond delay="indefinite"/>
+                      </p:stCondLst>
+                      <p:childTnLst>
+                        <p:par>
+                          <p:cTn id="22" fill="hold">
+                            <p:stCondLst>
+                              <p:cond delay="0"/>
+                            </p:stCondLst>
+                            <p:childTnLst>
+                              <p:par>
+                                <p:cTn id="23" presetID="2" presetClass="entr" presetSubtype="4" fill="hold" grpId="0" nodeType="clickEffect">
+                                  <p:stCondLst>
+                                    <p:cond delay="0"/>
+                                  </p:stCondLst>
+                                  <p:childTnLst>
+                                    <p:set>
+                                      <p:cBhvr>
+                                        <p:cTn id="24" dur="1" fill="hold">
+                                          <p:stCondLst>
+                                            <p:cond delay="0"/>
+                                          </p:stCondLst>
+                                        </p:cTn>
+                                        <p:tgtEl>
+                                          <p:spTgt spid="3">
+                                            <p:txEl>
+                                              <p:pRg st="3" end="3"/>
+                                            </p:txEl>
+                                          </p:spTgt>
+                                        </p:tgtEl>
+                                        <p:attrNameLst>
+                                          <p:attrName>style.visibility</p:attrName>
+                                        </p:attrNameLst>
+                                      </p:cBhvr>
+                                      <p:to>
+                                        <p:strVal val="visible"/>
+                                      </p:to>
+                                    </p:set>
+                                    <p:anim calcmode="lin" valueType="num">
+                                      <p:cBhvr additive="base">
+                                        <p:cTn id="25" dur="500" fill="hold"/>
+                                        <p:tgtEl>
+                                          <p:spTgt spid="3">
+                                            <p:txEl>
+                                              <p:pRg st="3" end="3"/>
+                                            </p:txEl>
+                                          </p:spTgt>
+                                        </p:tgtEl>
+                                        <p:attrNameLst>
+                                          <p:attrName>ppt_x</p:attrName>
+                                        </p:attrNameLst>
+                                      </p:cBhvr>
+                                      <p:tavLst>
+                                        <p:tav tm="0">
+                                          <p:val>
+                                            <p:strVal val="#ppt_x"/>
+                                          </p:val>
+                                        </p:tav>
+                                        <p:tav tm="100000">
+                                          <p:val>
+                                            <p:strVal val="#ppt_x"/>
+                                          </p:val>
+                                        </p:tav>
+                                      </p:tavLst>
+                                    </p:anim>
+                                    <p:anim calcmode="lin" valueType="num">
+                                      <p:cBhvr additive="base">
+                                        <p:cTn id="26" dur="500" fill="hold"/>
+                                        <p:tgtEl>
+                                          <p:spTgt spid="3">
+                                            <p:txEl>
+                                              <p:pRg st="3" end="3"/>
+                                            </p:txEl>
+                                          </p:spTgt>
+                                        </p:tgtEl>
+                                        <p:attrNameLst>
+                                          <p:attrName>ppt_y</p:attrName>
+                                        </p:attrNameLst>
+                                      </p:cBhvr>
+                                      <p:tavLst>
+                                        <p:tav tm="0">
+                                          <p:val>
+                                            <p:strVal val="1+#ppt_h/2"/>
+                                          </p:val>
+                                        </p:tav>
+                                        <p:tav tm="100000">
+                                          <p:val>
+                                            <p:strVal val="#ppt_y"/>
+                                          </p:val>
+                                        </p:tav>
+                                      </p:tavLst>
+                                    </p:anim>
+                                  </p:childTnLst>
+                                </p:cTn>
+                              </p:par>
+                            </p:childTnLst>
+                          </p:cTn>
+                        </p:par>
+                      </p:childTnLst>
+                    </p:cTn>
+                  </p:par>
+                  <p:par>
+                    <p:cTn id="27" fill="hold">
+                      <p:stCondLst>
+                        <p:cond delay="indefinite"/>
+                      </p:stCondLst>
+                      <p:childTnLst>
+                        <p:par>
+                          <p:cTn id="28" fill="hold">
+                            <p:stCondLst>
+                              <p:cond delay="0"/>
+                            </p:stCondLst>
+                            <p:childTnLst>
+                              <p:par>
+                                <p:cTn id="29" presetID="2" presetClass="entr" presetSubtype="4" fill="hold" grpId="0" nodeType="clickEffect">
+                                  <p:stCondLst>
+                                    <p:cond delay="0"/>
+                                  </p:stCondLst>
+                                  <p:childTnLst>
+                                    <p:set>
+                                      <p:cBhvr>
+                                        <p:cTn id="30" dur="1" fill="hold">
+                                          <p:stCondLst>
+                                            <p:cond delay="0"/>
+                                          </p:stCondLst>
+                                        </p:cTn>
+                                        <p:tgtEl>
+                                          <p:spTgt spid="3">
+                                            <p:txEl>
+                                              <p:pRg st="4" end="4"/>
+                                            </p:txEl>
+                                          </p:spTgt>
+                                        </p:tgtEl>
+                                        <p:attrNameLst>
+                                          <p:attrName>style.visibility</p:attrName>
+                                        </p:attrNameLst>
+                                      </p:cBhvr>
+                                      <p:to>
+                                        <p:strVal val="visible"/>
+                                      </p:to>
+                                    </p:set>
+                                    <p:anim calcmode="lin" valueType="num">
+                                      <p:cBhvr additive="base">
+                                        <p:cTn id="31" dur="500" fill="hold"/>
+                                        <p:tgtEl>
+                                          <p:spTgt spid="3">
+                                            <p:txEl>
+                                              <p:pRg st="4" end="4"/>
+                                            </p:txEl>
+                                          </p:spTgt>
+                                        </p:tgtEl>
+                                        <p:attrNameLst>
+                                          <p:attrName>ppt_x</p:attrName>
+                                        </p:attrNameLst>
+                                      </p:cBhvr>
+                                      <p:tavLst>
+                                        <p:tav tm="0">
+                                          <p:val>
+                                            <p:strVal val="#ppt_x"/>
+                                          </p:val>
+                                        </p:tav>
+                                        <p:tav tm="100000">
+                                          <p:val>
+                                            <p:strVal val="#ppt_x"/>
+                                          </p:val>
+                                        </p:tav>
+                                      </p:tavLst>
+                                    </p:anim>
+                                    <p:anim calcmode="lin" valueType="num">
+                                      <p:cBhvr additive="base">
+                                        <p:cTn id="32" dur="500" fill="hold"/>
+                                        <p:tgtEl>
+                                          <p:spTgt spid="3">
+                                            <p:txEl>
+                                              <p:pRg st="4" end="4"/>
+                                            </p:txEl>
+                                          </p:spTgt>
+                                        </p:tgtEl>
+                                        <p:attrNameLst>
+                                          <p:attrName>ppt_y</p:attrName>
+                                        </p:attrNameLst>
+                                      </p:cBhvr>
+                                      <p:tavLst>
+                                        <p:tav tm="0">
+                                          <p:val>
+                                            <p:strVal val="1+#ppt_h/2"/>
+                                          </p:val>
+                                        </p:tav>
+                                        <p:tav tm="100000">
+                                          <p:val>
+                                            <p:strVal val="#ppt_y"/>
+                                          </p:val>
+                                        </p:tav>
+                                      </p:tavLst>
+                                    </p:anim>
+                                  </p:childTnLst>
+                                </p:cTn>
+                              </p:par>
+                            </p:childTnLst>
+                          </p:cTn>
+                        </p:par>
+                      </p:childTnLst>
+                    </p:cTn>
+                  </p:par>
+                </p:childTnLst>
+              </p:cTn>
+              <p:prevCondLst>
+                <p:cond evt="onPrev" delay="0">
+                  <p:tgtEl>
+                    <p:sldTgt/>
+                  </p:tgtEl>
+                </p:cond>
+              </p:prevCondLst>
+              <p:nextCondLst>
+                <p:cond evt="onNext" delay="0">
+                  <p:tgtEl>
+                    <p:sldTgt/>
+                  </p:tgtEl>
+                </p:cond>
+              </p:nextCondLst>
+            </p:seq>
+          </p:childTnLst>
+        </p:cTn>
+      </p:par>
+    </p:tnLst>
+    <p:bldLst>
+      <p:bldP spid="3" grpId="0" build="p"/>
+    </p:bldLst>
+  </p:timing>
 </p:sld>
 </file>
 
@@ -26717,6 +28446,21 @@
 </file>
 
 <file path=customXml/item1.xml><?xml version="1.0" encoding="utf-8"?>
+<?mso-contentType ?>
+<FormTemplates xmlns="http://schemas.microsoft.com/sharepoint/v3/contenttype/forms">
+  <Display>DocumentLibraryForm</Display>
+  <Edit>DocumentLibraryForm</Edit>
+  <New>DocumentLibraryForm</New>
+</FormTemplates>
+</file>
+
+<file path=customXml/item2.xml><?xml version="1.0" encoding="utf-8"?>
+<p:properties xmlns:p="http://schemas.microsoft.com/office/2006/metadata/properties" xmlns:xsi="http://www.w3.org/2001/XMLSchema-instance" xmlns:pc="http://schemas.microsoft.com/office/infopath/2007/PartnerControls">
+  <documentManagement/>
+</p:properties>
+</file>
+
+<file path=customXml/item3.xml><?xml version="1.0" encoding="utf-8"?>
 <ct:contentTypeSchema xmlns:ct="http://schemas.microsoft.com/office/2006/metadata/contentType" xmlns:ma="http://schemas.microsoft.com/office/2006/metadata/properties/metaAttributes" ct:_="" ma:_="" ma:contentTypeName="Document" ma:contentTypeID="0x010100062A1965C0ED8D4B93D90EC9097FB304" ma:contentTypeVersion="13" ma:contentTypeDescription="Create a new document." ma:contentTypeScope="" ma:versionID="ad8c00255a362f38b965062bb6973433">
   <xsd:schema xmlns:xsd="http://www.w3.org/2001/XMLSchema" xmlns:xs="http://www.w3.org/2001/XMLSchema" xmlns:p="http://schemas.microsoft.com/office/2006/metadata/properties" xmlns:ns3="cab83b3b-4db3-4a13-8dd4-e60be6d87cf5" xmlns:ns4="c2e86655-d7ed-4420-bc92-1b9547829f54" targetNamespace="http://schemas.microsoft.com/office/2006/metadata/properties" ma:root="true" ma:fieldsID="d47f86c9060cacabc5fb99b2dd628c7d" ns3:_="" ns4:_="">
     <xsd:import namespace="cab83b3b-4db3-4a13-8dd4-e60be6d87cf5"/>
@@ -26939,22 +28683,32 @@
 </ct:contentTypeSchema>
 </file>
 
-<file path=customXml/item2.xml><?xml version="1.0" encoding="utf-8"?>
-<?mso-contentType ?>
-<FormTemplates xmlns="http://schemas.microsoft.com/sharepoint/v3/contenttype/forms">
-  <Display>DocumentLibraryForm</Display>
-  <Edit>DocumentLibraryForm</Edit>
-  <New>DocumentLibraryForm</New>
-</FormTemplates>
+<file path=customXml/itemProps1.xml><?xml version="1.0" encoding="utf-8"?>
+<ds:datastoreItem xmlns:ds="http://schemas.openxmlformats.org/officeDocument/2006/customXml" ds:itemID="{07A05CC1-FF68-453F-AE9C-352B80151440}">
+  <ds:schemaRefs>
+    <ds:schemaRef ds:uri="http://schemas.microsoft.com/sharepoint/v3/contenttype/forms"/>
+  </ds:schemaRefs>
+</ds:datastoreItem>
 </file>
 
-<file path=customXml/item3.xml><?xml version="1.0" encoding="utf-8"?>
-<p:properties xmlns:p="http://schemas.microsoft.com/office/2006/metadata/properties" xmlns:xsi="http://www.w3.org/2001/XMLSchema-instance" xmlns:pc="http://schemas.microsoft.com/office/infopath/2007/PartnerControls">
-  <documentManagement/>
-</p:properties>
+<file path=customXml/itemProps2.xml><?xml version="1.0" encoding="utf-8"?>
+<ds:datastoreItem xmlns:ds="http://schemas.openxmlformats.org/officeDocument/2006/customXml" ds:itemID="{1B174DBE-1AD7-495B-B168-212A7EE723A6}">
+  <ds:schemaRefs>
+    <ds:schemaRef ds:uri="http://schemas.microsoft.com/office/2006/documentManagement/types"/>
+    <ds:schemaRef ds:uri="http://schemas.openxmlformats.org/package/2006/metadata/core-properties"/>
+    <ds:schemaRef ds:uri="c2e86655-d7ed-4420-bc92-1b9547829f54"/>
+    <ds:schemaRef ds:uri="http://purl.org/dc/elements/1.1/"/>
+    <ds:schemaRef ds:uri="http://schemas.microsoft.com/office/infopath/2007/PartnerControls"/>
+    <ds:schemaRef ds:uri="cab83b3b-4db3-4a13-8dd4-e60be6d87cf5"/>
+    <ds:schemaRef ds:uri="http://schemas.microsoft.com/office/2006/metadata/properties"/>
+    <ds:schemaRef ds:uri="http://purl.org/dc/terms/"/>
+    <ds:schemaRef ds:uri="http://www.w3.org/XML/1998/namespace"/>
+    <ds:schemaRef ds:uri="http://purl.org/dc/dcmitype/"/>
+  </ds:schemaRefs>
+</ds:datastoreItem>
 </file>
 
-<file path=customXml/itemProps1.xml><?xml version="1.0" encoding="utf-8"?>
+<file path=customXml/itemProps3.xml><?xml version="1.0" encoding="utf-8"?>
 <ds:datastoreItem xmlns:ds="http://schemas.openxmlformats.org/officeDocument/2006/customXml" ds:itemID="{03233C07-2685-44F7-9601-FF64EA49BA1B}">
   <ds:schemaRefs>
     <ds:schemaRef ds:uri="http://schemas.microsoft.com/office/2006/metadata/contentType"/>
@@ -26971,29 +28725,4 @@
     <ds:schemaRef ds:uri="http://schemas.microsoft.com/internal/obd"/>
   </ds:schemaRefs>
 </ds:datastoreItem>
-</file>
-
-<file path=customXml/itemProps2.xml><?xml version="1.0" encoding="utf-8"?>
-<ds:datastoreItem xmlns:ds="http://schemas.openxmlformats.org/officeDocument/2006/customXml" ds:itemID="{07A05CC1-FF68-453F-AE9C-352B80151440}">
-  <ds:schemaRefs>
-    <ds:schemaRef ds:uri="http://schemas.microsoft.com/sharepoint/v3/contenttype/forms"/>
-  </ds:schemaRefs>
-</ds:datastoreItem>
-</file>
-
-<file path=customXml/itemProps3.xml><?xml version="1.0" encoding="utf-8"?>
-<ds:datastoreItem xmlns:ds="http://schemas.openxmlformats.org/officeDocument/2006/customXml" ds:itemID="{1B174DBE-1AD7-495B-B168-212A7EE723A6}">
-  <ds:schemaRefs>
-    <ds:schemaRef ds:uri="http://schemas.microsoft.com/office/2006/documentManagement/types"/>
-    <ds:schemaRef ds:uri="http://schemas.openxmlformats.org/package/2006/metadata/core-properties"/>
-    <ds:schemaRef ds:uri="c2e86655-d7ed-4420-bc92-1b9547829f54"/>
-    <ds:schemaRef ds:uri="http://purl.org/dc/elements/1.1/"/>
-    <ds:schemaRef ds:uri="http://schemas.microsoft.com/office/infopath/2007/PartnerControls"/>
-    <ds:schemaRef ds:uri="cab83b3b-4db3-4a13-8dd4-e60be6d87cf5"/>
-    <ds:schemaRef ds:uri="http://schemas.microsoft.com/office/2006/metadata/properties"/>
-    <ds:schemaRef ds:uri="http://purl.org/dc/terms/"/>
-    <ds:schemaRef ds:uri="http://www.w3.org/XML/1998/namespace"/>
-    <ds:schemaRef ds:uri="http://purl.org/dc/dcmitype/"/>
-  </ds:schemaRefs>
-</ds:datastoreItem>
 </file>
--- a/thesis/ukapp2/wqu_isc/sofware_design/Javabc04.pptx
+++ b/thesis/ukapp2/wqu_isc/sofware_design/Javabc04.pptx
@@ -250,7 +250,7 @@
           <a:p>
             <a:fld id="{90934801-70BC-4C45-ABF4-D245F80D8686}" type="datetimeFigureOut">
               <a:rPr lang="en-GB" smtClean="0"/>
-              <a:t>27/10/2020</a:t>
+              <a:t>28/10/2020</a:t>
             </a:fld>
             <a:endParaRPr lang="en-GB"/>
           </a:p>
@@ -1082,7 +1082,7 @@
           <a:p>
             <a:fld id="{CD13FC2D-BEDB-45BE-AF82-649A39BEFF71}" type="datetimeFigureOut">
               <a:rPr lang="en-GB" smtClean="0"/>
-              <a:t>27/10/2020</a:t>
+              <a:t>28/10/2020</a:t>
             </a:fld>
             <a:endParaRPr lang="en-GB"/>
           </a:p>
@@ -1293,7 +1293,7 @@
           <a:p>
             <a:fld id="{CD13FC2D-BEDB-45BE-AF82-649A39BEFF71}" type="datetimeFigureOut">
               <a:rPr lang="en-GB" smtClean="0"/>
-              <a:t>27/10/2020</a:t>
+              <a:t>28/10/2020</a:t>
             </a:fld>
             <a:endParaRPr lang="en-GB"/>
           </a:p>
@@ -1552,7 +1552,7 @@
           <a:p>
             <a:fld id="{CD13FC2D-BEDB-45BE-AF82-649A39BEFF71}" type="datetimeFigureOut">
               <a:rPr lang="en-GB" smtClean="0"/>
-              <a:t>27/10/2020</a:t>
+              <a:t>28/10/2020</a:t>
             </a:fld>
             <a:endParaRPr lang="en-GB"/>
           </a:p>
@@ -1725,7 +1725,7 @@
           <a:p>
             <a:fld id="{CD13FC2D-BEDB-45BE-AF82-649A39BEFF71}" type="datetimeFigureOut">
               <a:rPr lang="en-GB" smtClean="0"/>
-              <a:t>27/10/2020</a:t>
+              <a:t>28/10/2020</a:t>
             </a:fld>
             <a:endParaRPr lang="en-GB"/>
           </a:p>
@@ -2071,7 +2071,7 @@
           <a:p>
             <a:fld id="{CD13FC2D-BEDB-45BE-AF82-649A39BEFF71}" type="datetimeFigureOut">
               <a:rPr lang="en-GB" smtClean="0"/>
-              <a:t>27/10/2020</a:t>
+              <a:t>28/10/2020</a:t>
             </a:fld>
             <a:endParaRPr lang="en-GB"/>
           </a:p>
@@ -2349,7 +2349,7 @@
           <a:p>
             <a:fld id="{CD13FC2D-BEDB-45BE-AF82-649A39BEFF71}" type="datetimeFigureOut">
               <a:rPr lang="en-GB" smtClean="0"/>
-              <a:t>27/10/2020</a:t>
+              <a:t>28/10/2020</a:t>
             </a:fld>
             <a:endParaRPr lang="en-GB"/>
           </a:p>
@@ -2731,7 +2731,7 @@
           <a:p>
             <a:fld id="{CD13FC2D-BEDB-45BE-AF82-649A39BEFF71}" type="datetimeFigureOut">
               <a:rPr lang="en-GB" smtClean="0"/>
-              <a:t>27/10/2020</a:t>
+              <a:t>28/10/2020</a:t>
             </a:fld>
             <a:endParaRPr lang="en-GB"/>
           </a:p>
@@ -2852,7 +2852,7 @@
           <a:p>
             <a:fld id="{CD13FC2D-BEDB-45BE-AF82-649A39BEFF71}" type="datetimeFigureOut">
               <a:rPr lang="en-GB" smtClean="0"/>
-              <a:t>27/10/2020</a:t>
+              <a:t>28/10/2020</a:t>
             </a:fld>
             <a:endParaRPr lang="en-GB"/>
           </a:p>
@@ -3026,7 +3026,7 @@
           <a:p>
             <a:fld id="{CD13FC2D-BEDB-45BE-AF82-649A39BEFF71}" type="datetimeFigureOut">
               <a:rPr lang="en-GB" smtClean="0"/>
-              <a:t>27/10/2020</a:t>
+              <a:t>28/10/2020</a:t>
             </a:fld>
             <a:endParaRPr lang="en-GB"/>
           </a:p>
@@ -3383,7 +3383,7 @@
           <a:p>
             <a:fld id="{CD13FC2D-BEDB-45BE-AF82-649A39BEFF71}" type="datetimeFigureOut">
               <a:rPr lang="en-GB" smtClean="0"/>
-              <a:t>27/10/2020</a:t>
+              <a:t>28/10/2020</a:t>
             </a:fld>
             <a:endParaRPr lang="en-GB"/>
           </a:p>
@@ -3768,7 +3768,7 @@
           <a:p>
             <a:fld id="{CD13FC2D-BEDB-45BE-AF82-649A39BEFF71}" type="datetimeFigureOut">
               <a:rPr lang="en-GB" smtClean="0"/>
-              <a:t>27/10/2020</a:t>
+              <a:t>28/10/2020</a:t>
             </a:fld>
             <a:endParaRPr lang="en-GB"/>
           </a:p>
@@ -4058,7 +4058,7 @@
           <a:p>
             <a:fld id="{CD13FC2D-BEDB-45BE-AF82-649A39BEFF71}" type="datetimeFigureOut">
               <a:rPr lang="en-GB" smtClean="0"/>
-              <a:t>27/10/2020</a:t>
+              <a:t>28/10/2020</a:t>
             </a:fld>
             <a:endParaRPr lang="en-GB"/>
           </a:p>
@@ -7533,7 +7533,7 @@
             </a:br>
             <a:r>
               <a:rPr lang="en-GB" sz="3600" dirty="0"/>
-              <a:t>– Why so many faces</a:t>
+              <a:t>– Why so many faces?</a:t>
             </a:r>
           </a:p>
         </p:txBody>
@@ -23591,42 +23591,6 @@
           </a:p>
         </p:txBody>
       </p:sp>
-      <p:pic>
-        <p:nvPicPr>
-          <p:cNvPr id="5" name="Picture 4" descr="Table&#10;&#10;Description automatically generated">
-            <a:extLst>
-              <a:ext uri="{FF2B5EF4-FFF2-40B4-BE49-F238E27FC236}">
-                <a16:creationId xmlns:a16="http://schemas.microsoft.com/office/drawing/2014/main" id="{0FF41ACA-E319-43E7-AA6F-1720EC78CAB7}"/>
-              </a:ext>
-            </a:extLst>
-          </p:cNvPr>
-          <p:cNvPicPr>
-            <a:picLocks noChangeAspect="1"/>
-          </p:cNvPicPr>
-          <p:nvPr/>
-        </p:nvPicPr>
-        <p:blipFill>
-          <a:blip r:embed="rId2">
-            <a:extLst>
-              <a:ext uri="{28A0092B-C50C-407E-A947-70E740481C1C}">
-                <a14:useLocalDpi xmlns:a14="http://schemas.microsoft.com/office/drawing/2010/main" val="0"/>
-              </a:ext>
-            </a:extLst>
-          </a:blip>
-          <a:stretch>
-            <a:fillRect/>
-          </a:stretch>
-        </p:blipFill>
-        <p:spPr>
-          <a:xfrm>
-            <a:off x="1367161" y="2315942"/>
-            <a:ext cx="2086253" cy="3861512"/>
-          </a:xfrm>
-          <a:prstGeom prst="rect">
-            <a:avLst/>
-          </a:prstGeom>
-        </p:spPr>
-      </p:pic>
       <p:sp>
         <p:nvSpPr>
           <p:cNvPr id="7" name="Rectangle 1">
@@ -25134,6 +25098,42 @@
           </a:p>
         </p:txBody>
       </p:sp>
+      <p:pic>
+        <p:nvPicPr>
+          <p:cNvPr id="6" name="Picture 5" descr="Table&#10;&#10;Description automatically generated">
+            <a:extLst>
+              <a:ext uri="{FF2B5EF4-FFF2-40B4-BE49-F238E27FC236}">
+                <a16:creationId xmlns:a16="http://schemas.microsoft.com/office/drawing/2014/main" id="{3BA8D0E4-7195-411F-A3F5-142E4205BFD4}"/>
+              </a:ext>
+            </a:extLst>
+          </p:cNvPr>
+          <p:cNvPicPr>
+            <a:picLocks noChangeAspect="1"/>
+          </p:cNvPicPr>
+          <p:nvPr/>
+        </p:nvPicPr>
+        <p:blipFill>
+          <a:blip r:embed="rId2">
+            <a:extLst>
+              <a:ext uri="{28A0092B-C50C-407E-A947-70E740481C1C}">
+                <a14:useLocalDpi xmlns:a14="http://schemas.microsoft.com/office/drawing/2010/main" val="0"/>
+              </a:ext>
+            </a:extLst>
+          </a:blip>
+          <a:stretch>
+            <a:fillRect/>
+          </a:stretch>
+        </p:blipFill>
+        <p:spPr>
+          <a:xfrm>
+            <a:off x="1118597" y="2085189"/>
+            <a:ext cx="2227918" cy="4123724"/>
+          </a:xfrm>
+          <a:prstGeom prst="rect">
+            <a:avLst/>
+          </a:prstGeom>
+        </p:spPr>
+      </p:pic>
     </p:spTree>
     <p:extLst>
       <p:ext uri="{BB962C8B-B14F-4D97-AF65-F5344CB8AC3E}">
@@ -25570,7 +25570,7 @@
               <a:rPr lang="en-GB" dirty="0">
                 <a:hlinkClick r:id="rId6"/>
               </a:rPr>
-              <a:t>Link to today’s Session  </a:t>
+              <a:t>Link to today’s Session screencast  </a:t>
             </a:r>
             <a:endParaRPr lang="en-GB" dirty="0"/>
           </a:p>
@@ -26452,7 +26452,7 @@
         </p:nvSpPr>
         <p:spPr>
           <a:xfrm>
-            <a:off x="1884661" y="3809318"/>
+            <a:off x="1884661" y="2649821"/>
             <a:ext cx="257453" cy="266330"/>
           </a:xfrm>
           <a:prstGeom prst="ellipse">
@@ -28694,16 +28694,16 @@
 <file path=customXml/itemProps2.xml><?xml version="1.0" encoding="utf-8"?>
 <ds:datastoreItem xmlns:ds="http://schemas.openxmlformats.org/officeDocument/2006/customXml" ds:itemID="{1B174DBE-1AD7-495B-B168-212A7EE723A6}">
   <ds:schemaRefs>
+    <ds:schemaRef ds:uri="http://purl.org/dc/dcmitype/"/>
     <ds:schemaRef ds:uri="http://schemas.microsoft.com/office/2006/documentManagement/types"/>
+    <ds:schemaRef ds:uri="http://www.w3.org/XML/1998/namespace"/>
+    <ds:schemaRef ds:uri="cab83b3b-4db3-4a13-8dd4-e60be6d87cf5"/>
+    <ds:schemaRef ds:uri="http://schemas.microsoft.com/office/infopath/2007/PartnerControls"/>
+    <ds:schemaRef ds:uri="http://purl.org/dc/terms/"/>
+    <ds:schemaRef ds:uri="c2e86655-d7ed-4420-bc92-1b9547829f54"/>
     <ds:schemaRef ds:uri="http://schemas.openxmlformats.org/package/2006/metadata/core-properties"/>
-    <ds:schemaRef ds:uri="c2e86655-d7ed-4420-bc92-1b9547829f54"/>
+    <ds:schemaRef ds:uri="http://schemas.microsoft.com/office/2006/metadata/properties"/>
     <ds:schemaRef ds:uri="http://purl.org/dc/elements/1.1/"/>
-    <ds:schemaRef ds:uri="http://schemas.microsoft.com/office/infopath/2007/PartnerControls"/>
-    <ds:schemaRef ds:uri="cab83b3b-4db3-4a13-8dd4-e60be6d87cf5"/>
-    <ds:schemaRef ds:uri="http://schemas.microsoft.com/office/2006/metadata/properties"/>
-    <ds:schemaRef ds:uri="http://purl.org/dc/terms/"/>
-    <ds:schemaRef ds:uri="http://www.w3.org/XML/1998/namespace"/>
-    <ds:schemaRef ds:uri="http://purl.org/dc/dcmitype/"/>
   </ds:schemaRefs>
 </ds:datastoreItem>
 </file>
